--- a/Diagnostics/local/Figures/paper_figures/Fig6.pptx
+++ b/Diagnostics/local/Figures/paper_figures/Fig6.pptx
@@ -2,7 +2,7 @@
 <file path=ppt/presentation.xml><?xml version="1.0" encoding="utf-8"?>
 <p:presentation xmlns:a="http://schemas.openxmlformats.org/drawingml/2006/main" xmlns:r="http://schemas.openxmlformats.org/officeDocument/2006/relationships" xmlns:p="http://schemas.openxmlformats.org/presentationml/2006/main" saveSubsetFonts="1">
   <p:sldMasterIdLst>
-    <p:sldMasterId id="2147483768" r:id="rId1"/>
+    <p:sldMasterId id="2147483780" r:id="rId1"/>
   </p:sldMasterIdLst>
   <p:notesMasterIdLst>
     <p:notesMasterId r:id="rId3"/>
@@ -10,7 +10,7 @@
   <p:sldIdLst>
     <p:sldId id="257" r:id="rId2"/>
   </p:sldIdLst>
-  <p:sldSz cx="13258800" cy="7315200"/>
+  <p:sldSz cx="13258800" cy="9144000"/>
   <p:notesSz cx="6858000" cy="9144000"/>
   <p:defaultTextStyle>
     <a:defPPr>
@@ -197,7 +197,7 @@
           <a:p>
             <a:fld id="{EF01F5E3-F218-412E-8BC3-D55FF0C40A04}" type="datetimeFigureOut">
               <a:rPr lang="en-US" smtClean="0"/>
-              <a:t>4/20/2023</a:t>
+              <a:t>5/11/2023</a:t>
             </a:fld>
             <a:endParaRPr lang="en-US"/>
           </a:p>
@@ -215,8 +215,8 @@
         </p:nvSpPr>
         <p:spPr>
           <a:xfrm>
-            <a:off x="633413" y="1143000"/>
-            <a:ext cx="5591175" cy="3086100"/>
+            <a:off x="1192213" y="1143000"/>
+            <a:ext cx="4473575" cy="3086100"/>
           </a:xfrm>
           <a:prstGeom prst="rect">
             <a:avLst/>
@@ -493,8 +493,8 @@
         </p:nvSpPr>
         <p:spPr>
           <a:xfrm>
-            <a:off x="633413" y="1143000"/>
-            <a:ext cx="5591175" cy="3086100"/>
+            <a:off x="1192213" y="1143000"/>
+            <a:ext cx="4473575" cy="3086100"/>
           </a:xfrm>
         </p:spPr>
       </p:sp>
@@ -582,15 +582,15 @@
         </p:nvSpPr>
         <p:spPr>
           <a:xfrm>
-            <a:off x="1657350" y="1197187"/>
-            <a:ext cx="9944100" cy="2546773"/>
+            <a:off x="994410" y="1496484"/>
+            <a:ext cx="11269980" cy="3183467"/>
           </a:xfrm>
         </p:spPr>
         <p:txBody>
           <a:bodyPr anchor="b"/>
           <a:lstStyle>
             <a:lvl1pPr algn="ctr">
-              <a:defRPr sz="6400"/>
+              <a:defRPr sz="8000"/>
             </a:lvl1pPr>
           </a:lstStyle>
           <a:p>
@@ -614,8 +614,8 @@
         </p:nvSpPr>
         <p:spPr>
           <a:xfrm>
-            <a:off x="1657350" y="3842174"/>
-            <a:ext cx="9944100" cy="1766146"/>
+            <a:off x="1657350" y="4802717"/>
+            <a:ext cx="9944100" cy="2207683"/>
           </a:xfrm>
         </p:spPr>
         <p:txBody>
@@ -623,39 +623,39 @@
           <a:lstStyle>
             <a:lvl1pPr marL="0" indent="0" algn="ctr">
               <a:buNone/>
-              <a:defRPr sz="2560"/>
+              <a:defRPr sz="3200"/>
             </a:lvl1pPr>
-            <a:lvl2pPr marL="487695" indent="0" algn="ctr">
+            <a:lvl2pPr marL="609585" indent="0" algn="ctr">
+              <a:buNone/>
+              <a:defRPr sz="2667"/>
+            </a:lvl2pPr>
+            <a:lvl3pPr marL="1219170" indent="0" algn="ctr">
+              <a:buNone/>
+              <a:defRPr sz="2400"/>
+            </a:lvl3pPr>
+            <a:lvl4pPr marL="1828754" indent="0" algn="ctr">
               <a:buNone/>
               <a:defRPr sz="2133"/>
-            </a:lvl2pPr>
-            <a:lvl3pPr marL="975390" indent="0" algn="ctr">
-              <a:buNone/>
-              <a:defRPr sz="1920"/>
-            </a:lvl3pPr>
-            <a:lvl4pPr marL="1463086" indent="0" algn="ctr">
-              <a:buNone/>
-              <a:defRPr sz="1707"/>
             </a:lvl4pPr>
-            <a:lvl5pPr marL="1950781" indent="0" algn="ctr">
-              <a:buNone/>
-              <a:defRPr sz="1707"/>
+            <a:lvl5pPr marL="2438339" indent="0" algn="ctr">
+              <a:buNone/>
+              <a:defRPr sz="2133"/>
             </a:lvl5pPr>
-            <a:lvl6pPr marL="2438476" indent="0" algn="ctr">
-              <a:buNone/>
-              <a:defRPr sz="1707"/>
+            <a:lvl6pPr marL="3047924" indent="0" algn="ctr">
+              <a:buNone/>
+              <a:defRPr sz="2133"/>
             </a:lvl6pPr>
-            <a:lvl7pPr marL="2926171" indent="0" algn="ctr">
-              <a:buNone/>
-              <a:defRPr sz="1707"/>
+            <a:lvl7pPr marL="3657509" indent="0" algn="ctr">
+              <a:buNone/>
+              <a:defRPr sz="2133"/>
             </a:lvl7pPr>
-            <a:lvl8pPr marL="3413867" indent="0" algn="ctr">
-              <a:buNone/>
-              <a:defRPr sz="1707"/>
+            <a:lvl8pPr marL="4267093" indent="0" algn="ctr">
+              <a:buNone/>
+              <a:defRPr sz="2133"/>
             </a:lvl8pPr>
-            <a:lvl9pPr marL="3901562" indent="0" algn="ctr">
-              <a:buNone/>
-              <a:defRPr sz="1707"/>
+            <a:lvl9pPr marL="4876678" indent="0" algn="ctr">
+              <a:buNone/>
+              <a:defRPr sz="2133"/>
             </a:lvl9pPr>
           </a:lstStyle>
           <a:p>
@@ -684,7 +684,7 @@
           <a:p>
             <a:fld id="{D7255102-6478-444A-A334-5416F04ED077}" type="datetimeFigureOut">
               <a:rPr lang="en-US" smtClean="0"/>
-              <a:t>4/20/2023</a:t>
+              <a:t>5/11/2023</a:t>
             </a:fld>
             <a:endParaRPr lang="en-US"/>
           </a:p>
@@ -735,7 +735,7 @@
     </p:spTree>
     <p:extLst>
       <p:ext uri="{BB962C8B-B14F-4D97-AF65-F5344CB8AC3E}">
-        <p14:creationId xmlns:p14="http://schemas.microsoft.com/office/powerpoint/2010/main" val="1140646750"/>
+        <p14:creationId xmlns:p14="http://schemas.microsoft.com/office/powerpoint/2010/main" val="3422760104"/>
       </p:ext>
     </p:extLst>
   </p:cSld>
@@ -854,7 +854,7 @@
           <a:p>
             <a:fld id="{D7255102-6478-444A-A334-5416F04ED077}" type="datetimeFigureOut">
               <a:rPr lang="en-US" smtClean="0"/>
-              <a:t>4/20/2023</a:t>
+              <a:t>5/11/2023</a:t>
             </a:fld>
             <a:endParaRPr lang="en-US"/>
           </a:p>
@@ -905,7 +905,7 @@
     </p:spTree>
     <p:extLst>
       <p:ext uri="{BB962C8B-B14F-4D97-AF65-F5344CB8AC3E}">
-        <p14:creationId xmlns:p14="http://schemas.microsoft.com/office/powerpoint/2010/main" val="2483943453"/>
+        <p14:creationId xmlns:p14="http://schemas.microsoft.com/office/powerpoint/2010/main" val="1512065712"/>
       </p:ext>
     </p:extLst>
   </p:cSld>
@@ -944,8 +944,8 @@
         </p:nvSpPr>
         <p:spPr>
           <a:xfrm>
-            <a:off x="9488329" y="389467"/>
-            <a:ext cx="2858929" cy="6199294"/>
+            <a:off x="9488329" y="486834"/>
+            <a:ext cx="2858929" cy="7749117"/>
           </a:xfrm>
         </p:spPr>
         <p:txBody>
@@ -972,8 +972,8 @@
         </p:nvSpPr>
         <p:spPr>
           <a:xfrm>
-            <a:off x="911543" y="389467"/>
-            <a:ext cx="8411051" cy="6199294"/>
+            <a:off x="911543" y="486834"/>
+            <a:ext cx="8411051" cy="7749117"/>
           </a:xfrm>
         </p:spPr>
         <p:txBody>
@@ -1034,7 +1034,7 @@
           <a:p>
             <a:fld id="{D7255102-6478-444A-A334-5416F04ED077}" type="datetimeFigureOut">
               <a:rPr lang="en-US" smtClean="0"/>
-              <a:t>4/20/2023</a:t>
+              <a:t>5/11/2023</a:t>
             </a:fld>
             <a:endParaRPr lang="en-US"/>
           </a:p>
@@ -1085,7 +1085,7 @@
     </p:spTree>
     <p:extLst>
       <p:ext uri="{BB962C8B-B14F-4D97-AF65-F5344CB8AC3E}">
-        <p14:creationId xmlns:p14="http://schemas.microsoft.com/office/powerpoint/2010/main" val="1363759358"/>
+        <p14:creationId xmlns:p14="http://schemas.microsoft.com/office/powerpoint/2010/main" val="788024782"/>
       </p:ext>
     </p:extLst>
   </p:cSld>
@@ -1204,7 +1204,7 @@
           <a:p>
             <a:fld id="{D7255102-6478-444A-A334-5416F04ED077}" type="datetimeFigureOut">
               <a:rPr lang="en-US" smtClean="0"/>
-              <a:t>4/20/2023</a:t>
+              <a:t>5/11/2023</a:t>
             </a:fld>
             <a:endParaRPr lang="en-US"/>
           </a:p>
@@ -1255,7 +1255,7 @@
     </p:spTree>
     <p:extLst>
       <p:ext uri="{BB962C8B-B14F-4D97-AF65-F5344CB8AC3E}">
-        <p14:creationId xmlns:p14="http://schemas.microsoft.com/office/powerpoint/2010/main" val="3273063674"/>
+        <p14:creationId xmlns:p14="http://schemas.microsoft.com/office/powerpoint/2010/main" val="2590027651"/>
       </p:ext>
     </p:extLst>
   </p:cSld>
@@ -1294,15 +1294,15 @@
         </p:nvSpPr>
         <p:spPr>
           <a:xfrm>
-            <a:off x="904637" y="1823721"/>
-            <a:ext cx="11435715" cy="3042919"/>
+            <a:off x="904638" y="2279653"/>
+            <a:ext cx="11435715" cy="3803649"/>
           </a:xfrm>
         </p:spPr>
         <p:txBody>
           <a:bodyPr anchor="b"/>
           <a:lstStyle>
             <a:lvl1pPr>
-              <a:defRPr sz="6400"/>
+              <a:defRPr sz="8000"/>
             </a:lvl1pPr>
           </a:lstStyle>
           <a:p>
@@ -1326,8 +1326,8 @@
         </p:nvSpPr>
         <p:spPr>
           <a:xfrm>
-            <a:off x="904637" y="4895428"/>
-            <a:ext cx="11435715" cy="1600199"/>
+            <a:off x="904638" y="6119286"/>
+            <a:ext cx="11435715" cy="2000249"/>
           </a:xfrm>
         </p:spPr>
         <p:txBody>
@@ -1335,15 +1335,33 @@
           <a:lstStyle>
             <a:lvl1pPr marL="0" indent="0">
               <a:buNone/>
-              <a:defRPr sz="2560">
+              <a:defRPr sz="3200">
+                <a:solidFill>
+                  <a:schemeClr val="tx1"/>
+                </a:solidFill>
+              </a:defRPr>
+            </a:lvl1pPr>
+            <a:lvl2pPr marL="609585" indent="0">
+              <a:buNone/>
+              <a:defRPr sz="2667">
                 <a:solidFill>
                   <a:schemeClr val="tx1">
                     <a:tint val="75000"/>
                   </a:schemeClr>
                 </a:solidFill>
               </a:defRPr>
-            </a:lvl1pPr>
-            <a:lvl2pPr marL="487695" indent="0">
+            </a:lvl2pPr>
+            <a:lvl3pPr marL="1219170" indent="0">
+              <a:buNone/>
+              <a:defRPr sz="2400">
+                <a:solidFill>
+                  <a:schemeClr val="tx1">
+                    <a:tint val="75000"/>
+                  </a:schemeClr>
+                </a:solidFill>
+              </a:defRPr>
+            </a:lvl3pPr>
+            <a:lvl4pPr marL="1828754" indent="0">
               <a:buNone/>
               <a:defRPr sz="2133">
                 <a:solidFill>
@@ -1352,30 +1370,10 @@
                   </a:schemeClr>
                 </a:solidFill>
               </a:defRPr>
-            </a:lvl2pPr>
-            <a:lvl3pPr marL="975390" indent="0">
-              <a:buNone/>
-              <a:defRPr sz="1920">
-                <a:solidFill>
-                  <a:schemeClr val="tx1">
-                    <a:tint val="75000"/>
-                  </a:schemeClr>
-                </a:solidFill>
-              </a:defRPr>
-            </a:lvl3pPr>
-            <a:lvl4pPr marL="1463086" indent="0">
-              <a:buNone/>
-              <a:defRPr sz="1707">
-                <a:solidFill>
-                  <a:schemeClr val="tx1">
-                    <a:tint val="75000"/>
-                  </a:schemeClr>
-                </a:solidFill>
-              </a:defRPr>
             </a:lvl4pPr>
-            <a:lvl5pPr marL="1950781" indent="0">
-              <a:buNone/>
-              <a:defRPr sz="1707">
+            <a:lvl5pPr marL="2438339" indent="0">
+              <a:buNone/>
+              <a:defRPr sz="2133">
                 <a:solidFill>
                   <a:schemeClr val="tx1">
                     <a:tint val="75000"/>
@@ -1383,9 +1381,9 @@
                 </a:solidFill>
               </a:defRPr>
             </a:lvl5pPr>
-            <a:lvl6pPr marL="2438476" indent="0">
-              <a:buNone/>
-              <a:defRPr sz="1707">
+            <a:lvl6pPr marL="3047924" indent="0">
+              <a:buNone/>
+              <a:defRPr sz="2133">
                 <a:solidFill>
                   <a:schemeClr val="tx1">
                     <a:tint val="75000"/>
@@ -1393,9 +1391,9 @@
                 </a:solidFill>
               </a:defRPr>
             </a:lvl6pPr>
-            <a:lvl7pPr marL="2926171" indent="0">
-              <a:buNone/>
-              <a:defRPr sz="1707">
+            <a:lvl7pPr marL="3657509" indent="0">
+              <a:buNone/>
+              <a:defRPr sz="2133">
                 <a:solidFill>
                   <a:schemeClr val="tx1">
                     <a:tint val="75000"/>
@@ -1403,9 +1401,9 @@
                 </a:solidFill>
               </a:defRPr>
             </a:lvl7pPr>
-            <a:lvl8pPr marL="3413867" indent="0">
-              <a:buNone/>
-              <a:defRPr sz="1707">
+            <a:lvl8pPr marL="4267093" indent="0">
+              <a:buNone/>
+              <a:defRPr sz="2133">
                 <a:solidFill>
                   <a:schemeClr val="tx1">
                     <a:tint val="75000"/>
@@ -1413,9 +1411,9 @@
                 </a:solidFill>
               </a:defRPr>
             </a:lvl8pPr>
-            <a:lvl9pPr marL="3901562" indent="0">
-              <a:buNone/>
-              <a:defRPr sz="1707">
+            <a:lvl9pPr marL="4876678" indent="0">
+              <a:buNone/>
+              <a:defRPr sz="2133">
                 <a:solidFill>
                   <a:schemeClr val="tx1">
                     <a:tint val="75000"/>
@@ -1450,7 +1448,7 @@
           <a:p>
             <a:fld id="{D7255102-6478-444A-A334-5416F04ED077}" type="datetimeFigureOut">
               <a:rPr lang="en-US" smtClean="0"/>
-              <a:t>4/20/2023</a:t>
+              <a:t>5/11/2023</a:t>
             </a:fld>
             <a:endParaRPr lang="en-US"/>
           </a:p>
@@ -1501,7 +1499,7 @@
     </p:spTree>
     <p:extLst>
       <p:ext uri="{BB962C8B-B14F-4D97-AF65-F5344CB8AC3E}">
-        <p14:creationId xmlns:p14="http://schemas.microsoft.com/office/powerpoint/2010/main" val="429896781"/>
+        <p14:creationId xmlns:p14="http://schemas.microsoft.com/office/powerpoint/2010/main" val="2722647036"/>
       </p:ext>
     </p:extLst>
   </p:cSld>
@@ -1563,8 +1561,8 @@
         </p:nvSpPr>
         <p:spPr>
           <a:xfrm>
-            <a:off x="911543" y="1947333"/>
-            <a:ext cx="5634990" cy="4641427"/>
+            <a:off x="911543" y="2434167"/>
+            <a:ext cx="5634990" cy="5801784"/>
           </a:xfrm>
         </p:spPr>
         <p:txBody>
@@ -1620,8 +1618,8 @@
         </p:nvSpPr>
         <p:spPr>
           <a:xfrm>
-            <a:off x="6712268" y="1947333"/>
-            <a:ext cx="5634990" cy="4641427"/>
+            <a:off x="6712268" y="2434167"/>
+            <a:ext cx="5634990" cy="5801784"/>
           </a:xfrm>
         </p:spPr>
         <p:txBody>
@@ -1682,7 +1680,7 @@
           <a:p>
             <a:fld id="{D7255102-6478-444A-A334-5416F04ED077}" type="datetimeFigureOut">
               <a:rPr lang="en-US" smtClean="0"/>
-              <a:t>4/20/2023</a:t>
+              <a:t>5/11/2023</a:t>
             </a:fld>
             <a:endParaRPr lang="en-US"/>
           </a:p>
@@ -1733,7 +1731,7 @@
     </p:spTree>
     <p:extLst>
       <p:ext uri="{BB962C8B-B14F-4D97-AF65-F5344CB8AC3E}">
-        <p14:creationId xmlns:p14="http://schemas.microsoft.com/office/powerpoint/2010/main" val="2448619890"/>
+        <p14:creationId xmlns:p14="http://schemas.microsoft.com/office/powerpoint/2010/main" val="2134268321"/>
       </p:ext>
     </p:extLst>
   </p:cSld>
@@ -1772,8 +1770,8 @@
         </p:nvSpPr>
         <p:spPr>
           <a:xfrm>
-            <a:off x="913269" y="389467"/>
-            <a:ext cx="11435715" cy="1413934"/>
+            <a:off x="913269" y="486836"/>
+            <a:ext cx="11435715" cy="1767417"/>
           </a:xfrm>
         </p:spPr>
         <p:txBody>
@@ -1800,8 +1798,8 @@
         </p:nvSpPr>
         <p:spPr>
           <a:xfrm>
-            <a:off x="913270" y="1793241"/>
-            <a:ext cx="5609093" cy="878839"/>
+            <a:off x="913271" y="2241551"/>
+            <a:ext cx="5609093" cy="1098549"/>
           </a:xfrm>
         </p:spPr>
         <p:txBody>
@@ -1809,39 +1807,39 @@
           <a:lstStyle>
             <a:lvl1pPr marL="0" indent="0">
               <a:buNone/>
-              <a:defRPr sz="2560" b="1"/>
+              <a:defRPr sz="3200" b="1"/>
             </a:lvl1pPr>
-            <a:lvl2pPr marL="487695" indent="0">
+            <a:lvl2pPr marL="609585" indent="0">
+              <a:buNone/>
+              <a:defRPr sz="2667" b="1"/>
+            </a:lvl2pPr>
+            <a:lvl3pPr marL="1219170" indent="0">
+              <a:buNone/>
+              <a:defRPr sz="2400" b="1"/>
+            </a:lvl3pPr>
+            <a:lvl4pPr marL="1828754" indent="0">
               <a:buNone/>
               <a:defRPr sz="2133" b="1"/>
-            </a:lvl2pPr>
-            <a:lvl3pPr marL="975390" indent="0">
-              <a:buNone/>
-              <a:defRPr sz="1920" b="1"/>
-            </a:lvl3pPr>
-            <a:lvl4pPr marL="1463086" indent="0">
-              <a:buNone/>
-              <a:defRPr sz="1707" b="1"/>
             </a:lvl4pPr>
-            <a:lvl5pPr marL="1950781" indent="0">
-              <a:buNone/>
-              <a:defRPr sz="1707" b="1"/>
+            <a:lvl5pPr marL="2438339" indent="0">
+              <a:buNone/>
+              <a:defRPr sz="2133" b="1"/>
             </a:lvl5pPr>
-            <a:lvl6pPr marL="2438476" indent="0">
-              <a:buNone/>
-              <a:defRPr sz="1707" b="1"/>
+            <a:lvl6pPr marL="3047924" indent="0">
+              <a:buNone/>
+              <a:defRPr sz="2133" b="1"/>
             </a:lvl6pPr>
-            <a:lvl7pPr marL="2926171" indent="0">
-              <a:buNone/>
-              <a:defRPr sz="1707" b="1"/>
+            <a:lvl7pPr marL="3657509" indent="0">
+              <a:buNone/>
+              <a:defRPr sz="2133" b="1"/>
             </a:lvl7pPr>
-            <a:lvl8pPr marL="3413867" indent="0">
-              <a:buNone/>
-              <a:defRPr sz="1707" b="1"/>
+            <a:lvl8pPr marL="4267093" indent="0">
+              <a:buNone/>
+              <a:defRPr sz="2133" b="1"/>
             </a:lvl8pPr>
-            <a:lvl9pPr marL="3901562" indent="0">
-              <a:buNone/>
-              <a:defRPr sz="1707" b="1"/>
+            <a:lvl9pPr marL="4876678" indent="0">
+              <a:buNone/>
+              <a:defRPr sz="2133" b="1"/>
             </a:lvl9pPr>
           </a:lstStyle>
           <a:p>
@@ -1865,8 +1863,8 @@
         </p:nvSpPr>
         <p:spPr>
           <a:xfrm>
-            <a:off x="913270" y="2672080"/>
-            <a:ext cx="5609093" cy="3930227"/>
+            <a:off x="913271" y="3340100"/>
+            <a:ext cx="5609093" cy="4912784"/>
           </a:xfrm>
         </p:spPr>
         <p:txBody>
@@ -1922,8 +1920,8 @@
         </p:nvSpPr>
         <p:spPr>
           <a:xfrm>
-            <a:off x="6712267" y="1793241"/>
-            <a:ext cx="5636717" cy="878839"/>
+            <a:off x="6712268" y="2241551"/>
+            <a:ext cx="5636717" cy="1098549"/>
           </a:xfrm>
         </p:spPr>
         <p:txBody>
@@ -1931,39 +1929,39 @@
           <a:lstStyle>
             <a:lvl1pPr marL="0" indent="0">
               <a:buNone/>
-              <a:defRPr sz="2560" b="1"/>
+              <a:defRPr sz="3200" b="1"/>
             </a:lvl1pPr>
-            <a:lvl2pPr marL="487695" indent="0">
+            <a:lvl2pPr marL="609585" indent="0">
+              <a:buNone/>
+              <a:defRPr sz="2667" b="1"/>
+            </a:lvl2pPr>
+            <a:lvl3pPr marL="1219170" indent="0">
+              <a:buNone/>
+              <a:defRPr sz="2400" b="1"/>
+            </a:lvl3pPr>
+            <a:lvl4pPr marL="1828754" indent="0">
               <a:buNone/>
               <a:defRPr sz="2133" b="1"/>
-            </a:lvl2pPr>
-            <a:lvl3pPr marL="975390" indent="0">
-              <a:buNone/>
-              <a:defRPr sz="1920" b="1"/>
-            </a:lvl3pPr>
-            <a:lvl4pPr marL="1463086" indent="0">
-              <a:buNone/>
-              <a:defRPr sz="1707" b="1"/>
             </a:lvl4pPr>
-            <a:lvl5pPr marL="1950781" indent="0">
-              <a:buNone/>
-              <a:defRPr sz="1707" b="1"/>
+            <a:lvl5pPr marL="2438339" indent="0">
+              <a:buNone/>
+              <a:defRPr sz="2133" b="1"/>
             </a:lvl5pPr>
-            <a:lvl6pPr marL="2438476" indent="0">
-              <a:buNone/>
-              <a:defRPr sz="1707" b="1"/>
+            <a:lvl6pPr marL="3047924" indent="0">
+              <a:buNone/>
+              <a:defRPr sz="2133" b="1"/>
             </a:lvl6pPr>
-            <a:lvl7pPr marL="2926171" indent="0">
-              <a:buNone/>
-              <a:defRPr sz="1707" b="1"/>
+            <a:lvl7pPr marL="3657509" indent="0">
+              <a:buNone/>
+              <a:defRPr sz="2133" b="1"/>
             </a:lvl7pPr>
-            <a:lvl8pPr marL="3413867" indent="0">
-              <a:buNone/>
-              <a:defRPr sz="1707" b="1"/>
+            <a:lvl8pPr marL="4267093" indent="0">
+              <a:buNone/>
+              <a:defRPr sz="2133" b="1"/>
             </a:lvl8pPr>
-            <a:lvl9pPr marL="3901562" indent="0">
-              <a:buNone/>
-              <a:defRPr sz="1707" b="1"/>
+            <a:lvl9pPr marL="4876678" indent="0">
+              <a:buNone/>
+              <a:defRPr sz="2133" b="1"/>
             </a:lvl9pPr>
           </a:lstStyle>
           <a:p>
@@ -1987,8 +1985,8 @@
         </p:nvSpPr>
         <p:spPr>
           <a:xfrm>
-            <a:off x="6712267" y="2672080"/>
-            <a:ext cx="5636717" cy="3930227"/>
+            <a:off x="6712268" y="3340100"/>
+            <a:ext cx="5636717" cy="4912784"/>
           </a:xfrm>
         </p:spPr>
         <p:txBody>
@@ -2049,7 +2047,7 @@
           <a:p>
             <a:fld id="{D7255102-6478-444A-A334-5416F04ED077}" type="datetimeFigureOut">
               <a:rPr lang="en-US" smtClean="0"/>
-              <a:t>4/20/2023</a:t>
+              <a:t>5/11/2023</a:t>
             </a:fld>
             <a:endParaRPr lang="en-US"/>
           </a:p>
@@ -2100,7 +2098,7 @@
     </p:spTree>
     <p:extLst>
       <p:ext uri="{BB962C8B-B14F-4D97-AF65-F5344CB8AC3E}">
-        <p14:creationId xmlns:p14="http://schemas.microsoft.com/office/powerpoint/2010/main" val="3148360645"/>
+        <p14:creationId xmlns:p14="http://schemas.microsoft.com/office/powerpoint/2010/main" val="1079554496"/>
       </p:ext>
     </p:extLst>
   </p:cSld>
@@ -2167,7 +2165,7 @@
           <a:p>
             <a:fld id="{D7255102-6478-444A-A334-5416F04ED077}" type="datetimeFigureOut">
               <a:rPr lang="en-US" smtClean="0"/>
-              <a:t>4/20/2023</a:t>
+              <a:t>5/11/2023</a:t>
             </a:fld>
             <a:endParaRPr lang="en-US"/>
           </a:p>
@@ -2218,7 +2216,7 @@
     </p:spTree>
     <p:extLst>
       <p:ext uri="{BB962C8B-B14F-4D97-AF65-F5344CB8AC3E}">
-        <p14:creationId xmlns:p14="http://schemas.microsoft.com/office/powerpoint/2010/main" val="3164618683"/>
+        <p14:creationId xmlns:p14="http://schemas.microsoft.com/office/powerpoint/2010/main" val="3672803772"/>
       </p:ext>
     </p:extLst>
   </p:cSld>
@@ -2262,7 +2260,7 @@
           <a:p>
             <a:fld id="{D7255102-6478-444A-A334-5416F04ED077}" type="datetimeFigureOut">
               <a:rPr lang="en-US" smtClean="0"/>
-              <a:t>4/20/2023</a:t>
+              <a:t>5/11/2023</a:t>
             </a:fld>
             <a:endParaRPr lang="en-US"/>
           </a:p>
@@ -2313,7 +2311,7 @@
     </p:spTree>
     <p:extLst>
       <p:ext uri="{BB962C8B-B14F-4D97-AF65-F5344CB8AC3E}">
-        <p14:creationId xmlns:p14="http://schemas.microsoft.com/office/powerpoint/2010/main" val="1169121353"/>
+        <p14:creationId xmlns:p14="http://schemas.microsoft.com/office/powerpoint/2010/main" val="4138837045"/>
       </p:ext>
     </p:extLst>
   </p:cSld>
@@ -2352,15 +2350,15 @@
         </p:nvSpPr>
         <p:spPr>
           <a:xfrm>
-            <a:off x="913270" y="487680"/>
-            <a:ext cx="4276308" cy="1706880"/>
+            <a:off x="913270" y="609600"/>
+            <a:ext cx="4276308" cy="2133600"/>
           </a:xfrm>
         </p:spPr>
         <p:txBody>
           <a:bodyPr anchor="b"/>
           <a:lstStyle>
             <a:lvl1pPr>
-              <a:defRPr sz="3413"/>
+              <a:defRPr sz="4267"/>
             </a:lvl1pPr>
           </a:lstStyle>
           <a:p>
@@ -2384,39 +2382,39 @@
         </p:nvSpPr>
         <p:spPr>
           <a:xfrm>
-            <a:off x="5636717" y="1053254"/>
-            <a:ext cx="6712268" cy="5198533"/>
+            <a:off x="5636717" y="1316569"/>
+            <a:ext cx="6712268" cy="6498167"/>
           </a:xfrm>
         </p:spPr>
         <p:txBody>
           <a:bodyPr/>
           <a:lstStyle>
             <a:lvl1pPr>
-              <a:defRPr sz="3413"/>
+              <a:defRPr sz="4267"/>
             </a:lvl1pPr>
             <a:lvl2pPr>
-              <a:defRPr sz="2987"/>
+              <a:defRPr sz="3733"/>
             </a:lvl2pPr>
             <a:lvl3pPr>
-              <a:defRPr sz="2560"/>
+              <a:defRPr sz="3200"/>
             </a:lvl3pPr>
             <a:lvl4pPr>
-              <a:defRPr sz="2133"/>
+              <a:defRPr sz="2667"/>
             </a:lvl4pPr>
             <a:lvl5pPr>
-              <a:defRPr sz="2133"/>
+              <a:defRPr sz="2667"/>
             </a:lvl5pPr>
             <a:lvl6pPr>
-              <a:defRPr sz="2133"/>
+              <a:defRPr sz="2667"/>
             </a:lvl6pPr>
             <a:lvl7pPr>
-              <a:defRPr sz="2133"/>
+              <a:defRPr sz="2667"/>
             </a:lvl7pPr>
             <a:lvl8pPr>
-              <a:defRPr sz="2133"/>
+              <a:defRPr sz="2667"/>
             </a:lvl8pPr>
             <a:lvl9pPr>
-              <a:defRPr sz="2133"/>
+              <a:defRPr sz="2667"/>
             </a:lvl9pPr>
           </a:lstStyle>
           <a:p>
@@ -2469,8 +2467,8 @@
         </p:nvSpPr>
         <p:spPr>
           <a:xfrm>
-            <a:off x="913270" y="2194560"/>
-            <a:ext cx="4276308" cy="4065694"/>
+            <a:off x="913270" y="2743200"/>
+            <a:ext cx="4276308" cy="5082117"/>
           </a:xfrm>
         </p:spPr>
         <p:txBody>
@@ -2478,39 +2476,39 @@
           <a:lstStyle>
             <a:lvl1pPr marL="0" indent="0">
               <a:buNone/>
-              <a:defRPr sz="1707"/>
+              <a:defRPr sz="2133"/>
             </a:lvl1pPr>
-            <a:lvl2pPr marL="487695" indent="0">
-              <a:buNone/>
-              <a:defRPr sz="1493"/>
+            <a:lvl2pPr marL="609585" indent="0">
+              <a:buNone/>
+              <a:defRPr sz="1867"/>
             </a:lvl2pPr>
-            <a:lvl3pPr marL="975390" indent="0">
-              <a:buNone/>
-              <a:defRPr sz="1280"/>
+            <a:lvl3pPr marL="1219170" indent="0">
+              <a:buNone/>
+              <a:defRPr sz="1600"/>
             </a:lvl3pPr>
-            <a:lvl4pPr marL="1463086" indent="0">
-              <a:buNone/>
-              <a:defRPr sz="1067"/>
+            <a:lvl4pPr marL="1828754" indent="0">
+              <a:buNone/>
+              <a:defRPr sz="1333"/>
             </a:lvl4pPr>
-            <a:lvl5pPr marL="1950781" indent="0">
-              <a:buNone/>
-              <a:defRPr sz="1067"/>
+            <a:lvl5pPr marL="2438339" indent="0">
+              <a:buNone/>
+              <a:defRPr sz="1333"/>
             </a:lvl5pPr>
-            <a:lvl6pPr marL="2438476" indent="0">
-              <a:buNone/>
-              <a:defRPr sz="1067"/>
+            <a:lvl6pPr marL="3047924" indent="0">
+              <a:buNone/>
+              <a:defRPr sz="1333"/>
             </a:lvl6pPr>
-            <a:lvl7pPr marL="2926171" indent="0">
-              <a:buNone/>
-              <a:defRPr sz="1067"/>
+            <a:lvl7pPr marL="3657509" indent="0">
+              <a:buNone/>
+              <a:defRPr sz="1333"/>
             </a:lvl7pPr>
-            <a:lvl8pPr marL="3413867" indent="0">
-              <a:buNone/>
-              <a:defRPr sz="1067"/>
+            <a:lvl8pPr marL="4267093" indent="0">
+              <a:buNone/>
+              <a:defRPr sz="1333"/>
             </a:lvl8pPr>
-            <a:lvl9pPr marL="3901562" indent="0">
-              <a:buNone/>
-              <a:defRPr sz="1067"/>
+            <a:lvl9pPr marL="4876678" indent="0">
+              <a:buNone/>
+              <a:defRPr sz="1333"/>
             </a:lvl9pPr>
           </a:lstStyle>
           <a:p>
@@ -2539,7 +2537,7 @@
           <a:p>
             <a:fld id="{D7255102-6478-444A-A334-5416F04ED077}" type="datetimeFigureOut">
               <a:rPr lang="en-US" smtClean="0"/>
-              <a:t>4/20/2023</a:t>
+              <a:t>5/11/2023</a:t>
             </a:fld>
             <a:endParaRPr lang="en-US"/>
           </a:p>
@@ -2590,7 +2588,7 @@
     </p:spTree>
     <p:extLst>
       <p:ext uri="{BB962C8B-B14F-4D97-AF65-F5344CB8AC3E}">
-        <p14:creationId xmlns:p14="http://schemas.microsoft.com/office/powerpoint/2010/main" val="2443663957"/>
+        <p14:creationId xmlns:p14="http://schemas.microsoft.com/office/powerpoint/2010/main" val="714204059"/>
       </p:ext>
     </p:extLst>
   </p:cSld>
@@ -2629,15 +2627,15 @@
         </p:nvSpPr>
         <p:spPr>
           <a:xfrm>
-            <a:off x="913270" y="487680"/>
-            <a:ext cx="4276308" cy="1706880"/>
+            <a:off x="913270" y="609600"/>
+            <a:ext cx="4276308" cy="2133600"/>
           </a:xfrm>
         </p:spPr>
         <p:txBody>
           <a:bodyPr anchor="b"/>
           <a:lstStyle>
             <a:lvl1pPr>
-              <a:defRPr sz="3413"/>
+              <a:defRPr sz="4267"/>
             </a:lvl1pPr>
           </a:lstStyle>
           <a:p>
@@ -2661,8 +2659,8 @@
         </p:nvSpPr>
         <p:spPr>
           <a:xfrm>
-            <a:off x="5636717" y="1053254"/>
-            <a:ext cx="6712268" cy="5198533"/>
+            <a:off x="5636717" y="1316569"/>
+            <a:ext cx="6712268" cy="6498167"/>
           </a:xfrm>
         </p:spPr>
         <p:txBody>
@@ -2670,39 +2668,39 @@
           <a:lstStyle>
             <a:lvl1pPr marL="0" indent="0">
               <a:buNone/>
-              <a:defRPr sz="3413"/>
+              <a:defRPr sz="4267"/>
             </a:lvl1pPr>
-            <a:lvl2pPr marL="487695" indent="0">
-              <a:buNone/>
-              <a:defRPr sz="2987"/>
+            <a:lvl2pPr marL="609585" indent="0">
+              <a:buNone/>
+              <a:defRPr sz="3733"/>
             </a:lvl2pPr>
-            <a:lvl3pPr marL="975390" indent="0">
-              <a:buNone/>
-              <a:defRPr sz="2560"/>
+            <a:lvl3pPr marL="1219170" indent="0">
+              <a:buNone/>
+              <a:defRPr sz="3200"/>
             </a:lvl3pPr>
-            <a:lvl4pPr marL="1463086" indent="0">
-              <a:buNone/>
-              <a:defRPr sz="2133"/>
+            <a:lvl4pPr marL="1828754" indent="0">
+              <a:buNone/>
+              <a:defRPr sz="2667"/>
             </a:lvl4pPr>
-            <a:lvl5pPr marL="1950781" indent="0">
-              <a:buNone/>
-              <a:defRPr sz="2133"/>
+            <a:lvl5pPr marL="2438339" indent="0">
+              <a:buNone/>
+              <a:defRPr sz="2667"/>
             </a:lvl5pPr>
-            <a:lvl6pPr marL="2438476" indent="0">
-              <a:buNone/>
-              <a:defRPr sz="2133"/>
+            <a:lvl6pPr marL="3047924" indent="0">
+              <a:buNone/>
+              <a:defRPr sz="2667"/>
             </a:lvl6pPr>
-            <a:lvl7pPr marL="2926171" indent="0">
-              <a:buNone/>
-              <a:defRPr sz="2133"/>
+            <a:lvl7pPr marL="3657509" indent="0">
+              <a:buNone/>
+              <a:defRPr sz="2667"/>
             </a:lvl7pPr>
-            <a:lvl8pPr marL="3413867" indent="0">
-              <a:buNone/>
-              <a:defRPr sz="2133"/>
+            <a:lvl8pPr marL="4267093" indent="0">
+              <a:buNone/>
+              <a:defRPr sz="2667"/>
             </a:lvl8pPr>
-            <a:lvl9pPr marL="3901562" indent="0">
-              <a:buNone/>
-              <a:defRPr sz="2133"/>
+            <a:lvl9pPr marL="4876678" indent="0">
+              <a:buNone/>
+              <a:defRPr sz="2667"/>
             </a:lvl9pPr>
           </a:lstStyle>
           <a:p>
@@ -2726,8 +2724,8 @@
         </p:nvSpPr>
         <p:spPr>
           <a:xfrm>
-            <a:off x="913270" y="2194560"/>
-            <a:ext cx="4276308" cy="4065694"/>
+            <a:off x="913270" y="2743200"/>
+            <a:ext cx="4276308" cy="5082117"/>
           </a:xfrm>
         </p:spPr>
         <p:txBody>
@@ -2735,39 +2733,39 @@
           <a:lstStyle>
             <a:lvl1pPr marL="0" indent="0">
               <a:buNone/>
-              <a:defRPr sz="1707"/>
+              <a:defRPr sz="2133"/>
             </a:lvl1pPr>
-            <a:lvl2pPr marL="487695" indent="0">
-              <a:buNone/>
-              <a:defRPr sz="1493"/>
+            <a:lvl2pPr marL="609585" indent="0">
+              <a:buNone/>
+              <a:defRPr sz="1867"/>
             </a:lvl2pPr>
-            <a:lvl3pPr marL="975390" indent="0">
-              <a:buNone/>
-              <a:defRPr sz="1280"/>
+            <a:lvl3pPr marL="1219170" indent="0">
+              <a:buNone/>
+              <a:defRPr sz="1600"/>
             </a:lvl3pPr>
-            <a:lvl4pPr marL="1463086" indent="0">
-              <a:buNone/>
-              <a:defRPr sz="1067"/>
+            <a:lvl4pPr marL="1828754" indent="0">
+              <a:buNone/>
+              <a:defRPr sz="1333"/>
             </a:lvl4pPr>
-            <a:lvl5pPr marL="1950781" indent="0">
-              <a:buNone/>
-              <a:defRPr sz="1067"/>
+            <a:lvl5pPr marL="2438339" indent="0">
+              <a:buNone/>
+              <a:defRPr sz="1333"/>
             </a:lvl5pPr>
-            <a:lvl6pPr marL="2438476" indent="0">
-              <a:buNone/>
-              <a:defRPr sz="1067"/>
+            <a:lvl6pPr marL="3047924" indent="0">
+              <a:buNone/>
+              <a:defRPr sz="1333"/>
             </a:lvl6pPr>
-            <a:lvl7pPr marL="2926171" indent="0">
-              <a:buNone/>
-              <a:defRPr sz="1067"/>
+            <a:lvl7pPr marL="3657509" indent="0">
+              <a:buNone/>
+              <a:defRPr sz="1333"/>
             </a:lvl7pPr>
-            <a:lvl8pPr marL="3413867" indent="0">
-              <a:buNone/>
-              <a:defRPr sz="1067"/>
+            <a:lvl8pPr marL="4267093" indent="0">
+              <a:buNone/>
+              <a:defRPr sz="1333"/>
             </a:lvl8pPr>
-            <a:lvl9pPr marL="3901562" indent="0">
-              <a:buNone/>
-              <a:defRPr sz="1067"/>
+            <a:lvl9pPr marL="4876678" indent="0">
+              <a:buNone/>
+              <a:defRPr sz="1333"/>
             </a:lvl9pPr>
           </a:lstStyle>
           <a:p>
@@ -2796,7 +2794,7 @@
           <a:p>
             <a:fld id="{D7255102-6478-444A-A334-5416F04ED077}" type="datetimeFigureOut">
               <a:rPr lang="en-US" smtClean="0"/>
-              <a:t>4/20/2023</a:t>
+              <a:t>5/11/2023</a:t>
             </a:fld>
             <a:endParaRPr lang="en-US"/>
           </a:p>
@@ -2847,7 +2845,7 @@
     </p:spTree>
     <p:extLst>
       <p:ext uri="{BB962C8B-B14F-4D97-AF65-F5344CB8AC3E}">
-        <p14:creationId xmlns:p14="http://schemas.microsoft.com/office/powerpoint/2010/main" val="3424962918"/>
+        <p14:creationId xmlns:p14="http://schemas.microsoft.com/office/powerpoint/2010/main" val="345042655"/>
       </p:ext>
     </p:extLst>
   </p:cSld>
@@ -2891,8 +2889,8 @@
         </p:nvSpPr>
         <p:spPr>
           <a:xfrm>
-            <a:off x="911543" y="389467"/>
-            <a:ext cx="11435715" cy="1413934"/>
+            <a:off x="911543" y="486836"/>
+            <a:ext cx="11435715" cy="1767417"/>
           </a:xfrm>
           <a:prstGeom prst="rect">
             <a:avLst/>
@@ -2924,8 +2922,8 @@
         </p:nvSpPr>
         <p:spPr>
           <a:xfrm>
-            <a:off x="911543" y="1947333"/>
-            <a:ext cx="11435715" cy="4641427"/>
+            <a:off x="911543" y="2434167"/>
+            <a:ext cx="11435715" cy="5801784"/>
           </a:xfrm>
           <a:prstGeom prst="rect">
             <a:avLst/>
@@ -2986,8 +2984,8 @@
         </p:nvSpPr>
         <p:spPr>
           <a:xfrm>
-            <a:off x="911543" y="6780107"/>
-            <a:ext cx="2983230" cy="389467"/>
+            <a:off x="911543" y="8475136"/>
+            <a:ext cx="2983230" cy="486833"/>
           </a:xfrm>
           <a:prstGeom prst="rect">
             <a:avLst/>
@@ -2997,7 +2995,7 @@
           <a:bodyPr vert="horz" lIns="91440" tIns="45720" rIns="91440" bIns="45720" rtlCol="0" anchor="ctr"/>
           <a:lstStyle>
             <a:lvl1pPr algn="l">
-              <a:defRPr sz="1280">
+              <a:defRPr sz="1600">
                 <a:solidFill>
                   <a:schemeClr val="tx1">
                     <a:tint val="75000"/>
@@ -3009,7 +3007,7 @@
           <a:p>
             <a:fld id="{D7255102-6478-444A-A334-5416F04ED077}" type="datetimeFigureOut">
               <a:rPr lang="en-US" smtClean="0"/>
-              <a:t>4/20/2023</a:t>
+              <a:t>5/11/2023</a:t>
             </a:fld>
             <a:endParaRPr lang="en-US"/>
           </a:p>
@@ -3027,8 +3025,8 @@
         </p:nvSpPr>
         <p:spPr>
           <a:xfrm>
-            <a:off x="4391978" y="6780107"/>
-            <a:ext cx="4474845" cy="389467"/>
+            <a:off x="4391978" y="8475136"/>
+            <a:ext cx="4474845" cy="486833"/>
           </a:xfrm>
           <a:prstGeom prst="rect">
             <a:avLst/>
@@ -3038,7 +3036,7 @@
           <a:bodyPr vert="horz" lIns="91440" tIns="45720" rIns="91440" bIns="45720" rtlCol="0" anchor="ctr"/>
           <a:lstStyle>
             <a:lvl1pPr algn="ctr">
-              <a:defRPr sz="1280">
+              <a:defRPr sz="1600">
                 <a:solidFill>
                   <a:schemeClr val="tx1">
                     <a:tint val="75000"/>
@@ -3064,8 +3062,8 @@
         </p:nvSpPr>
         <p:spPr>
           <a:xfrm>
-            <a:off x="9364028" y="6780107"/>
-            <a:ext cx="2983230" cy="389467"/>
+            <a:off x="9364028" y="8475136"/>
+            <a:ext cx="2983230" cy="486833"/>
           </a:xfrm>
           <a:prstGeom prst="rect">
             <a:avLst/>
@@ -3075,7 +3073,7 @@
           <a:bodyPr vert="horz" lIns="91440" tIns="45720" rIns="91440" bIns="45720" rtlCol="0" anchor="ctr"/>
           <a:lstStyle>
             <a:lvl1pPr algn="r">
-              <a:defRPr sz="1280">
+              <a:defRPr sz="1600">
                 <a:solidFill>
                   <a:schemeClr val="tx1">
                     <a:tint val="75000"/>
@@ -3096,27 +3094,27 @@
     </p:spTree>
     <p:extLst>
       <p:ext uri="{BB962C8B-B14F-4D97-AF65-F5344CB8AC3E}">
-        <p14:creationId xmlns:p14="http://schemas.microsoft.com/office/powerpoint/2010/main" val="4109290910"/>
+        <p14:creationId xmlns:p14="http://schemas.microsoft.com/office/powerpoint/2010/main" val="3287768960"/>
       </p:ext>
     </p:extLst>
   </p:cSld>
   <p:clrMap bg1="lt1" tx1="dk1" bg2="lt2" tx2="dk2" accent1="accent1" accent2="accent2" accent3="accent3" accent4="accent4" accent5="accent5" accent6="accent6" hlink="hlink" folHlink="folHlink"/>
   <p:sldLayoutIdLst>
-    <p:sldLayoutId id="2147483769" r:id="rId1"/>
-    <p:sldLayoutId id="2147483770" r:id="rId2"/>
-    <p:sldLayoutId id="2147483771" r:id="rId3"/>
-    <p:sldLayoutId id="2147483772" r:id="rId4"/>
-    <p:sldLayoutId id="2147483773" r:id="rId5"/>
-    <p:sldLayoutId id="2147483774" r:id="rId6"/>
-    <p:sldLayoutId id="2147483775" r:id="rId7"/>
-    <p:sldLayoutId id="2147483776" r:id="rId8"/>
-    <p:sldLayoutId id="2147483777" r:id="rId9"/>
-    <p:sldLayoutId id="2147483778" r:id="rId10"/>
-    <p:sldLayoutId id="2147483779" r:id="rId11"/>
+    <p:sldLayoutId id="2147483781" r:id="rId1"/>
+    <p:sldLayoutId id="2147483782" r:id="rId2"/>
+    <p:sldLayoutId id="2147483783" r:id="rId3"/>
+    <p:sldLayoutId id="2147483784" r:id="rId4"/>
+    <p:sldLayoutId id="2147483785" r:id="rId5"/>
+    <p:sldLayoutId id="2147483786" r:id="rId6"/>
+    <p:sldLayoutId id="2147483787" r:id="rId7"/>
+    <p:sldLayoutId id="2147483788" r:id="rId8"/>
+    <p:sldLayoutId id="2147483789" r:id="rId9"/>
+    <p:sldLayoutId id="2147483790" r:id="rId10"/>
+    <p:sldLayoutId id="2147483791" r:id="rId11"/>
   </p:sldLayoutIdLst>
   <p:txStyles>
     <p:titleStyle>
-      <a:lvl1pPr algn="l" defTabSz="975390" rtl="0" eaLnBrk="1" latinLnBrk="0" hangingPunct="1">
+      <a:lvl1pPr algn="l" defTabSz="1219170" rtl="0" eaLnBrk="1" latinLnBrk="0" hangingPunct="1">
         <a:lnSpc>
           <a:spcPct val="90000"/>
         </a:lnSpc>
@@ -3124,7 +3122,7 @@
           <a:spcPct val="0"/>
         </a:spcBef>
         <a:buNone/>
-        <a:defRPr sz="4693" kern="1200">
+        <a:defRPr sz="5867" kern="1200">
           <a:solidFill>
             <a:schemeClr val="tx1"/>
           </a:solidFill>
@@ -3135,16 +3133,16 @@
       </a:lvl1pPr>
     </p:titleStyle>
     <p:bodyStyle>
-      <a:lvl1pPr marL="243848" indent="-243848" algn="l" defTabSz="975390" rtl="0" eaLnBrk="1" latinLnBrk="0" hangingPunct="1">
+      <a:lvl1pPr marL="304792" indent="-304792" algn="l" defTabSz="1219170" rtl="0" eaLnBrk="1" latinLnBrk="0" hangingPunct="1">
         <a:lnSpc>
           <a:spcPct val="90000"/>
         </a:lnSpc>
         <a:spcBef>
-          <a:spcPts val="1067"/>
+          <a:spcPts val="1333"/>
         </a:spcBef>
         <a:buFont typeface="Arial" panose="020B0604020202020204" pitchFamily="34" charset="0"/>
         <a:buChar char="•"/>
-        <a:defRPr sz="2987" kern="1200">
+        <a:defRPr sz="3733" kern="1200">
           <a:solidFill>
             <a:schemeClr val="tx1"/>
           </a:solidFill>
@@ -3153,16 +3151,16 @@
           <a:cs typeface="+mn-cs"/>
         </a:defRPr>
       </a:lvl1pPr>
-      <a:lvl2pPr marL="731543" indent="-243848" algn="l" defTabSz="975390" rtl="0" eaLnBrk="1" latinLnBrk="0" hangingPunct="1">
+      <a:lvl2pPr marL="914377" indent="-304792" algn="l" defTabSz="1219170" rtl="0" eaLnBrk="1" latinLnBrk="0" hangingPunct="1">
         <a:lnSpc>
           <a:spcPct val="90000"/>
         </a:lnSpc>
         <a:spcBef>
-          <a:spcPts val="533"/>
+          <a:spcPts val="667"/>
         </a:spcBef>
         <a:buFont typeface="Arial" panose="020B0604020202020204" pitchFamily="34" charset="0"/>
         <a:buChar char="•"/>
-        <a:defRPr sz="2560" kern="1200">
+        <a:defRPr sz="3200" kern="1200">
           <a:solidFill>
             <a:schemeClr val="tx1"/>
           </a:solidFill>
@@ -3171,16 +3169,16 @@
           <a:cs typeface="+mn-cs"/>
         </a:defRPr>
       </a:lvl2pPr>
-      <a:lvl3pPr marL="1219238" indent="-243848" algn="l" defTabSz="975390" rtl="0" eaLnBrk="1" latinLnBrk="0" hangingPunct="1">
+      <a:lvl3pPr marL="1523962" indent="-304792" algn="l" defTabSz="1219170" rtl="0" eaLnBrk="1" latinLnBrk="0" hangingPunct="1">
         <a:lnSpc>
           <a:spcPct val="90000"/>
         </a:lnSpc>
         <a:spcBef>
-          <a:spcPts val="533"/>
+          <a:spcPts val="667"/>
         </a:spcBef>
         <a:buFont typeface="Arial" panose="020B0604020202020204" pitchFamily="34" charset="0"/>
         <a:buChar char="•"/>
-        <a:defRPr sz="2133" kern="1200">
+        <a:defRPr sz="2667" kern="1200">
           <a:solidFill>
             <a:schemeClr val="tx1"/>
           </a:solidFill>
@@ -3189,16 +3187,16 @@
           <a:cs typeface="+mn-cs"/>
         </a:defRPr>
       </a:lvl3pPr>
-      <a:lvl4pPr marL="1706933" indent="-243848" algn="l" defTabSz="975390" rtl="0" eaLnBrk="1" latinLnBrk="0" hangingPunct="1">
+      <a:lvl4pPr marL="2133547" indent="-304792" algn="l" defTabSz="1219170" rtl="0" eaLnBrk="1" latinLnBrk="0" hangingPunct="1">
         <a:lnSpc>
           <a:spcPct val="90000"/>
         </a:lnSpc>
         <a:spcBef>
-          <a:spcPts val="533"/>
+          <a:spcPts val="667"/>
         </a:spcBef>
         <a:buFont typeface="Arial" panose="020B0604020202020204" pitchFamily="34" charset="0"/>
         <a:buChar char="•"/>
-        <a:defRPr sz="1920" kern="1200">
+        <a:defRPr sz="2400" kern="1200">
           <a:solidFill>
             <a:schemeClr val="tx1"/>
           </a:solidFill>
@@ -3207,16 +3205,16 @@
           <a:cs typeface="+mn-cs"/>
         </a:defRPr>
       </a:lvl4pPr>
-      <a:lvl5pPr marL="2194629" indent="-243848" algn="l" defTabSz="975390" rtl="0" eaLnBrk="1" latinLnBrk="0" hangingPunct="1">
+      <a:lvl5pPr marL="2743131" indent="-304792" algn="l" defTabSz="1219170" rtl="0" eaLnBrk="1" latinLnBrk="0" hangingPunct="1">
         <a:lnSpc>
           <a:spcPct val="90000"/>
         </a:lnSpc>
         <a:spcBef>
-          <a:spcPts val="533"/>
+          <a:spcPts val="667"/>
         </a:spcBef>
         <a:buFont typeface="Arial" panose="020B0604020202020204" pitchFamily="34" charset="0"/>
         <a:buChar char="•"/>
-        <a:defRPr sz="1920" kern="1200">
+        <a:defRPr sz="2400" kern="1200">
           <a:solidFill>
             <a:schemeClr val="tx1"/>
           </a:solidFill>
@@ -3225,16 +3223,16 @@
           <a:cs typeface="+mn-cs"/>
         </a:defRPr>
       </a:lvl5pPr>
-      <a:lvl6pPr marL="2682324" indent="-243848" algn="l" defTabSz="975390" rtl="0" eaLnBrk="1" latinLnBrk="0" hangingPunct="1">
+      <a:lvl6pPr marL="3352716" indent="-304792" algn="l" defTabSz="1219170" rtl="0" eaLnBrk="1" latinLnBrk="0" hangingPunct="1">
         <a:lnSpc>
           <a:spcPct val="90000"/>
         </a:lnSpc>
         <a:spcBef>
-          <a:spcPts val="533"/>
+          <a:spcPts val="667"/>
         </a:spcBef>
         <a:buFont typeface="Arial" panose="020B0604020202020204" pitchFamily="34" charset="0"/>
         <a:buChar char="•"/>
-        <a:defRPr sz="1920" kern="1200">
+        <a:defRPr sz="2400" kern="1200">
           <a:solidFill>
             <a:schemeClr val="tx1"/>
           </a:solidFill>
@@ -3243,16 +3241,16 @@
           <a:cs typeface="+mn-cs"/>
         </a:defRPr>
       </a:lvl6pPr>
-      <a:lvl7pPr marL="3170019" indent="-243848" algn="l" defTabSz="975390" rtl="0" eaLnBrk="1" latinLnBrk="0" hangingPunct="1">
+      <a:lvl7pPr marL="3962301" indent="-304792" algn="l" defTabSz="1219170" rtl="0" eaLnBrk="1" latinLnBrk="0" hangingPunct="1">
         <a:lnSpc>
           <a:spcPct val="90000"/>
         </a:lnSpc>
         <a:spcBef>
-          <a:spcPts val="533"/>
+          <a:spcPts val="667"/>
         </a:spcBef>
         <a:buFont typeface="Arial" panose="020B0604020202020204" pitchFamily="34" charset="0"/>
         <a:buChar char="•"/>
-        <a:defRPr sz="1920" kern="1200">
+        <a:defRPr sz="2400" kern="1200">
           <a:solidFill>
             <a:schemeClr val="tx1"/>
           </a:solidFill>
@@ -3261,16 +3259,16 @@
           <a:cs typeface="+mn-cs"/>
         </a:defRPr>
       </a:lvl7pPr>
-      <a:lvl8pPr marL="3657714" indent="-243848" algn="l" defTabSz="975390" rtl="0" eaLnBrk="1" latinLnBrk="0" hangingPunct="1">
+      <a:lvl8pPr marL="4571886" indent="-304792" algn="l" defTabSz="1219170" rtl="0" eaLnBrk="1" latinLnBrk="0" hangingPunct="1">
         <a:lnSpc>
           <a:spcPct val="90000"/>
         </a:lnSpc>
         <a:spcBef>
-          <a:spcPts val="533"/>
+          <a:spcPts val="667"/>
         </a:spcBef>
         <a:buFont typeface="Arial" panose="020B0604020202020204" pitchFamily="34" charset="0"/>
         <a:buChar char="•"/>
-        <a:defRPr sz="1920" kern="1200">
+        <a:defRPr sz="2400" kern="1200">
           <a:solidFill>
             <a:schemeClr val="tx1"/>
           </a:solidFill>
@@ -3279,16 +3277,16 @@
           <a:cs typeface="+mn-cs"/>
         </a:defRPr>
       </a:lvl8pPr>
-      <a:lvl9pPr marL="4145410" indent="-243848" algn="l" defTabSz="975390" rtl="0" eaLnBrk="1" latinLnBrk="0" hangingPunct="1">
+      <a:lvl9pPr marL="5181470" indent="-304792" algn="l" defTabSz="1219170" rtl="0" eaLnBrk="1" latinLnBrk="0" hangingPunct="1">
         <a:lnSpc>
           <a:spcPct val="90000"/>
         </a:lnSpc>
         <a:spcBef>
-          <a:spcPts val="533"/>
+          <a:spcPts val="667"/>
         </a:spcBef>
         <a:buFont typeface="Arial" panose="020B0604020202020204" pitchFamily="34" charset="0"/>
         <a:buChar char="•"/>
-        <a:defRPr sz="1920" kern="1200">
+        <a:defRPr sz="2400" kern="1200">
           <a:solidFill>
             <a:schemeClr val="tx1"/>
           </a:solidFill>
@@ -3302,8 +3300,8 @@
       <a:defPPr>
         <a:defRPr lang="en-US"/>
       </a:defPPr>
-      <a:lvl1pPr marL="0" algn="l" defTabSz="975390" rtl="0" eaLnBrk="1" latinLnBrk="0" hangingPunct="1">
-        <a:defRPr sz="1920" kern="1200">
+      <a:lvl1pPr marL="0" algn="l" defTabSz="1219170" rtl="0" eaLnBrk="1" latinLnBrk="0" hangingPunct="1">
+        <a:defRPr sz="2400" kern="1200">
           <a:solidFill>
             <a:schemeClr val="tx1"/>
           </a:solidFill>
@@ -3312,8 +3310,8 @@
           <a:cs typeface="+mn-cs"/>
         </a:defRPr>
       </a:lvl1pPr>
-      <a:lvl2pPr marL="487695" algn="l" defTabSz="975390" rtl="0" eaLnBrk="1" latinLnBrk="0" hangingPunct="1">
-        <a:defRPr sz="1920" kern="1200">
+      <a:lvl2pPr marL="609585" algn="l" defTabSz="1219170" rtl="0" eaLnBrk="1" latinLnBrk="0" hangingPunct="1">
+        <a:defRPr sz="2400" kern="1200">
           <a:solidFill>
             <a:schemeClr val="tx1"/>
           </a:solidFill>
@@ -3322,8 +3320,8 @@
           <a:cs typeface="+mn-cs"/>
         </a:defRPr>
       </a:lvl2pPr>
-      <a:lvl3pPr marL="975390" algn="l" defTabSz="975390" rtl="0" eaLnBrk="1" latinLnBrk="0" hangingPunct="1">
-        <a:defRPr sz="1920" kern="1200">
+      <a:lvl3pPr marL="1219170" algn="l" defTabSz="1219170" rtl="0" eaLnBrk="1" latinLnBrk="0" hangingPunct="1">
+        <a:defRPr sz="2400" kern="1200">
           <a:solidFill>
             <a:schemeClr val="tx1"/>
           </a:solidFill>
@@ -3332,8 +3330,8 @@
           <a:cs typeface="+mn-cs"/>
         </a:defRPr>
       </a:lvl3pPr>
-      <a:lvl4pPr marL="1463086" algn="l" defTabSz="975390" rtl="0" eaLnBrk="1" latinLnBrk="0" hangingPunct="1">
-        <a:defRPr sz="1920" kern="1200">
+      <a:lvl4pPr marL="1828754" algn="l" defTabSz="1219170" rtl="0" eaLnBrk="1" latinLnBrk="0" hangingPunct="1">
+        <a:defRPr sz="2400" kern="1200">
           <a:solidFill>
             <a:schemeClr val="tx1"/>
           </a:solidFill>
@@ -3342,8 +3340,8 @@
           <a:cs typeface="+mn-cs"/>
         </a:defRPr>
       </a:lvl4pPr>
-      <a:lvl5pPr marL="1950781" algn="l" defTabSz="975390" rtl="0" eaLnBrk="1" latinLnBrk="0" hangingPunct="1">
-        <a:defRPr sz="1920" kern="1200">
+      <a:lvl5pPr marL="2438339" algn="l" defTabSz="1219170" rtl="0" eaLnBrk="1" latinLnBrk="0" hangingPunct="1">
+        <a:defRPr sz="2400" kern="1200">
           <a:solidFill>
             <a:schemeClr val="tx1"/>
           </a:solidFill>
@@ -3352,8 +3350,8 @@
           <a:cs typeface="+mn-cs"/>
         </a:defRPr>
       </a:lvl5pPr>
-      <a:lvl6pPr marL="2438476" algn="l" defTabSz="975390" rtl="0" eaLnBrk="1" latinLnBrk="0" hangingPunct="1">
-        <a:defRPr sz="1920" kern="1200">
+      <a:lvl6pPr marL="3047924" algn="l" defTabSz="1219170" rtl="0" eaLnBrk="1" latinLnBrk="0" hangingPunct="1">
+        <a:defRPr sz="2400" kern="1200">
           <a:solidFill>
             <a:schemeClr val="tx1"/>
           </a:solidFill>
@@ -3362,8 +3360,8 @@
           <a:cs typeface="+mn-cs"/>
         </a:defRPr>
       </a:lvl6pPr>
-      <a:lvl7pPr marL="2926171" algn="l" defTabSz="975390" rtl="0" eaLnBrk="1" latinLnBrk="0" hangingPunct="1">
-        <a:defRPr sz="1920" kern="1200">
+      <a:lvl7pPr marL="3657509" algn="l" defTabSz="1219170" rtl="0" eaLnBrk="1" latinLnBrk="0" hangingPunct="1">
+        <a:defRPr sz="2400" kern="1200">
           <a:solidFill>
             <a:schemeClr val="tx1"/>
           </a:solidFill>
@@ -3372,8 +3370,8 @@
           <a:cs typeface="+mn-cs"/>
         </a:defRPr>
       </a:lvl7pPr>
-      <a:lvl8pPr marL="3413867" algn="l" defTabSz="975390" rtl="0" eaLnBrk="1" latinLnBrk="0" hangingPunct="1">
-        <a:defRPr sz="1920" kern="1200">
+      <a:lvl8pPr marL="4267093" algn="l" defTabSz="1219170" rtl="0" eaLnBrk="1" latinLnBrk="0" hangingPunct="1">
+        <a:defRPr sz="2400" kern="1200">
           <a:solidFill>
             <a:schemeClr val="tx1"/>
           </a:solidFill>
@@ -3382,8 +3380,8 @@
           <a:cs typeface="+mn-cs"/>
         </a:defRPr>
       </a:lvl8pPr>
-      <a:lvl9pPr marL="3901562" algn="l" defTabSz="975390" rtl="0" eaLnBrk="1" latinLnBrk="0" hangingPunct="1">
-        <a:defRPr sz="1920" kern="1200">
+      <a:lvl9pPr marL="4876678" algn="l" defTabSz="1219170" rtl="0" eaLnBrk="1" latinLnBrk="0" hangingPunct="1">
+        <a:defRPr sz="2400" kern="1200">
           <a:solidFill>
             <a:schemeClr val="tx1"/>
           </a:solidFill>
@@ -3416,10 +3414,10 @@
       </p:grpSpPr>
       <p:pic>
         <p:nvPicPr>
-          <p:cNvPr id="5" name="Picture 4">
+          <p:cNvPr id="83" name="Picture 82">
             <a:extLst>
               <a:ext uri="{FF2B5EF4-FFF2-40B4-BE49-F238E27FC236}">
-                <a16:creationId xmlns:a16="http://schemas.microsoft.com/office/drawing/2014/main" id="{D80C74E4-6E2F-4603-B44A-1E7391B8A1A3}"/>
+                <a16:creationId xmlns:a16="http://schemas.microsoft.com/office/drawing/2014/main" id="{7AE19150-EB56-4E3F-A1F4-FB217D8E83FB}"/>
               </a:ext>
             </a:extLst>
           </p:cNvPr>
@@ -3436,13 +3434,83 @@
               </a:ext>
             </a:extLst>
           </a:blip>
+          <a:srcRect l="3457" t="5233" r="2213"/>
+          <a:stretch/>
+        </p:blipFill>
+        <p:spPr>
+          <a:xfrm>
+            <a:off x="9796723" y="3437378"/>
+            <a:ext cx="3473952" cy="2670336"/>
+          </a:xfrm>
+          <a:prstGeom prst="rect">
+            <a:avLst/>
+          </a:prstGeom>
+        </p:spPr>
+      </p:pic>
+      <p:pic>
+        <p:nvPicPr>
+          <p:cNvPr id="75" name="Picture 74">
+            <a:extLst>
+              <a:ext uri="{FF2B5EF4-FFF2-40B4-BE49-F238E27FC236}">
+                <a16:creationId xmlns:a16="http://schemas.microsoft.com/office/drawing/2014/main" id="{D9E45B46-F806-4189-9D1C-E01DD78D94FE}"/>
+              </a:ext>
+            </a:extLst>
+          </p:cNvPr>
+          <p:cNvPicPr>
+            <a:picLocks noChangeAspect="1"/>
+          </p:cNvPicPr>
+          <p:nvPr/>
+        </p:nvPicPr>
+        <p:blipFill rotWithShape="1">
+          <a:blip r:embed="rId4">
+            <a:extLst>
+              <a:ext uri="{28A0092B-C50C-407E-A947-70E740481C1C}">
+                <a14:useLocalDpi xmlns:a14="http://schemas.microsoft.com/office/drawing/2010/main" val="0"/>
+              </a:ext>
+            </a:extLst>
+          </a:blip>
+          <a:srcRect l="2746" t="5637" r="2203"/>
+          <a:stretch/>
+        </p:blipFill>
+        <p:spPr>
+          <a:xfrm>
+            <a:off x="9784848" y="6414650"/>
+            <a:ext cx="3473952" cy="2670336"/>
+          </a:xfrm>
+          <a:prstGeom prst="rect">
+            <a:avLst/>
+          </a:prstGeom>
+        </p:spPr>
+      </p:pic>
+      <p:pic>
+        <p:nvPicPr>
+          <p:cNvPr id="5" name="Picture 4">
+            <a:extLst>
+              <a:ext uri="{FF2B5EF4-FFF2-40B4-BE49-F238E27FC236}">
+                <a16:creationId xmlns:a16="http://schemas.microsoft.com/office/drawing/2014/main" id="{D80C74E4-6E2F-4603-B44A-1E7391B8A1A3}"/>
+              </a:ext>
+            </a:extLst>
+          </p:cNvPr>
+          <p:cNvPicPr>
+            <a:picLocks noChangeAspect="1"/>
+          </p:cNvPicPr>
+          <p:nvPr/>
+        </p:nvPicPr>
+        <p:blipFill rotWithShape="1">
+          <a:blip r:embed="rId5">
+            <a:extLst>
+              <a:ext uri="{28A0092B-C50C-407E-A947-70E740481C1C}">
+                <a14:useLocalDpi xmlns:a14="http://schemas.microsoft.com/office/drawing/2010/main" val="0"/>
+              </a:ext>
+            </a:extLst>
+          </a:blip>
           <a:srcRect t="3998" r="7654"/>
           <a:stretch/>
         </p:blipFill>
         <p:spPr>
           <a:xfrm>
-            <a:off x="4673385" y="5024219"/>
-            <a:ext cx="2492110" cy="2286000"/>
+            <a:off x="3541584" y="6262722"/>
+            <a:ext cx="3115138" cy="2857500"/>
           </a:xfrm>
           <a:prstGeom prst="rect">
             <a:avLst/>
@@ -3464,7 +3532,7 @@
           <p:nvPr/>
         </p:nvPicPr>
         <p:blipFill rotWithShape="1">
-          <a:blip r:embed="rId4">
+          <a:blip r:embed="rId6">
             <a:extLst>
               <a:ext uri="{28A0092B-C50C-407E-A947-70E740481C1C}">
                 <a14:useLocalDpi xmlns:a14="http://schemas.microsoft.com/office/drawing/2010/main" val="0"/>
@@ -3476,43 +3544,8 @@
         </p:blipFill>
         <p:spPr>
           <a:xfrm>
-            <a:off x="4676602" y="407480"/>
-            <a:ext cx="2492110" cy="2286000"/>
-          </a:xfrm>
-          <a:prstGeom prst="rect">
-            <a:avLst/>
-          </a:prstGeom>
-        </p:spPr>
-      </p:pic>
-      <p:pic>
-        <p:nvPicPr>
-          <p:cNvPr id="14" name="Picture 13">
-            <a:extLst>
-              <a:ext uri="{FF2B5EF4-FFF2-40B4-BE49-F238E27FC236}">
-                <a16:creationId xmlns:a16="http://schemas.microsoft.com/office/drawing/2014/main" id="{50A265EB-2100-44B3-B944-5FD59BCA689F}"/>
-              </a:ext>
-            </a:extLst>
-          </p:cNvPr>
-          <p:cNvPicPr>
-            <a:picLocks noChangeAspect="1"/>
-          </p:cNvPicPr>
-          <p:nvPr/>
-        </p:nvPicPr>
-        <p:blipFill rotWithShape="1">
-          <a:blip r:embed="rId5">
-            <a:extLst>
-              <a:ext uri="{28A0092B-C50C-407E-A947-70E740481C1C}">
-                <a14:useLocalDpi xmlns:a14="http://schemas.microsoft.com/office/drawing/2010/main" val="0"/>
-              </a:ext>
-            </a:extLst>
-          </a:blip>
-          <a:srcRect l="2745" t="5797"/>
-          <a:stretch/>
-        </p:blipFill>
-        <p:spPr>
-          <a:xfrm>
-            <a:off x="10027640" y="5043060"/>
-            <a:ext cx="3240685" cy="2242120"/>
+            <a:off x="3497039" y="541142"/>
+            <a:ext cx="3115138" cy="2857500"/>
           </a:xfrm>
           <a:prstGeom prst="rect">
             <a:avLst/>
@@ -3534,7 +3567,7 @@
           <p:nvPr/>
         </p:nvPicPr>
         <p:blipFill rotWithShape="1">
-          <a:blip r:embed="rId6">
+          <a:blip r:embed="rId7">
             <a:extLst>
               <a:ext uri="{28A0092B-C50C-407E-A947-70E740481C1C}">
                 <a14:useLocalDpi xmlns:a14="http://schemas.microsoft.com/office/drawing/2010/main" val="0"/>
@@ -3546,8 +3579,8 @@
         </p:blipFill>
         <p:spPr>
           <a:xfrm>
-            <a:off x="1818252" y="467690"/>
-            <a:ext cx="2579580" cy="2297645"/>
+            <a:off x="478477" y="628044"/>
+            <a:ext cx="3017520" cy="2791339"/>
           </a:xfrm>
           <a:prstGeom prst="rect">
             <a:avLst/>
@@ -3569,7 +3602,7 @@
           <p:nvPr/>
         </p:nvPicPr>
         <p:blipFill rotWithShape="1">
-          <a:blip r:embed="rId7">
+          <a:blip r:embed="rId8">
             <a:extLst>
               <a:ext uri="{28A0092B-C50C-407E-A947-70E740481C1C}">
                 <a14:useLocalDpi xmlns:a14="http://schemas.microsoft.com/office/drawing/2010/main" val="0"/>
@@ -3581,8 +3614,8 @@
         </p:blipFill>
         <p:spPr>
           <a:xfrm>
-            <a:off x="1802583" y="2754295"/>
-            <a:ext cx="2554976" cy="2271903"/>
+            <a:off x="443973" y="3458865"/>
+            <a:ext cx="3017520" cy="2683200"/>
           </a:xfrm>
           <a:prstGeom prst="rect">
             <a:avLst/>
@@ -3604,7 +3637,7 @@
           <p:nvPr/>
         </p:nvPicPr>
         <p:blipFill rotWithShape="1">
-          <a:blip r:embed="rId8">
+          <a:blip r:embed="rId9">
             <a:extLst>
               <a:ext uri="{28A0092B-C50C-407E-A947-70E740481C1C}">
                 <a14:useLocalDpi xmlns:a14="http://schemas.microsoft.com/office/drawing/2010/main" val="0"/>
@@ -3616,16 +3649,16 @@
         </p:blipFill>
         <p:spPr>
           <a:xfrm>
-            <a:off x="1842856" y="5053094"/>
-            <a:ext cx="2554976" cy="2271903"/>
+            <a:off x="478477" y="6437021"/>
+            <a:ext cx="3017520" cy="2683201"/>
           </a:xfrm>
           <a:prstGeom prst="rect">
             <a:avLst/>
           </a:prstGeom>
         </p:spPr>
       </p:pic>
-      <mc:AlternateContent xmlns:mc="http://schemas.openxmlformats.org/markup-compatibility/2006" xmlns:a14="http://schemas.microsoft.com/office/drawing/2010/main">
-        <mc:Choice Requires="a14">
+      <mc:AlternateContent xmlns:mc="http://schemas.openxmlformats.org/markup-compatibility/2006">
+        <mc:Choice xmlns:a14="http://schemas.microsoft.com/office/drawing/2010/main" Requires="a14">
           <p:sp>
             <p:nvSpPr>
               <p:cNvPr id="76" name="TextBox 75">
@@ -3639,9 +3672,9 @@
               <p:nvPr/>
             </p:nvSpPr>
             <p:spPr>
-              <a:xfrm>
-                <a:off x="-352163" y="1224937"/>
-                <a:ext cx="2554976" cy="424668"/>
+              <a:xfrm rot="16200000">
+                <a:off x="-1356753" y="1587973"/>
+                <a:ext cx="3193720" cy="427618"/>
               </a:xfrm>
               <a:prstGeom prst="rect">
                 <a:avLst/>
@@ -3664,7 +3697,7 @@
                       <m:sSub>
                         <m:sSubPr>
                           <m:ctrlPr>
-                            <a:rPr lang="en-US" sz="2007" b="1" i="1" dirty="0" smtClean="0">
+                            <a:rPr lang="en-US" sz="2000" b="1" i="1" dirty="0">
                               <a:latin typeface="Cambria Math" panose="02040503050406030204" pitchFamily="18" charset="0"/>
                               <a:cs typeface="Times New Roman" panose="02020603050405020304" pitchFamily="18" charset="0"/>
                             </a:rPr>
@@ -3672,7 +3705,7 @@
                         </m:sSubPr>
                         <m:e>
                           <m:r>
-                            <a:rPr lang="en-US" sz="2007" b="1" i="1" dirty="0">
+                            <a:rPr lang="en-US" sz="2000" b="1" i="1" dirty="0">
                               <a:latin typeface="Cambria Math" panose="02040503050406030204" pitchFamily="18" charset="0"/>
                               <a:cs typeface="Times New Roman" panose="02020603050405020304" pitchFamily="18" charset="0"/>
                             </a:rPr>
@@ -3681,7 +3714,7 @@
                         </m:e>
                         <m:sub>
                           <m:r>
-                            <a:rPr lang="en-US" sz="2007" b="1" i="1" dirty="0">
+                            <a:rPr lang="en-US" sz="2000" b="1" i="1" dirty="0">
                               <a:latin typeface="Cambria Math" panose="02040503050406030204" pitchFamily="18" charset="0"/>
                               <a:cs typeface="Times New Roman" panose="02020603050405020304" pitchFamily="18" charset="0"/>
                             </a:rPr>
@@ -3690,35 +3723,35 @@
                         </m:sub>
                       </m:sSub>
                       <m:r>
-                        <a:rPr lang="en-US" sz="2007" b="1" i="1" dirty="0">
+                        <a:rPr lang="en-US" sz="2000" b="1" i="1" dirty="0">
                           <a:latin typeface="Cambria Math" panose="02040503050406030204" pitchFamily="18" charset="0"/>
                           <a:cs typeface="Times New Roman" panose="02020603050405020304" pitchFamily="18" charset="0"/>
                         </a:rPr>
                         <m:t>𝒕</m:t>
                       </m:r>
                       <m:r>
-                        <a:rPr lang="en-US" sz="2007" b="1" i="1" dirty="0">
+                        <a:rPr lang="en-US" sz="2000" b="1" i="1" dirty="0">
                           <a:latin typeface="Cambria Math" panose="02040503050406030204" pitchFamily="18" charset="0"/>
                           <a:cs typeface="Times New Roman" panose="02020603050405020304" pitchFamily="18" charset="0"/>
                         </a:rPr>
                         <m:t> =</m:t>
                       </m:r>
                       <m:r>
-                        <a:rPr lang="en-US" sz="2007" b="1" i="1" dirty="0" smtClean="0">
+                        <a:rPr lang="en-US" sz="2000" b="1" i="1" dirty="0">
                           <a:latin typeface="Cambria Math" panose="02040503050406030204" pitchFamily="18" charset="0"/>
                           <a:cs typeface="Times New Roman" panose="02020603050405020304" pitchFamily="18" charset="0"/>
                         </a:rPr>
                         <m:t>𝟏𝟖𝟎</m:t>
                       </m:r>
                       <m:r>
-                        <a:rPr lang="en-US" sz="2007" b="1" i="1" dirty="0">
+                        <a:rPr lang="en-US" sz="2000" b="1" i="1" dirty="0">
                           <a:latin typeface="Cambria Math" panose="02040503050406030204" pitchFamily="18" charset="0"/>
                           <a:cs typeface="Times New Roman" panose="02020603050405020304" pitchFamily="18" charset="0"/>
                         </a:rPr>
                         <m:t>𝟎</m:t>
                       </m:r>
                       <m:r>
-                        <a:rPr lang="en-US" sz="2007" b="1" i="1" dirty="0">
+                        <a:rPr lang="en-US" sz="2000" b="1" i="1" dirty="0">
                           <a:latin typeface="Cambria Math" panose="02040503050406030204" pitchFamily="18" charset="0"/>
                           <a:cs typeface="Times New Roman" panose="02020603050405020304" pitchFamily="18" charset="0"/>
                         </a:rPr>
@@ -3727,7 +3760,7 @@
                     </m:oMath>
                   </m:oMathPara>
                 </a14:m>
-                <a:endParaRPr lang="en-US" sz="2677" b="1" dirty="0">
+                <a:endParaRPr lang="en-US" sz="2800" b="1" dirty="0">
                   <a:latin typeface="Times New Roman" panose="02020603050405020304" pitchFamily="18" charset="0"/>
                   <a:cs typeface="Times New Roman" panose="02020603050405020304" pitchFamily="18" charset="0"/>
                 </a:endParaRPr>
@@ -3735,7 +3768,7 @@
             </p:txBody>
           </p:sp>
         </mc:Choice>
-        <mc:Fallback xmlns="">
+        <mc:Fallback>
           <p:sp>
             <p:nvSpPr>
               <p:cNvPr id="76" name="TextBox 75">
@@ -3751,17 +3784,17 @@
               <p:nvPr/>
             </p:nvSpPr>
             <p:spPr>
-              <a:xfrm>
-                <a:off x="-352163" y="1224937"/>
-                <a:ext cx="2554976" cy="424668"/>
+              <a:xfrm rot="16200000">
+                <a:off x="-1356753" y="1587973"/>
+                <a:ext cx="3193720" cy="427618"/>
               </a:xfrm>
               <a:prstGeom prst="rect">
                 <a:avLst/>
               </a:prstGeom>
               <a:blipFill>
-                <a:blip r:embed="rId12"/>
+                <a:blip r:embed="rId10"/>
                 <a:stretch>
-                  <a:fillRect b="-7143"/>
+                  <a:fillRect r="-7143"/>
                 </a:stretch>
               </a:blipFill>
             </p:spPr>
@@ -3780,8 +3813,8 @@
           </p:sp>
         </mc:Fallback>
       </mc:AlternateContent>
-      <mc:AlternateContent xmlns:mc="http://schemas.openxmlformats.org/markup-compatibility/2006" xmlns:a14="http://schemas.microsoft.com/office/drawing/2010/main">
-        <mc:Choice Requires="a14">
+      <mc:AlternateContent xmlns:mc="http://schemas.openxmlformats.org/markup-compatibility/2006">
+        <mc:Choice xmlns:a14="http://schemas.microsoft.com/office/drawing/2010/main" Requires="a14">
           <p:sp>
             <p:nvSpPr>
               <p:cNvPr id="77" name="TextBox 76">
@@ -3795,9 +3828,9 @@
               <p:nvPr/>
             </p:nvSpPr>
             <p:spPr>
-              <a:xfrm>
-                <a:off x="-361788" y="3573888"/>
-                <a:ext cx="2554976" cy="424668"/>
+              <a:xfrm rot="16200000">
+                <a:off x="-1357796" y="4447005"/>
+                <a:ext cx="3193720" cy="427618"/>
               </a:xfrm>
               <a:prstGeom prst="rect">
                 <a:avLst/>
@@ -3820,7 +3853,7 @@
                       <m:sSub>
                         <m:sSubPr>
                           <m:ctrlPr>
-                            <a:rPr lang="en-US" sz="2007" b="1" i="1" dirty="0" smtClean="0">
+                            <a:rPr lang="en-US" sz="2000" b="1" i="1" dirty="0">
                               <a:latin typeface="Cambria Math" panose="02040503050406030204" pitchFamily="18" charset="0"/>
                               <a:cs typeface="Times New Roman" panose="02020603050405020304" pitchFamily="18" charset="0"/>
                             </a:rPr>
@@ -3828,7 +3861,7 @@
                         </m:sSubPr>
                         <m:e>
                           <m:r>
-                            <a:rPr lang="en-US" sz="2007" b="1" i="1" dirty="0">
+                            <a:rPr lang="en-US" sz="2000" b="1" i="1" dirty="0">
                               <a:latin typeface="Cambria Math" panose="02040503050406030204" pitchFamily="18" charset="0"/>
                               <a:cs typeface="Times New Roman" panose="02020603050405020304" pitchFamily="18" charset="0"/>
                             </a:rPr>
@@ -3837,7 +3870,7 @@
                         </m:e>
                         <m:sub>
                           <m:r>
-                            <a:rPr lang="en-US" sz="2007" b="1" i="1" dirty="0">
+                            <a:rPr lang="en-US" sz="2000" b="1" i="1" dirty="0">
                               <a:latin typeface="Cambria Math" panose="02040503050406030204" pitchFamily="18" charset="0"/>
                               <a:cs typeface="Times New Roman" panose="02020603050405020304" pitchFamily="18" charset="0"/>
                             </a:rPr>
@@ -3846,35 +3879,35 @@
                         </m:sub>
                       </m:sSub>
                       <m:r>
-                        <a:rPr lang="en-US" sz="2007" b="1" i="1" dirty="0">
+                        <a:rPr lang="en-US" sz="2000" b="1" i="1" dirty="0">
                           <a:latin typeface="Cambria Math" panose="02040503050406030204" pitchFamily="18" charset="0"/>
                           <a:cs typeface="Times New Roman" panose="02020603050405020304" pitchFamily="18" charset="0"/>
                         </a:rPr>
                         <m:t>𝒕</m:t>
                       </m:r>
                       <m:r>
-                        <a:rPr lang="en-US" sz="2007" b="1" i="1" dirty="0">
+                        <a:rPr lang="en-US" sz="2000" b="1" i="1" dirty="0">
                           <a:latin typeface="Cambria Math" panose="02040503050406030204" pitchFamily="18" charset="0"/>
                           <a:cs typeface="Times New Roman" panose="02020603050405020304" pitchFamily="18" charset="0"/>
                         </a:rPr>
                         <m:t> =</m:t>
                       </m:r>
                       <m:r>
-                        <a:rPr lang="en-US" sz="2007" b="1" i="1" dirty="0" smtClean="0">
+                        <a:rPr lang="en-US" sz="2000" b="1" i="1" dirty="0">
                           <a:latin typeface="Cambria Math" panose="02040503050406030204" pitchFamily="18" charset="0"/>
                           <a:cs typeface="Times New Roman" panose="02020603050405020304" pitchFamily="18" charset="0"/>
                         </a:rPr>
                         <m:t>𝟑𝟓</m:t>
                       </m:r>
                       <m:r>
-                        <a:rPr lang="en-US" sz="2007" b="1" i="1" dirty="0">
+                        <a:rPr lang="en-US" sz="2000" b="1" i="1" dirty="0">
                           <a:latin typeface="Cambria Math" panose="02040503050406030204" pitchFamily="18" charset="0"/>
                           <a:cs typeface="Times New Roman" panose="02020603050405020304" pitchFamily="18" charset="0"/>
                         </a:rPr>
                         <m:t>𝟎𝟎</m:t>
                       </m:r>
                       <m:r>
-                        <a:rPr lang="en-US" sz="2007" b="1" i="1" dirty="0">
+                        <a:rPr lang="en-US" sz="2000" b="1" i="1" dirty="0">
                           <a:latin typeface="Cambria Math" panose="02040503050406030204" pitchFamily="18" charset="0"/>
                           <a:cs typeface="Times New Roman" panose="02020603050405020304" pitchFamily="18" charset="0"/>
                         </a:rPr>
@@ -3883,7 +3916,7 @@
                     </m:oMath>
                   </m:oMathPara>
                 </a14:m>
-                <a:endParaRPr lang="en-US" sz="2677" b="1" dirty="0">
+                <a:endParaRPr lang="en-US" sz="2800" b="1" dirty="0">
                   <a:latin typeface="Times New Roman" panose="02020603050405020304" pitchFamily="18" charset="0"/>
                   <a:cs typeface="Times New Roman" panose="02020603050405020304" pitchFamily="18" charset="0"/>
                 </a:endParaRPr>
@@ -3891,7 +3924,7 @@
             </p:txBody>
           </p:sp>
         </mc:Choice>
-        <mc:Fallback xmlns="">
+        <mc:Fallback>
           <p:sp>
             <p:nvSpPr>
               <p:cNvPr id="77" name="TextBox 76">
@@ -3907,17 +3940,17 @@
               <p:nvPr/>
             </p:nvSpPr>
             <p:spPr>
-              <a:xfrm>
-                <a:off x="-361788" y="3573888"/>
-                <a:ext cx="2554976" cy="424668"/>
+              <a:xfrm rot="16200000">
+                <a:off x="-1357796" y="4447005"/>
+                <a:ext cx="3193720" cy="427618"/>
               </a:xfrm>
               <a:prstGeom prst="rect">
                 <a:avLst/>
               </a:prstGeom>
               <a:blipFill>
-                <a:blip r:embed="rId13"/>
+                <a:blip r:embed="rId11"/>
                 <a:stretch>
-                  <a:fillRect b="-7143"/>
+                  <a:fillRect r="-7143"/>
                 </a:stretch>
               </a:blipFill>
             </p:spPr>
@@ -3936,8 +3969,8 @@
           </p:sp>
         </mc:Fallback>
       </mc:AlternateContent>
-      <mc:AlternateContent xmlns:mc="http://schemas.openxmlformats.org/markup-compatibility/2006" xmlns:a14="http://schemas.microsoft.com/office/drawing/2010/main">
-        <mc:Choice Requires="a14">
+      <mc:AlternateContent xmlns:mc="http://schemas.openxmlformats.org/markup-compatibility/2006">
+        <mc:Choice xmlns:a14="http://schemas.microsoft.com/office/drawing/2010/main" Requires="a14">
           <p:sp>
             <p:nvSpPr>
               <p:cNvPr id="78" name="TextBox 77">
@@ -3951,9 +3984,9 @@
               <p:nvPr/>
             </p:nvSpPr>
             <p:spPr>
-              <a:xfrm>
-                <a:off x="-352163" y="5861647"/>
-                <a:ext cx="2554976" cy="424668"/>
+              <a:xfrm rot="16200000">
+                <a:off x="-1352418" y="7306038"/>
+                <a:ext cx="3193720" cy="427618"/>
               </a:xfrm>
               <a:prstGeom prst="rect">
                 <a:avLst/>
@@ -3976,7 +4009,7 @@
                       <m:sSub>
                         <m:sSubPr>
                           <m:ctrlPr>
-                            <a:rPr lang="en-US" sz="2007" b="1" i="1" dirty="0" smtClean="0">
+                            <a:rPr lang="en-US" sz="2000" b="1" i="1" dirty="0">
                               <a:latin typeface="Cambria Math" panose="02040503050406030204" pitchFamily="18" charset="0"/>
                               <a:cs typeface="Times New Roman" panose="02020603050405020304" pitchFamily="18" charset="0"/>
                             </a:rPr>
@@ -3984,7 +4017,7 @@
                         </m:sSubPr>
                         <m:e>
                           <m:r>
-                            <a:rPr lang="en-US" sz="2007" b="1" i="1" dirty="0">
+                            <a:rPr lang="en-US" sz="2000" b="1" i="1" dirty="0">
                               <a:latin typeface="Cambria Math" panose="02040503050406030204" pitchFamily="18" charset="0"/>
                               <a:cs typeface="Times New Roman" panose="02020603050405020304" pitchFamily="18" charset="0"/>
                             </a:rPr>
@@ -3993,7 +4026,7 @@
                         </m:e>
                         <m:sub>
                           <m:r>
-                            <a:rPr lang="en-US" sz="2007" b="1" i="1" dirty="0">
+                            <a:rPr lang="en-US" sz="2000" b="1" i="1" dirty="0">
                               <a:latin typeface="Cambria Math" panose="02040503050406030204" pitchFamily="18" charset="0"/>
                               <a:cs typeface="Times New Roman" panose="02020603050405020304" pitchFamily="18" charset="0"/>
                             </a:rPr>
@@ -4002,35 +4035,35 @@
                         </m:sub>
                       </m:sSub>
                       <m:r>
-                        <a:rPr lang="en-US" sz="2007" b="1" i="1" dirty="0">
+                        <a:rPr lang="en-US" sz="2000" b="1" i="1" dirty="0">
                           <a:latin typeface="Cambria Math" panose="02040503050406030204" pitchFamily="18" charset="0"/>
                           <a:cs typeface="Times New Roman" panose="02020603050405020304" pitchFamily="18" charset="0"/>
                         </a:rPr>
                         <m:t>𝒕</m:t>
                       </m:r>
                       <m:r>
-                        <a:rPr lang="en-US" sz="2007" b="1" i="1" dirty="0">
+                        <a:rPr lang="en-US" sz="2000" b="1" i="1" dirty="0">
                           <a:latin typeface="Cambria Math" panose="02040503050406030204" pitchFamily="18" charset="0"/>
                           <a:cs typeface="Times New Roman" panose="02020603050405020304" pitchFamily="18" charset="0"/>
                         </a:rPr>
                         <m:t> =</m:t>
                       </m:r>
                       <m:r>
-                        <a:rPr lang="en-US" sz="2007" b="1" i="1" dirty="0" smtClean="0">
+                        <a:rPr lang="en-US" sz="2000" b="1" i="1" dirty="0">
                           <a:latin typeface="Cambria Math" panose="02040503050406030204" pitchFamily="18" charset="0"/>
                           <a:cs typeface="Times New Roman" panose="02020603050405020304" pitchFamily="18" charset="0"/>
                         </a:rPr>
                         <m:t>𝟒𝟑</m:t>
                       </m:r>
                       <m:r>
-                        <a:rPr lang="en-US" sz="2007" b="1" i="1" dirty="0">
+                        <a:rPr lang="en-US" sz="2000" b="1" i="1" dirty="0">
                           <a:latin typeface="Cambria Math" panose="02040503050406030204" pitchFamily="18" charset="0"/>
                           <a:cs typeface="Times New Roman" panose="02020603050405020304" pitchFamily="18" charset="0"/>
                         </a:rPr>
                         <m:t>𝟎𝟎</m:t>
                       </m:r>
                       <m:r>
-                        <a:rPr lang="en-US" sz="2007" b="1" i="1" dirty="0">
+                        <a:rPr lang="en-US" sz="2000" b="1" i="1" dirty="0">
                           <a:latin typeface="Cambria Math" panose="02040503050406030204" pitchFamily="18" charset="0"/>
                           <a:cs typeface="Times New Roman" panose="02020603050405020304" pitchFamily="18" charset="0"/>
                         </a:rPr>
@@ -4039,7 +4072,7 @@
                     </m:oMath>
                   </m:oMathPara>
                 </a14:m>
-                <a:endParaRPr lang="en-US" sz="2677" b="1" dirty="0">
+                <a:endParaRPr lang="en-US" sz="2800" b="1" dirty="0">
                   <a:latin typeface="Times New Roman" panose="02020603050405020304" pitchFamily="18" charset="0"/>
                   <a:cs typeface="Times New Roman" panose="02020603050405020304" pitchFamily="18" charset="0"/>
                 </a:endParaRPr>
@@ -4047,7 +4080,7 @@
             </p:txBody>
           </p:sp>
         </mc:Choice>
-        <mc:Fallback xmlns="">
+        <mc:Fallback>
           <p:sp>
             <p:nvSpPr>
               <p:cNvPr id="78" name="TextBox 77">
@@ -4063,17 +4096,17 @@
               <p:nvPr/>
             </p:nvSpPr>
             <p:spPr>
-              <a:xfrm>
-                <a:off x="-352163" y="5861647"/>
-                <a:ext cx="2554976" cy="424668"/>
+              <a:xfrm rot="16200000">
+                <a:off x="-1352418" y="7306038"/>
+                <a:ext cx="3193720" cy="427618"/>
               </a:xfrm>
               <a:prstGeom prst="rect">
                 <a:avLst/>
               </a:prstGeom>
               <a:blipFill>
-                <a:blip r:embed="rId14"/>
+                <a:blip r:embed="rId12"/>
                 <a:stretch>
-                  <a:fillRect b="-8696"/>
+                  <a:fillRect r="-7143"/>
                 </a:stretch>
               </a:blipFill>
             </p:spPr>
@@ -4092,8 +4125,8 @@
           </p:sp>
         </mc:Fallback>
       </mc:AlternateContent>
-      <mc:AlternateContent xmlns:mc="http://schemas.openxmlformats.org/markup-compatibility/2006" xmlns:a14="http://schemas.microsoft.com/office/drawing/2010/main">
-        <mc:Choice Requires="a14">
+      <mc:AlternateContent xmlns:mc="http://schemas.openxmlformats.org/markup-compatibility/2006">
+        <mc:Choice xmlns:a14="http://schemas.microsoft.com/office/drawing/2010/main" Requires="a14">
           <p:sp>
             <p:nvSpPr>
               <p:cNvPr id="79" name="TextBox 78">
@@ -4108,8 +4141,8 @@
             </p:nvSpPr>
             <p:spPr>
               <a:xfrm>
-                <a:off x="1885950" y="94981"/>
-                <a:ext cx="11372850" cy="378758"/>
+                <a:off x="771339" y="141078"/>
+                <a:ext cx="14216063" cy="414537"/>
               </a:xfrm>
               <a:prstGeom prst="rect">
                 <a:avLst/>
@@ -4123,7 +4156,7 @@
               <a:lstStyle/>
               <a:p>
                 <a:r>
-                  <a:rPr lang="en-US" sz="1600" b="1" dirty="0">
+                  <a:rPr lang="en-US" b="1" dirty="0">
                     <a:latin typeface="Times New Roman" panose="02020603050405020304" pitchFamily="18" charset="0"/>
                     <a:cs typeface="Times New Roman" panose="02020603050405020304" pitchFamily="18" charset="0"/>
                   </a:rPr>
@@ -4134,20 +4167,20 @@
                     <m:d>
                       <m:dPr>
                         <m:ctrlPr>
-                          <a:rPr lang="en-US" sz="1600" b="1" i="1" dirty="0" smtClean="0">
+                          <a:rPr lang="en-US" b="1" i="1" dirty="0">
                             <a:latin typeface="Cambria Math" panose="02040503050406030204" pitchFamily="18" charset="0"/>
                           </a:rPr>
                         </m:ctrlPr>
                       </m:dPr>
                       <m:e>
                         <m:r>
-                          <a:rPr lang="en-US" sz="1600" b="1" i="1" dirty="0" err="1" smtClean="0">
+                          <a:rPr lang="en-US" b="1" i="1" dirty="0" err="1">
                             <a:latin typeface="Cambria Math" panose="02040503050406030204" pitchFamily="18" charset="0"/>
                           </a:rPr>
                           <m:t>𝒛</m:t>
                         </m:r>
                         <m:r>
-                          <a:rPr lang="en-US" sz="1600" b="1" i="1" dirty="0" err="1" smtClean="0">
+                          <a:rPr lang="en-US" b="1" i="1" dirty="0" err="1">
                             <a:latin typeface="Cambria Math" panose="02040503050406030204" pitchFamily="18" charset="0"/>
                           </a:rPr>
                           <m:t>,</m:t>
@@ -4155,14 +4188,14 @@
                         <m:sSub>
                           <m:sSubPr>
                             <m:ctrlPr>
-                              <a:rPr lang="en-US" sz="1600" b="1" i="1" dirty="0" err="1" smtClean="0">
+                              <a:rPr lang="en-US" b="1" i="1" dirty="0" err="1">
                                 <a:latin typeface="Cambria Math" panose="02040503050406030204" pitchFamily="18" charset="0"/>
                               </a:rPr>
                             </m:ctrlPr>
                           </m:sSubPr>
                           <m:e>
                             <m:r>
-                              <a:rPr lang="en-US" sz="1600" b="1" i="1" dirty="0" err="1" smtClean="0">
+                              <a:rPr lang="en-US" b="1" i="1" dirty="0" err="1">
                                 <a:latin typeface="Cambria Math" panose="02040503050406030204" pitchFamily="18" charset="0"/>
                               </a:rPr>
                               <m:t>𝒗</m:t>
@@ -4170,7 +4203,7 @@
                           </m:e>
                           <m:sub>
                             <m:r>
-                              <a:rPr lang="en-US" sz="1600" b="1" i="1" dirty="0" err="1" smtClean="0">
+                              <a:rPr lang="en-US" b="1" i="1" dirty="0" err="1">
                                 <a:latin typeface="Cambria Math" panose="02040503050406030204" pitchFamily="18" charset="0"/>
                               </a:rPr>
                               <m:t>𝒛</m:t>
@@ -4182,18 +4215,18 @@
                   </m:oMath>
                 </a14:m>
                 <a:r>
-                  <a:rPr lang="en-US" sz="1600" b="1" dirty="0">
+                  <a:rPr lang="en-US" b="1" dirty="0">
                     <a:latin typeface="Times New Roman" panose="02020603050405020304" pitchFamily="18" charset="0"/>
                     <a:cs typeface="Times New Roman" panose="02020603050405020304" pitchFamily="18" charset="0"/>
                   </a:rPr>
-                  <a:t>         Electron distribution </a:t>
+                  <a:t>     Electron distribution </a:t>
                 </a:r>
                 <a14:m>
                   <m:oMath xmlns:m="http://schemas.openxmlformats.org/officeDocument/2006/math">
                     <m:d>
                       <m:dPr>
                         <m:ctrlPr>
-                          <a:rPr lang="en-US" sz="1600" b="1" i="1" dirty="0">
+                          <a:rPr lang="en-US" b="1" i="1" dirty="0">
                             <a:latin typeface="Cambria Math" panose="02040503050406030204" pitchFamily="18" charset="0"/>
                           </a:rPr>
                         </m:ctrlPr>
@@ -4202,14 +4235,14 @@
                         <m:sSub>
                           <m:sSubPr>
                             <m:ctrlPr>
-                              <a:rPr lang="en-US" sz="1600" b="1" i="1" dirty="0" smtClean="0">
+                              <a:rPr lang="en-US" b="1" i="1" dirty="0">
                                 <a:latin typeface="Cambria Math" panose="02040503050406030204" pitchFamily="18" charset="0"/>
                               </a:rPr>
                             </m:ctrlPr>
                           </m:sSubPr>
                           <m:e>
                             <m:r>
-                              <a:rPr lang="en-US" sz="1600" b="1" i="1" dirty="0" smtClean="0">
+                              <a:rPr lang="en-US" b="1" i="1" dirty="0">
                                 <a:latin typeface="Cambria Math" panose="02040503050406030204" pitchFamily="18" charset="0"/>
                               </a:rPr>
                               <m:t>𝒗</m:t>
@@ -4217,7 +4250,7 @@
                           </m:e>
                           <m:sub>
                             <m:r>
-                              <a:rPr lang="en-US" sz="1600" b="1" i="1" dirty="0" smtClean="0">
+                              <a:rPr lang="en-US" b="1" i="1" dirty="0">
                                 <a:latin typeface="Cambria Math" panose="02040503050406030204" pitchFamily="18" charset="0"/>
                               </a:rPr>
                               <m:t>𝒛</m:t>
@@ -4225,7 +4258,7 @@
                           </m:sub>
                         </m:sSub>
                         <m:r>
-                          <a:rPr lang="en-US" sz="1600" b="1" i="1" dirty="0" err="1">
+                          <a:rPr lang="en-US" b="1" i="1" dirty="0" err="1">
                             <a:latin typeface="Cambria Math" panose="02040503050406030204" pitchFamily="18" charset="0"/>
                           </a:rPr>
                           <m:t>,</m:t>
@@ -4233,14 +4266,14 @@
                         <m:sSub>
                           <m:sSubPr>
                             <m:ctrlPr>
-                              <a:rPr lang="en-US" sz="1600" b="1" i="1" dirty="0" err="1">
+                              <a:rPr lang="en-US" b="1" i="1" dirty="0" err="1">
                                 <a:latin typeface="Cambria Math" panose="02040503050406030204" pitchFamily="18" charset="0"/>
                               </a:rPr>
                             </m:ctrlPr>
                           </m:sSubPr>
                           <m:e>
                             <m:r>
-                              <a:rPr lang="en-US" sz="1600" b="1" i="1" dirty="0" err="1">
+                              <a:rPr lang="en-US" b="1" i="1" dirty="0" err="1">
                                 <a:latin typeface="Cambria Math" panose="02040503050406030204" pitchFamily="18" charset="0"/>
                               </a:rPr>
                               <m:t>𝒗</m:t>
@@ -4248,7 +4281,7 @@
                           </m:e>
                           <m:sub>
                             <m:r>
-                              <a:rPr lang="en-US" sz="1600" b="1" i="1" dirty="0" smtClean="0">
+                              <a:rPr lang="en-US" b="1" i="1" dirty="0">
                                 <a:latin typeface="Cambria Math" panose="02040503050406030204" pitchFamily="18" charset="0"/>
                               </a:rPr>
                               <m:t>𝒚</m:t>
@@ -4260,18 +4293,18 @@
                   </m:oMath>
                 </a14:m>
                 <a:r>
-                  <a:rPr lang="en-US" sz="1600" b="1" dirty="0">
+                  <a:rPr lang="en-US" b="1" dirty="0">
                     <a:latin typeface="Times New Roman" panose="02020603050405020304" pitchFamily="18" charset="0"/>
                     <a:cs typeface="Times New Roman" panose="02020603050405020304" pitchFamily="18" charset="0"/>
                   </a:rPr>
-                  <a:t>         Ion distribution </a:t>
+                  <a:t>          Ion distribution </a:t>
                 </a:r>
                 <a14:m>
                   <m:oMath xmlns:m="http://schemas.openxmlformats.org/officeDocument/2006/math">
                     <m:d>
                       <m:dPr>
                         <m:ctrlPr>
-                          <a:rPr lang="en-US" sz="1600" b="1" i="1" dirty="0">
+                          <a:rPr lang="en-US" b="1" i="1" dirty="0">
                             <a:latin typeface="Cambria Math" panose="02040503050406030204" pitchFamily="18" charset="0"/>
                           </a:rPr>
                         </m:ctrlPr>
@@ -4280,14 +4313,14 @@
                         <m:sSub>
                           <m:sSubPr>
                             <m:ctrlPr>
-                              <a:rPr lang="en-US" sz="1600" b="1" i="1" dirty="0">
+                              <a:rPr lang="en-US" b="1" i="1" dirty="0">
                                 <a:latin typeface="Cambria Math" panose="02040503050406030204" pitchFamily="18" charset="0"/>
                               </a:rPr>
                             </m:ctrlPr>
                           </m:sSubPr>
                           <m:e>
                             <m:r>
-                              <a:rPr lang="en-US" sz="1600" b="1" i="1" dirty="0">
+                              <a:rPr lang="en-US" b="1" i="1" dirty="0">
                                 <a:latin typeface="Cambria Math" panose="02040503050406030204" pitchFamily="18" charset="0"/>
                               </a:rPr>
                               <m:t>𝒗</m:t>
@@ -4295,7 +4328,7 @@
                           </m:e>
                           <m:sub>
                             <m:r>
-                              <a:rPr lang="en-US" sz="1600" b="1" i="1" dirty="0">
+                              <a:rPr lang="en-US" b="1" i="1" dirty="0">
                                 <a:latin typeface="Cambria Math" panose="02040503050406030204" pitchFamily="18" charset="0"/>
                               </a:rPr>
                               <m:t>𝒛</m:t>
@@ -4303,7 +4336,7 @@
                           </m:sub>
                         </m:sSub>
                         <m:r>
-                          <a:rPr lang="en-US" sz="1600" b="1" i="1" dirty="0" err="1">
+                          <a:rPr lang="en-US" b="1" i="1" dirty="0" err="1">
                             <a:latin typeface="Cambria Math" panose="02040503050406030204" pitchFamily="18" charset="0"/>
                           </a:rPr>
                           <m:t>,</m:t>
@@ -4311,14 +4344,14 @@
                         <m:sSub>
                           <m:sSubPr>
                             <m:ctrlPr>
-                              <a:rPr lang="en-US" sz="1600" b="1" i="1" dirty="0" err="1">
+                              <a:rPr lang="en-US" b="1" i="1" dirty="0" err="1">
                                 <a:latin typeface="Cambria Math" panose="02040503050406030204" pitchFamily="18" charset="0"/>
                               </a:rPr>
                             </m:ctrlPr>
                           </m:sSubPr>
                           <m:e>
                             <m:r>
-                              <a:rPr lang="en-US" sz="1600" b="1" i="1" dirty="0" err="1">
+                              <a:rPr lang="en-US" b="1" i="1" dirty="0" err="1">
                                 <a:latin typeface="Cambria Math" panose="02040503050406030204" pitchFamily="18" charset="0"/>
                               </a:rPr>
                               <m:t>𝒗</m:t>
@@ -4326,7 +4359,7 @@
                           </m:e>
                           <m:sub>
                             <m:r>
-                              <a:rPr lang="en-US" sz="1600" b="1" i="1" dirty="0">
+                              <a:rPr lang="en-US" b="1" i="1" dirty="0">
                                 <a:latin typeface="Cambria Math" panose="02040503050406030204" pitchFamily="18" charset="0"/>
                               </a:rPr>
                               <m:t>𝒚</m:t>
@@ -4338,7 +4371,7 @@
                   </m:oMath>
                 </a14:m>
                 <a:r>
-                  <a:rPr lang="en-US" sz="1600" b="1" dirty="0">
+                  <a:rPr lang="en-US" b="1" dirty="0">
                     <a:latin typeface="Times New Roman" panose="02020603050405020304" pitchFamily="18" charset="0"/>
                     <a:cs typeface="Times New Roman" panose="02020603050405020304" pitchFamily="18" charset="0"/>
                   </a:rPr>
@@ -4347,35 +4380,35 @@
                 <a14:m>
                   <m:oMath xmlns:m="http://schemas.openxmlformats.org/officeDocument/2006/math">
                     <m:r>
-                      <a:rPr lang="en-US" sz="1600" b="1" i="1" dirty="0" smtClean="0">
+                      <a:rPr lang="en-US" b="1" i="1" dirty="0">
                         <a:latin typeface="Cambria Math" panose="02040503050406030204" pitchFamily="18" charset="0"/>
                         <a:cs typeface="Times New Roman" panose="02020603050405020304" pitchFamily="18" charset="0"/>
                       </a:rPr>
                       <m:t>(</m:t>
                     </m:r>
                     <m:r>
-                      <a:rPr lang="en-US" sz="1600" b="1" i="1" dirty="0" err="1" smtClean="0">
+                      <a:rPr lang="en-US" b="1" i="1" dirty="0" err="1">
                         <a:latin typeface="Cambria Math" panose="02040503050406030204" pitchFamily="18" charset="0"/>
                         <a:cs typeface="Times New Roman" panose="02020603050405020304" pitchFamily="18" charset="0"/>
                       </a:rPr>
                       <m:t>𝒛</m:t>
                     </m:r>
                     <m:r>
-                      <a:rPr lang="en-US" sz="1600" b="1" i="1" dirty="0" err="1" smtClean="0">
+                      <a:rPr lang="en-US" b="1" i="1" dirty="0" err="1">
                         <a:latin typeface="Cambria Math" panose="02040503050406030204" pitchFamily="18" charset="0"/>
                         <a:cs typeface="Times New Roman" panose="02020603050405020304" pitchFamily="18" charset="0"/>
                       </a:rPr>
                       <m:t>,</m:t>
                     </m:r>
                     <m:r>
-                      <a:rPr lang="en-US" sz="1600" b="1" i="1" dirty="0" err="1" smtClean="0">
+                      <a:rPr lang="en-US" b="1" i="1" dirty="0" err="1">
                         <a:latin typeface="Cambria Math" panose="02040503050406030204" pitchFamily="18" charset="0"/>
                         <a:cs typeface="Times New Roman" panose="02020603050405020304" pitchFamily="18" charset="0"/>
                       </a:rPr>
                       <m:t>𝒚</m:t>
                     </m:r>
                     <m:r>
-                      <a:rPr lang="en-US" sz="1600" b="1" i="1" dirty="0" smtClean="0">
+                      <a:rPr lang="en-US" b="1" i="1" dirty="0">
                         <a:latin typeface="Cambria Math" panose="02040503050406030204" pitchFamily="18" charset="0"/>
                         <a:cs typeface="Times New Roman" panose="02020603050405020304" pitchFamily="18" charset="0"/>
                       </a:rPr>
@@ -4384,7 +4417,7 @@
                   </m:oMath>
                 </a14:m>
                 <a:r>
-                  <a:rPr lang="en-US" sz="1600" b="1" dirty="0">
+                  <a:rPr lang="en-US" b="1" dirty="0">
                     <a:latin typeface="Times New Roman" panose="02020603050405020304" pitchFamily="18" charset="0"/>
                     <a:cs typeface="Times New Roman" panose="02020603050405020304" pitchFamily="18" charset="0"/>
                   </a:rPr>
@@ -4394,7 +4427,7 @@
             </p:txBody>
           </p:sp>
         </mc:Choice>
-        <mc:Fallback xmlns="">
+        <mc:Fallback>
           <p:sp>
             <p:nvSpPr>
               <p:cNvPr id="79" name="TextBox 78">
@@ -4411,16 +4444,16 @@
             </p:nvSpPr>
             <p:spPr>
               <a:xfrm>
-                <a:off x="1885950" y="94981"/>
-                <a:ext cx="11372850" cy="378758"/>
+                <a:off x="771339" y="141078"/>
+                <a:ext cx="14216063" cy="414537"/>
               </a:xfrm>
               <a:prstGeom prst="rect">
                 <a:avLst/>
               </a:prstGeom>
               <a:blipFill>
-                <a:blip r:embed="rId15"/>
+                <a:blip r:embed="rId13"/>
                 <a:stretch>
-                  <a:fillRect l="-268" b="-14516"/>
+                  <a:fillRect l="-386" t="-2941" b="-16176"/>
                 </a:stretch>
               </a:blipFill>
             </p:spPr>
@@ -4441,10 +4474,80 @@
       </mc:AlternateContent>
       <p:pic>
         <p:nvPicPr>
-          <p:cNvPr id="12" name="Picture 11">
+          <p:cNvPr id="4" name="Picture 3">
             <a:extLst>
               <a:ext uri="{FF2B5EF4-FFF2-40B4-BE49-F238E27FC236}">
-                <a16:creationId xmlns:a16="http://schemas.microsoft.com/office/drawing/2014/main" id="{AEF6725B-B9E7-407B-8F38-5C5CD8D76D46}"/>
+                <a16:creationId xmlns:a16="http://schemas.microsoft.com/office/drawing/2014/main" id="{1E6CA4B3-8621-4CF4-89D2-499798F61818}"/>
+              </a:ext>
+            </a:extLst>
+          </p:cNvPr>
+          <p:cNvPicPr>
+            <a:picLocks noChangeAspect="1"/>
+          </p:cNvPicPr>
+          <p:nvPr/>
+        </p:nvPicPr>
+        <p:blipFill rotWithShape="1">
+          <a:blip r:embed="rId14">
+            <a:extLst>
+              <a:ext uri="{28A0092B-C50C-407E-A947-70E740481C1C}">
+                <a14:useLocalDpi xmlns:a14="http://schemas.microsoft.com/office/drawing/2010/main" val="0"/>
+              </a:ext>
+            </a:extLst>
+          </a:blip>
+          <a:srcRect t="6528" r="7230"/>
+          <a:stretch/>
+        </p:blipFill>
+        <p:spPr>
+          <a:xfrm>
+            <a:off x="3471638" y="3449521"/>
+            <a:ext cx="3194338" cy="2839879"/>
+          </a:xfrm>
+          <a:prstGeom prst="rect">
+            <a:avLst/>
+          </a:prstGeom>
+        </p:spPr>
+      </p:pic>
+      <p:pic>
+        <p:nvPicPr>
+          <p:cNvPr id="81" name="Picture 80">
+            <a:extLst>
+              <a:ext uri="{FF2B5EF4-FFF2-40B4-BE49-F238E27FC236}">
+                <a16:creationId xmlns:a16="http://schemas.microsoft.com/office/drawing/2014/main" id="{A088DDF8-00B3-4AA7-88AD-52E4640AD18B}"/>
+              </a:ext>
+            </a:extLst>
+          </p:cNvPr>
+          <p:cNvPicPr>
+            <a:picLocks noChangeAspect="1"/>
+          </p:cNvPicPr>
+          <p:nvPr/>
+        </p:nvPicPr>
+        <p:blipFill rotWithShape="1">
+          <a:blip r:embed="rId15">
+            <a:extLst>
+              <a:ext uri="{28A0092B-C50C-407E-A947-70E740481C1C}">
+                <a14:useLocalDpi xmlns:a14="http://schemas.microsoft.com/office/drawing/2010/main" val="0"/>
+              </a:ext>
+            </a:extLst>
+          </a:blip>
+          <a:srcRect l="2409" t="4620" r="2603"/>
+          <a:stretch/>
+        </p:blipFill>
+        <p:spPr>
+          <a:xfrm>
+            <a:off x="9737766" y="577174"/>
+            <a:ext cx="3521034" cy="2670336"/>
+          </a:xfrm>
+          <a:prstGeom prst="rect">
+            <a:avLst/>
+          </a:prstGeom>
+        </p:spPr>
+      </p:pic>
+      <p:pic>
+        <p:nvPicPr>
+          <p:cNvPr id="3" name="Picture 2">
+            <a:extLst>
+              <a:ext uri="{FF2B5EF4-FFF2-40B4-BE49-F238E27FC236}">
+                <a16:creationId xmlns:a16="http://schemas.microsoft.com/office/drawing/2014/main" id="{F88666EE-D141-4D12-9195-023120B5F77B}"/>
               </a:ext>
             </a:extLst>
           </p:cNvPr>
@@ -4461,13 +4564,13 @@
               </a:ext>
             </a:extLst>
           </a:blip>
-          <a:srcRect l="-619" t="6631" r="6006" b="878"/>
+          <a:srcRect t="5323" r="3726"/>
           <a:stretch/>
         </p:blipFill>
         <p:spPr>
           <a:xfrm>
-            <a:off x="7414804" y="454300"/>
-            <a:ext cx="2621523" cy="2261235"/>
+            <a:off x="6636510" y="6360259"/>
+            <a:ext cx="3200400" cy="2777073"/>
           </a:xfrm>
           <a:prstGeom prst="rect">
             <a:avLst/>
@@ -4476,10 +4579,10 @@
       </p:pic>
       <p:pic>
         <p:nvPicPr>
-          <p:cNvPr id="15" name="Picture 14">
+          <p:cNvPr id="13" name="Picture 12">
             <a:extLst>
               <a:ext uri="{FF2B5EF4-FFF2-40B4-BE49-F238E27FC236}">
-                <a16:creationId xmlns:a16="http://schemas.microsoft.com/office/drawing/2014/main" id="{690CEB64-AFF5-4E85-9597-9206F6425CBB}"/>
+                <a16:creationId xmlns:a16="http://schemas.microsoft.com/office/drawing/2014/main" id="{416DCBF3-AB57-4E56-80D7-81612B6B7EC0}"/>
               </a:ext>
             </a:extLst>
           </p:cNvPr>
@@ -4496,13 +4599,13 @@
               </a:ext>
             </a:extLst>
           </a:blip>
-          <a:srcRect t="5790" r="5806"/>
+          <a:srcRect t="5314" r="3477"/>
           <a:stretch/>
         </p:blipFill>
         <p:spPr>
           <a:xfrm>
-            <a:off x="7441299" y="2753144"/>
-            <a:ext cx="2579581" cy="2276505"/>
+            <a:off x="6609206" y="3398642"/>
+            <a:ext cx="3200400" cy="2770113"/>
           </a:xfrm>
           <a:prstGeom prst="rect">
             <a:avLst/>
@@ -4511,10 +4614,10 @@
       </p:pic>
       <p:pic>
         <p:nvPicPr>
-          <p:cNvPr id="19" name="Picture 18">
+          <p:cNvPr id="9" name="Picture 8">
             <a:extLst>
               <a:ext uri="{FF2B5EF4-FFF2-40B4-BE49-F238E27FC236}">
-                <a16:creationId xmlns:a16="http://schemas.microsoft.com/office/drawing/2014/main" id="{610A499B-9F50-455B-B656-5552C99DCF76}"/>
+                <a16:creationId xmlns:a16="http://schemas.microsoft.com/office/drawing/2014/main" id="{056280E9-E7DB-4E62-A3B2-EB46C38073C1}"/>
               </a:ext>
             </a:extLst>
           </p:cNvPr>
@@ -4531,118 +4634,13 @@
               </a:ext>
             </a:extLst>
           </a:blip>
-          <a:srcRect t="6070" r="5806"/>
+          <a:srcRect t="4011" r="4011"/>
           <a:stretch/>
         </p:blipFill>
         <p:spPr>
           <a:xfrm>
-            <a:off x="7427714" y="5026198"/>
-            <a:ext cx="2612627" cy="2298799"/>
-          </a:xfrm>
-          <a:prstGeom prst="rect">
-            <a:avLst/>
-          </a:prstGeom>
-        </p:spPr>
-      </p:pic>
-      <p:pic>
-        <p:nvPicPr>
-          <p:cNvPr id="4" name="Picture 3">
-            <a:extLst>
-              <a:ext uri="{FF2B5EF4-FFF2-40B4-BE49-F238E27FC236}">
-                <a16:creationId xmlns:a16="http://schemas.microsoft.com/office/drawing/2014/main" id="{1E6CA4B3-8621-4CF4-89D2-499798F61818}"/>
-              </a:ext>
-            </a:extLst>
-          </p:cNvPr>
-          <p:cNvPicPr>
-            <a:picLocks noChangeAspect="1"/>
-          </p:cNvPicPr>
-          <p:nvPr/>
-        </p:nvPicPr>
-        <p:blipFill rotWithShape="1">
-          <a:blip r:embed="rId19">
-            <a:extLst>
-              <a:ext uri="{28A0092B-C50C-407E-A947-70E740481C1C}">
-                <a14:useLocalDpi xmlns:a14="http://schemas.microsoft.com/office/drawing/2010/main" val="0"/>
-              </a:ext>
-            </a:extLst>
-          </a:blip>
-          <a:srcRect t="6528" r="7230"/>
-          <a:stretch/>
-        </p:blipFill>
-        <p:spPr>
-          <a:xfrm>
-            <a:off x="4660051" y="2765335"/>
-            <a:ext cx="2555470" cy="2271903"/>
-          </a:xfrm>
-          <a:prstGeom prst="rect">
-            <a:avLst/>
-          </a:prstGeom>
-        </p:spPr>
-      </p:pic>
-      <p:pic>
-        <p:nvPicPr>
-          <p:cNvPr id="11" name="Picture 10">
-            <a:extLst>
-              <a:ext uri="{FF2B5EF4-FFF2-40B4-BE49-F238E27FC236}">
-                <a16:creationId xmlns:a16="http://schemas.microsoft.com/office/drawing/2014/main" id="{5174D085-2D0A-4B3A-9EA7-60816390990C}"/>
-              </a:ext>
-            </a:extLst>
-          </p:cNvPr>
-          <p:cNvPicPr>
-            <a:picLocks noChangeAspect="1"/>
-          </p:cNvPicPr>
-          <p:nvPr/>
-        </p:nvPicPr>
-        <p:blipFill rotWithShape="1">
-          <a:blip r:embed="rId20">
-            <a:extLst>
-              <a:ext uri="{28A0092B-C50C-407E-A947-70E740481C1C}">
-                <a14:useLocalDpi xmlns:a14="http://schemas.microsoft.com/office/drawing/2010/main" val="0"/>
-              </a:ext>
-            </a:extLst>
-          </a:blip>
-          <a:srcRect l="3162" t="3858" r="2242"/>
-          <a:stretch/>
-        </p:blipFill>
-        <p:spPr>
-          <a:xfrm>
-            <a:off x="10034465" y="460941"/>
-            <a:ext cx="3183534" cy="2311142"/>
-          </a:xfrm>
-          <a:prstGeom prst="rect">
-            <a:avLst/>
-          </a:prstGeom>
-        </p:spPr>
-      </p:pic>
-      <p:pic>
-        <p:nvPicPr>
-          <p:cNvPr id="6" name="Picture 5">
-            <a:extLst>
-              <a:ext uri="{FF2B5EF4-FFF2-40B4-BE49-F238E27FC236}">
-                <a16:creationId xmlns:a16="http://schemas.microsoft.com/office/drawing/2014/main" id="{AB986123-DE1C-48B6-A8A6-F65EC3EB89D3}"/>
-              </a:ext>
-            </a:extLst>
-          </p:cNvPr>
-          <p:cNvPicPr>
-            <a:picLocks noChangeAspect="1"/>
-          </p:cNvPicPr>
-          <p:nvPr/>
-        </p:nvPicPr>
-        <p:blipFill rotWithShape="1">
-          <a:blip r:embed="rId21">
-            <a:extLst>
-              <a:ext uri="{28A0092B-C50C-407E-A947-70E740481C1C}">
-                <a14:useLocalDpi xmlns:a14="http://schemas.microsoft.com/office/drawing/2010/main" val="0"/>
-              </a:ext>
-            </a:extLst>
-          </a:blip>
-          <a:srcRect l="2059" t="4591" r="2621"/>
-          <a:stretch/>
-        </p:blipFill>
-        <p:spPr>
-          <a:xfrm>
-            <a:off x="10020300" y="2770229"/>
-            <a:ext cx="3163659" cy="2261871"/>
+            <a:off x="6593775" y="520779"/>
+            <a:ext cx="3202530" cy="2825762"/>
           </a:xfrm>
           <a:prstGeom prst="rect">
             <a:avLst/>

--- a/Diagnostics/local/Figures/paper_figures/Fig6.pptx
+++ b/Diagnostics/local/Figures/paper_figures/Fig6.pptx
@@ -197,7 +197,7 @@
           <a:p>
             <a:fld id="{EF01F5E3-F218-412E-8BC3-D55FF0C40A04}" type="datetimeFigureOut">
               <a:rPr lang="en-US" smtClean="0"/>
-              <a:t>5/11/2023</a:t>
+              <a:t>6/23/23</a:t>
             </a:fld>
             <a:endParaRPr lang="en-US"/>
           </a:p>
@@ -684,7 +684,7 @@
           <a:p>
             <a:fld id="{D7255102-6478-444A-A334-5416F04ED077}" type="datetimeFigureOut">
               <a:rPr lang="en-US" smtClean="0"/>
-              <a:t>5/11/2023</a:t>
+              <a:t>6/23/23</a:t>
             </a:fld>
             <a:endParaRPr lang="en-US"/>
           </a:p>
@@ -854,7 +854,7 @@
           <a:p>
             <a:fld id="{D7255102-6478-444A-A334-5416F04ED077}" type="datetimeFigureOut">
               <a:rPr lang="en-US" smtClean="0"/>
-              <a:t>5/11/2023</a:t>
+              <a:t>6/23/23</a:t>
             </a:fld>
             <a:endParaRPr lang="en-US"/>
           </a:p>
@@ -1034,7 +1034,7 @@
           <a:p>
             <a:fld id="{D7255102-6478-444A-A334-5416F04ED077}" type="datetimeFigureOut">
               <a:rPr lang="en-US" smtClean="0"/>
-              <a:t>5/11/2023</a:t>
+              <a:t>6/23/23</a:t>
             </a:fld>
             <a:endParaRPr lang="en-US"/>
           </a:p>
@@ -1204,7 +1204,7 @@
           <a:p>
             <a:fld id="{D7255102-6478-444A-A334-5416F04ED077}" type="datetimeFigureOut">
               <a:rPr lang="en-US" smtClean="0"/>
-              <a:t>5/11/2023</a:t>
+              <a:t>6/23/23</a:t>
             </a:fld>
             <a:endParaRPr lang="en-US"/>
           </a:p>
@@ -1448,7 +1448,7 @@
           <a:p>
             <a:fld id="{D7255102-6478-444A-A334-5416F04ED077}" type="datetimeFigureOut">
               <a:rPr lang="en-US" smtClean="0"/>
-              <a:t>5/11/2023</a:t>
+              <a:t>6/23/23</a:t>
             </a:fld>
             <a:endParaRPr lang="en-US"/>
           </a:p>
@@ -1680,7 +1680,7 @@
           <a:p>
             <a:fld id="{D7255102-6478-444A-A334-5416F04ED077}" type="datetimeFigureOut">
               <a:rPr lang="en-US" smtClean="0"/>
-              <a:t>5/11/2023</a:t>
+              <a:t>6/23/23</a:t>
             </a:fld>
             <a:endParaRPr lang="en-US"/>
           </a:p>
@@ -2047,7 +2047,7 @@
           <a:p>
             <a:fld id="{D7255102-6478-444A-A334-5416F04ED077}" type="datetimeFigureOut">
               <a:rPr lang="en-US" smtClean="0"/>
-              <a:t>5/11/2023</a:t>
+              <a:t>6/23/23</a:t>
             </a:fld>
             <a:endParaRPr lang="en-US"/>
           </a:p>
@@ -2165,7 +2165,7 @@
           <a:p>
             <a:fld id="{D7255102-6478-444A-A334-5416F04ED077}" type="datetimeFigureOut">
               <a:rPr lang="en-US" smtClean="0"/>
-              <a:t>5/11/2023</a:t>
+              <a:t>6/23/23</a:t>
             </a:fld>
             <a:endParaRPr lang="en-US"/>
           </a:p>
@@ -2260,7 +2260,7 @@
           <a:p>
             <a:fld id="{D7255102-6478-444A-A334-5416F04ED077}" type="datetimeFigureOut">
               <a:rPr lang="en-US" smtClean="0"/>
-              <a:t>5/11/2023</a:t>
+              <a:t>6/23/23</a:t>
             </a:fld>
             <a:endParaRPr lang="en-US"/>
           </a:p>
@@ -2537,7 +2537,7 @@
           <a:p>
             <a:fld id="{D7255102-6478-444A-A334-5416F04ED077}" type="datetimeFigureOut">
               <a:rPr lang="en-US" smtClean="0"/>
-              <a:t>5/11/2023</a:t>
+              <a:t>6/23/23</a:t>
             </a:fld>
             <a:endParaRPr lang="en-US"/>
           </a:p>
@@ -2794,7 +2794,7 @@
           <a:p>
             <a:fld id="{D7255102-6478-444A-A334-5416F04ED077}" type="datetimeFigureOut">
               <a:rPr lang="en-US" smtClean="0"/>
-              <a:t>5/11/2023</a:t>
+              <a:t>6/23/23</a:t>
             </a:fld>
             <a:endParaRPr lang="en-US"/>
           </a:p>
@@ -3007,7 +3007,7 @@
           <a:p>
             <a:fld id="{D7255102-6478-444A-A334-5416F04ED077}" type="datetimeFigureOut">
               <a:rPr lang="en-US" smtClean="0"/>
-              <a:t>5/11/2023</a:t>
+              <a:t>6/23/23</a:t>
             </a:fld>
             <a:endParaRPr lang="en-US"/>
           </a:p>
@@ -3414,76 +3414,6 @@
       </p:grpSpPr>
       <p:pic>
         <p:nvPicPr>
-          <p:cNvPr id="83" name="Picture 82">
-            <a:extLst>
-              <a:ext uri="{FF2B5EF4-FFF2-40B4-BE49-F238E27FC236}">
-                <a16:creationId xmlns:a16="http://schemas.microsoft.com/office/drawing/2014/main" id="{7AE19150-EB56-4E3F-A1F4-FB217D8E83FB}"/>
-              </a:ext>
-            </a:extLst>
-          </p:cNvPr>
-          <p:cNvPicPr>
-            <a:picLocks noChangeAspect="1"/>
-          </p:cNvPicPr>
-          <p:nvPr/>
-        </p:nvPicPr>
-        <p:blipFill rotWithShape="1">
-          <a:blip r:embed="rId3">
-            <a:extLst>
-              <a:ext uri="{28A0092B-C50C-407E-A947-70E740481C1C}">
-                <a14:useLocalDpi xmlns:a14="http://schemas.microsoft.com/office/drawing/2010/main" val="0"/>
-              </a:ext>
-            </a:extLst>
-          </a:blip>
-          <a:srcRect l="3457" t="5233" r="2213"/>
-          <a:stretch/>
-        </p:blipFill>
-        <p:spPr>
-          <a:xfrm>
-            <a:off x="9796723" y="3437378"/>
-            <a:ext cx="3473952" cy="2670336"/>
-          </a:xfrm>
-          <a:prstGeom prst="rect">
-            <a:avLst/>
-          </a:prstGeom>
-        </p:spPr>
-      </p:pic>
-      <p:pic>
-        <p:nvPicPr>
-          <p:cNvPr id="75" name="Picture 74">
-            <a:extLst>
-              <a:ext uri="{FF2B5EF4-FFF2-40B4-BE49-F238E27FC236}">
-                <a16:creationId xmlns:a16="http://schemas.microsoft.com/office/drawing/2014/main" id="{D9E45B46-F806-4189-9D1C-E01DD78D94FE}"/>
-              </a:ext>
-            </a:extLst>
-          </p:cNvPr>
-          <p:cNvPicPr>
-            <a:picLocks noChangeAspect="1"/>
-          </p:cNvPicPr>
-          <p:nvPr/>
-        </p:nvPicPr>
-        <p:blipFill rotWithShape="1">
-          <a:blip r:embed="rId4">
-            <a:extLst>
-              <a:ext uri="{28A0092B-C50C-407E-A947-70E740481C1C}">
-                <a14:useLocalDpi xmlns:a14="http://schemas.microsoft.com/office/drawing/2010/main" val="0"/>
-              </a:ext>
-            </a:extLst>
-          </a:blip>
-          <a:srcRect l="2746" t="5637" r="2203"/>
-          <a:stretch/>
-        </p:blipFill>
-        <p:spPr>
-          <a:xfrm>
-            <a:off x="9784848" y="6414650"/>
-            <a:ext cx="3473952" cy="2670336"/>
-          </a:xfrm>
-          <a:prstGeom prst="rect">
-            <a:avLst/>
-          </a:prstGeom>
-        </p:spPr>
-      </p:pic>
-      <p:pic>
-        <p:nvPicPr>
           <p:cNvPr id="5" name="Picture 4">
             <a:extLst>
               <a:ext uri="{FF2B5EF4-FFF2-40B4-BE49-F238E27FC236}">
@@ -3497,7 +3427,7 @@
           <p:nvPr/>
         </p:nvPicPr>
         <p:blipFill rotWithShape="1">
-          <a:blip r:embed="rId5">
+          <a:blip r:embed="rId3">
             <a:extLst>
               <a:ext uri="{28A0092B-C50C-407E-A947-70E740481C1C}">
                 <a14:useLocalDpi xmlns:a14="http://schemas.microsoft.com/office/drawing/2010/main" val="0"/>
@@ -3532,7 +3462,7 @@
           <p:nvPr/>
         </p:nvPicPr>
         <p:blipFill rotWithShape="1">
-          <a:blip r:embed="rId6">
+          <a:blip r:embed="rId4">
             <a:extLst>
               <a:ext uri="{28A0092B-C50C-407E-A947-70E740481C1C}">
                 <a14:useLocalDpi xmlns:a14="http://schemas.microsoft.com/office/drawing/2010/main" val="0"/>
@@ -3567,7 +3497,7 @@
           <p:nvPr/>
         </p:nvPicPr>
         <p:blipFill rotWithShape="1">
-          <a:blip r:embed="rId7">
+          <a:blip r:embed="rId5">
             <a:extLst>
               <a:ext uri="{28A0092B-C50C-407E-A947-70E740481C1C}">
                 <a14:useLocalDpi xmlns:a14="http://schemas.microsoft.com/office/drawing/2010/main" val="0"/>
@@ -3602,7 +3532,7 @@
           <p:nvPr/>
         </p:nvPicPr>
         <p:blipFill rotWithShape="1">
-          <a:blip r:embed="rId8">
+          <a:blip r:embed="rId6">
             <a:extLst>
               <a:ext uri="{28A0092B-C50C-407E-A947-70E740481C1C}">
                 <a14:useLocalDpi xmlns:a14="http://schemas.microsoft.com/office/drawing/2010/main" val="0"/>
@@ -3637,7 +3567,7 @@
           <p:nvPr/>
         </p:nvPicPr>
         <p:blipFill rotWithShape="1">
-          <a:blip r:embed="rId9">
+          <a:blip r:embed="rId7">
             <a:extLst>
               <a:ext uri="{28A0092B-C50C-407E-A947-70E740481C1C}">
                 <a14:useLocalDpi xmlns:a14="http://schemas.microsoft.com/office/drawing/2010/main" val="0"/>
@@ -3657,8 +3587,8 @@
           </a:prstGeom>
         </p:spPr>
       </p:pic>
-      <mc:AlternateContent xmlns:mc="http://schemas.openxmlformats.org/markup-compatibility/2006">
-        <mc:Choice xmlns:a14="http://schemas.microsoft.com/office/drawing/2010/main" Requires="a14">
+      <mc:AlternateContent xmlns:mc="http://schemas.openxmlformats.org/markup-compatibility/2006" xmlns:a14="http://schemas.microsoft.com/office/drawing/2010/main">
+        <mc:Choice Requires="a14">
           <p:sp>
             <p:nvSpPr>
               <p:cNvPr id="76" name="TextBox 75">
@@ -3741,14 +3671,7 @@
                           <a:latin typeface="Cambria Math" panose="02040503050406030204" pitchFamily="18" charset="0"/>
                           <a:cs typeface="Times New Roman" panose="02020603050405020304" pitchFamily="18" charset="0"/>
                         </a:rPr>
-                        <m:t>𝟏𝟖𝟎</m:t>
-                      </m:r>
-                      <m:r>
-                        <a:rPr lang="en-US" sz="2000" b="1" i="1" dirty="0">
-                          <a:latin typeface="Cambria Math" panose="02040503050406030204" pitchFamily="18" charset="0"/>
-                          <a:cs typeface="Times New Roman" panose="02020603050405020304" pitchFamily="18" charset="0"/>
-                        </a:rPr>
-                        <m:t>𝟎</m:t>
+                        <m:t>𝟏𝟖𝟎𝟎</m:t>
                       </m:r>
                       <m:r>
                         <a:rPr lang="en-US" sz="2000" b="1" i="1" dirty="0">
@@ -3768,7 +3691,7 @@
             </p:txBody>
           </p:sp>
         </mc:Choice>
-        <mc:Fallback>
+        <mc:Fallback xmlns="">
           <p:sp>
             <p:nvSpPr>
               <p:cNvPr id="76" name="TextBox 75">
@@ -3813,8 +3736,8 @@
           </p:sp>
         </mc:Fallback>
       </mc:AlternateContent>
-      <mc:AlternateContent xmlns:mc="http://schemas.openxmlformats.org/markup-compatibility/2006">
-        <mc:Choice xmlns:a14="http://schemas.microsoft.com/office/drawing/2010/main" Requires="a14">
+      <mc:AlternateContent xmlns:mc="http://schemas.openxmlformats.org/markup-compatibility/2006" xmlns:a14="http://schemas.microsoft.com/office/drawing/2010/main">
+        <mc:Choice Requires="a14">
           <p:sp>
             <p:nvSpPr>
               <p:cNvPr id="77" name="TextBox 76">
@@ -3897,14 +3820,7 @@
                           <a:latin typeface="Cambria Math" panose="02040503050406030204" pitchFamily="18" charset="0"/>
                           <a:cs typeface="Times New Roman" panose="02020603050405020304" pitchFamily="18" charset="0"/>
                         </a:rPr>
-                        <m:t>𝟑𝟓</m:t>
-                      </m:r>
-                      <m:r>
-                        <a:rPr lang="en-US" sz="2000" b="1" i="1" dirty="0">
-                          <a:latin typeface="Cambria Math" panose="02040503050406030204" pitchFamily="18" charset="0"/>
-                          <a:cs typeface="Times New Roman" panose="02020603050405020304" pitchFamily="18" charset="0"/>
-                        </a:rPr>
-                        <m:t>𝟎𝟎</m:t>
+                        <m:t>𝟑𝟓𝟎𝟎</m:t>
                       </m:r>
                       <m:r>
                         <a:rPr lang="en-US" sz="2000" b="1" i="1" dirty="0">
@@ -3924,7 +3840,7 @@
             </p:txBody>
           </p:sp>
         </mc:Choice>
-        <mc:Fallback>
+        <mc:Fallback xmlns="">
           <p:sp>
             <p:nvSpPr>
               <p:cNvPr id="77" name="TextBox 76">
@@ -3969,8 +3885,8 @@
           </p:sp>
         </mc:Fallback>
       </mc:AlternateContent>
-      <mc:AlternateContent xmlns:mc="http://schemas.openxmlformats.org/markup-compatibility/2006">
-        <mc:Choice xmlns:a14="http://schemas.microsoft.com/office/drawing/2010/main" Requires="a14">
+      <mc:AlternateContent xmlns:mc="http://schemas.openxmlformats.org/markup-compatibility/2006" xmlns:a14="http://schemas.microsoft.com/office/drawing/2010/main">
+        <mc:Choice Requires="a14">
           <p:sp>
             <p:nvSpPr>
               <p:cNvPr id="78" name="TextBox 77">
@@ -4053,14 +3969,7 @@
                           <a:latin typeface="Cambria Math" panose="02040503050406030204" pitchFamily="18" charset="0"/>
                           <a:cs typeface="Times New Roman" panose="02020603050405020304" pitchFamily="18" charset="0"/>
                         </a:rPr>
-                        <m:t>𝟒𝟑</m:t>
-                      </m:r>
-                      <m:r>
-                        <a:rPr lang="en-US" sz="2000" b="1" i="1" dirty="0">
-                          <a:latin typeface="Cambria Math" panose="02040503050406030204" pitchFamily="18" charset="0"/>
-                          <a:cs typeface="Times New Roman" panose="02020603050405020304" pitchFamily="18" charset="0"/>
-                        </a:rPr>
-                        <m:t>𝟎𝟎</m:t>
+                        <m:t>𝟒𝟑𝟎𝟎</m:t>
                       </m:r>
                       <m:r>
                         <a:rPr lang="en-US" sz="2000" b="1" i="1" dirty="0">
@@ -4080,7 +3989,7 @@
             </p:txBody>
           </p:sp>
         </mc:Choice>
-        <mc:Fallback>
+        <mc:Fallback xmlns="">
           <p:sp>
             <p:nvSpPr>
               <p:cNvPr id="78" name="TextBox 77">
@@ -4125,8 +4034,8 @@
           </p:sp>
         </mc:Fallback>
       </mc:AlternateContent>
-      <mc:AlternateContent xmlns:mc="http://schemas.openxmlformats.org/markup-compatibility/2006">
-        <mc:Choice xmlns:a14="http://schemas.microsoft.com/office/drawing/2010/main" Requires="a14">
+      <mc:AlternateContent xmlns:mc="http://schemas.openxmlformats.org/markup-compatibility/2006" xmlns:a14="http://schemas.microsoft.com/office/drawing/2010/main">
+        <mc:Choice Requires="a14">
           <p:sp>
             <p:nvSpPr>
               <p:cNvPr id="79" name="TextBox 78">
@@ -4427,7 +4336,7 @@
             </p:txBody>
           </p:sp>
         </mc:Choice>
-        <mc:Fallback>
+        <mc:Fallback xmlns="">
           <p:sp>
             <p:nvSpPr>
               <p:cNvPr id="79" name="TextBox 78">
@@ -4509,10 +4418,10 @@
       </p:pic>
       <p:pic>
         <p:nvPicPr>
-          <p:cNvPr id="81" name="Picture 80">
+          <p:cNvPr id="19" name="Picture 18" descr="A picture containing text, screenshot&#10;&#10;Description automatically generated">
             <a:extLst>
               <a:ext uri="{FF2B5EF4-FFF2-40B4-BE49-F238E27FC236}">
-                <a16:creationId xmlns:a16="http://schemas.microsoft.com/office/drawing/2014/main" id="{A088DDF8-00B3-4AA7-88AD-52E4640AD18B}"/>
+                <a16:creationId xmlns:a16="http://schemas.microsoft.com/office/drawing/2014/main" id="{DF81CEC9-0604-7263-EE30-F0C701B632C4}"/>
               </a:ext>
             </a:extLst>
           </p:cNvPr>
@@ -4521,7 +4430,7 @@
           </p:cNvPicPr>
           <p:nvPr/>
         </p:nvPicPr>
-        <p:blipFill rotWithShape="1">
+        <p:blipFill>
           <a:blip r:embed="rId15">
             <a:extLst>
               <a:ext uri="{28A0092B-C50C-407E-A947-70E740481C1C}">
@@ -4529,13 +4438,14 @@
               </a:ext>
             </a:extLst>
           </a:blip>
-          <a:srcRect l="2409" t="4620" r="2603"/>
-          <a:stretch/>
+          <a:stretch>
+            <a:fillRect/>
+          </a:stretch>
         </p:blipFill>
         <p:spPr>
           <a:xfrm>
-            <a:off x="9737766" y="577174"/>
-            <a:ext cx="3521034" cy="2670336"/>
+            <a:off x="9780095" y="3321981"/>
+            <a:ext cx="3493352" cy="2757909"/>
           </a:xfrm>
           <a:prstGeom prst="rect">
             <a:avLst/>
@@ -4544,10 +4454,10 @@
       </p:pic>
       <p:pic>
         <p:nvPicPr>
-          <p:cNvPr id="3" name="Picture 2">
+          <p:cNvPr id="21" name="Picture 20" descr="A picture containing text, screenshot, font, colorfulness&#10;&#10;Description automatically generated">
             <a:extLst>
               <a:ext uri="{FF2B5EF4-FFF2-40B4-BE49-F238E27FC236}">
-                <a16:creationId xmlns:a16="http://schemas.microsoft.com/office/drawing/2014/main" id="{F88666EE-D141-4D12-9195-023120B5F77B}"/>
+                <a16:creationId xmlns:a16="http://schemas.microsoft.com/office/drawing/2014/main" id="{86961153-C8B2-6E7E-F1ED-4E04361DD9B2}"/>
               </a:ext>
             </a:extLst>
           </p:cNvPr>
@@ -4556,7 +4466,7 @@
           </p:cNvPicPr>
           <p:nvPr/>
         </p:nvPicPr>
-        <p:blipFill rotWithShape="1">
+        <p:blipFill>
           <a:blip r:embed="rId16">
             <a:extLst>
               <a:ext uri="{28A0092B-C50C-407E-A947-70E740481C1C}">
@@ -4564,13 +4474,14 @@
               </a:ext>
             </a:extLst>
           </a:blip>
-          <a:srcRect t="5323" r="3726"/>
-          <a:stretch/>
+          <a:stretch>
+            <a:fillRect/>
+          </a:stretch>
         </p:blipFill>
         <p:spPr>
           <a:xfrm>
-            <a:off x="6636510" y="6360259"/>
-            <a:ext cx="3200400" cy="2777073"/>
+            <a:off x="9857512" y="6238627"/>
+            <a:ext cx="3419642" cy="2699717"/>
           </a:xfrm>
           <a:prstGeom prst="rect">
             <a:avLst/>
@@ -4579,10 +4490,10 @@
       </p:pic>
       <p:pic>
         <p:nvPicPr>
-          <p:cNvPr id="13" name="Picture 12">
+          <p:cNvPr id="25" name="Picture 24" descr="A picture containing text, screenshot, colorfulness, astronomy&#10;&#10;Description automatically generated">
             <a:extLst>
               <a:ext uri="{FF2B5EF4-FFF2-40B4-BE49-F238E27FC236}">
-                <a16:creationId xmlns:a16="http://schemas.microsoft.com/office/drawing/2014/main" id="{416DCBF3-AB57-4E56-80D7-81612B6B7EC0}"/>
+                <a16:creationId xmlns:a16="http://schemas.microsoft.com/office/drawing/2014/main" id="{C6AEF31C-00DF-5DA2-03D3-2636440A9F3A}"/>
               </a:ext>
             </a:extLst>
           </p:cNvPr>
@@ -4591,7 +4502,7 @@
           </p:cNvPicPr>
           <p:nvPr/>
         </p:nvPicPr>
-        <p:blipFill rotWithShape="1">
+        <p:blipFill>
           <a:blip r:embed="rId17">
             <a:extLst>
               <a:ext uri="{28A0092B-C50C-407E-A947-70E740481C1C}">
@@ -4599,13 +4510,14 @@
               </a:ext>
             </a:extLst>
           </a:blip>
-          <a:srcRect t="5314" r="3477"/>
-          <a:stretch/>
+          <a:stretch>
+            <a:fillRect/>
+          </a:stretch>
         </p:blipFill>
         <p:spPr>
           <a:xfrm>
-            <a:off x="6609206" y="3398642"/>
-            <a:ext cx="3200400" cy="2770113"/>
+            <a:off x="6636012" y="3387817"/>
+            <a:ext cx="3171976" cy="2791339"/>
           </a:xfrm>
           <a:prstGeom prst="rect">
             <a:avLst/>
@@ -4614,10 +4526,10 @@
       </p:pic>
       <p:pic>
         <p:nvPicPr>
-          <p:cNvPr id="9" name="Picture 8">
+          <p:cNvPr id="27" name="Picture 26" descr="A picture containing text, screenshot, colorfulness, astronomy&#10;&#10;Description automatically generated">
             <a:extLst>
               <a:ext uri="{FF2B5EF4-FFF2-40B4-BE49-F238E27FC236}">
-                <a16:creationId xmlns:a16="http://schemas.microsoft.com/office/drawing/2014/main" id="{056280E9-E7DB-4E62-A3B2-EB46C38073C1}"/>
+                <a16:creationId xmlns:a16="http://schemas.microsoft.com/office/drawing/2014/main" id="{3D93F203-A8A7-64BC-15D4-538C7DACE23A}"/>
               </a:ext>
             </a:extLst>
           </p:cNvPr>
@@ -4626,7 +4538,7 @@
           </p:cNvPicPr>
           <p:nvPr/>
         </p:nvPicPr>
-        <p:blipFill rotWithShape="1">
+        <p:blipFill>
           <a:blip r:embed="rId18">
             <a:extLst>
               <a:ext uri="{28A0092B-C50C-407E-A947-70E740481C1C}">
@@ -4634,13 +4546,86 @@
               </a:ext>
             </a:extLst>
           </a:blip>
-          <a:srcRect t="4011" r="4011"/>
-          <a:stretch/>
+          <a:stretch>
+            <a:fillRect/>
+          </a:stretch>
         </p:blipFill>
         <p:spPr>
           <a:xfrm>
-            <a:off x="6593775" y="520779"/>
-            <a:ext cx="3202530" cy="2825762"/>
+            <a:off x="6656722" y="6253449"/>
+            <a:ext cx="3217406" cy="2831317"/>
+          </a:xfrm>
+          <a:prstGeom prst="rect">
+            <a:avLst/>
+          </a:prstGeom>
+        </p:spPr>
+      </p:pic>
+      <p:pic>
+        <p:nvPicPr>
+          <p:cNvPr id="33" name="Picture 32" descr="A picture containing text, screenshot&#10;&#10;Description automatically generated">
+            <a:extLst>
+              <a:ext uri="{FF2B5EF4-FFF2-40B4-BE49-F238E27FC236}">
+                <a16:creationId xmlns:a16="http://schemas.microsoft.com/office/drawing/2014/main" id="{35E50A69-65E1-0B97-BD4F-EAD91284B913}"/>
+              </a:ext>
+            </a:extLst>
+          </p:cNvPr>
+          <p:cNvPicPr>
+            <a:picLocks noChangeAspect="1"/>
+          </p:cNvPicPr>
+          <p:nvPr/>
+        </p:nvPicPr>
+        <p:blipFill>
+          <a:blip r:embed="rId19">
+            <a:extLst>
+              <a:ext uri="{28A0092B-C50C-407E-A947-70E740481C1C}">
+                <a14:useLocalDpi xmlns:a14="http://schemas.microsoft.com/office/drawing/2010/main" val="0"/>
+              </a:ext>
+            </a:extLst>
+          </a:blip>
+          <a:stretch>
+            <a:fillRect/>
+          </a:stretch>
+        </p:blipFill>
+        <p:spPr>
+          <a:xfrm>
+            <a:off x="9761171" y="671312"/>
+            <a:ext cx="3505444" cy="2631668"/>
+          </a:xfrm>
+          <a:prstGeom prst="rect">
+            <a:avLst/>
+          </a:prstGeom>
+        </p:spPr>
+      </p:pic>
+      <p:pic>
+        <p:nvPicPr>
+          <p:cNvPr id="23" name="Picture 22" descr="A picture containing screenshot, text, colorfulness, astronomy&#10;&#10;Description automatically generated">
+            <a:extLst>
+              <a:ext uri="{FF2B5EF4-FFF2-40B4-BE49-F238E27FC236}">
+                <a16:creationId xmlns:a16="http://schemas.microsoft.com/office/drawing/2014/main" id="{236871B6-56CE-9245-1FDA-D3EAC390FC40}"/>
+              </a:ext>
+            </a:extLst>
+          </p:cNvPr>
+          <p:cNvPicPr>
+            <a:picLocks noChangeAspect="1"/>
+          </p:cNvPicPr>
+          <p:nvPr/>
+        </p:nvPicPr>
+        <p:blipFill>
+          <a:blip r:embed="rId20">
+            <a:extLst>
+              <a:ext uri="{28A0092B-C50C-407E-A947-70E740481C1C}">
+                <a14:useLocalDpi xmlns:a14="http://schemas.microsoft.com/office/drawing/2010/main" val="0"/>
+              </a:ext>
+            </a:extLst>
+          </a:blip>
+          <a:stretch>
+            <a:fillRect/>
+          </a:stretch>
+        </p:blipFill>
+        <p:spPr>
+          <a:xfrm>
+            <a:off x="6656722" y="622531"/>
+            <a:ext cx="3120778" cy="2746285"/>
           </a:xfrm>
           <a:prstGeom prst="rect">
             <a:avLst/>

--- a/Diagnostics/local/Figures/paper_figures/Fig6.pptx
+++ b/Diagnostics/local/Figures/paper_figures/Fig6.pptx
@@ -197,7 +197,7 @@
           <a:p>
             <a:fld id="{EF01F5E3-F218-412E-8BC3-D55FF0C40A04}" type="datetimeFigureOut">
               <a:rPr lang="en-US" smtClean="0"/>
-              <a:t>6/23/23</a:t>
+              <a:t>7/27/2023</a:t>
             </a:fld>
             <a:endParaRPr lang="en-US"/>
           </a:p>
@@ -684,7 +684,7 @@
           <a:p>
             <a:fld id="{D7255102-6478-444A-A334-5416F04ED077}" type="datetimeFigureOut">
               <a:rPr lang="en-US" smtClean="0"/>
-              <a:t>6/23/23</a:t>
+              <a:t>7/27/2023</a:t>
             </a:fld>
             <a:endParaRPr lang="en-US"/>
           </a:p>
@@ -854,7 +854,7 @@
           <a:p>
             <a:fld id="{D7255102-6478-444A-A334-5416F04ED077}" type="datetimeFigureOut">
               <a:rPr lang="en-US" smtClean="0"/>
-              <a:t>6/23/23</a:t>
+              <a:t>7/27/2023</a:t>
             </a:fld>
             <a:endParaRPr lang="en-US"/>
           </a:p>
@@ -1034,7 +1034,7 @@
           <a:p>
             <a:fld id="{D7255102-6478-444A-A334-5416F04ED077}" type="datetimeFigureOut">
               <a:rPr lang="en-US" smtClean="0"/>
-              <a:t>6/23/23</a:t>
+              <a:t>7/27/2023</a:t>
             </a:fld>
             <a:endParaRPr lang="en-US"/>
           </a:p>
@@ -1204,7 +1204,7 @@
           <a:p>
             <a:fld id="{D7255102-6478-444A-A334-5416F04ED077}" type="datetimeFigureOut">
               <a:rPr lang="en-US" smtClean="0"/>
-              <a:t>6/23/23</a:t>
+              <a:t>7/27/2023</a:t>
             </a:fld>
             <a:endParaRPr lang="en-US"/>
           </a:p>
@@ -1448,7 +1448,7 @@
           <a:p>
             <a:fld id="{D7255102-6478-444A-A334-5416F04ED077}" type="datetimeFigureOut">
               <a:rPr lang="en-US" smtClean="0"/>
-              <a:t>6/23/23</a:t>
+              <a:t>7/27/2023</a:t>
             </a:fld>
             <a:endParaRPr lang="en-US"/>
           </a:p>
@@ -1680,7 +1680,7 @@
           <a:p>
             <a:fld id="{D7255102-6478-444A-A334-5416F04ED077}" type="datetimeFigureOut">
               <a:rPr lang="en-US" smtClean="0"/>
-              <a:t>6/23/23</a:t>
+              <a:t>7/27/2023</a:t>
             </a:fld>
             <a:endParaRPr lang="en-US"/>
           </a:p>
@@ -2047,7 +2047,7 @@
           <a:p>
             <a:fld id="{D7255102-6478-444A-A334-5416F04ED077}" type="datetimeFigureOut">
               <a:rPr lang="en-US" smtClean="0"/>
-              <a:t>6/23/23</a:t>
+              <a:t>7/27/2023</a:t>
             </a:fld>
             <a:endParaRPr lang="en-US"/>
           </a:p>
@@ -2165,7 +2165,7 @@
           <a:p>
             <a:fld id="{D7255102-6478-444A-A334-5416F04ED077}" type="datetimeFigureOut">
               <a:rPr lang="en-US" smtClean="0"/>
-              <a:t>6/23/23</a:t>
+              <a:t>7/27/2023</a:t>
             </a:fld>
             <a:endParaRPr lang="en-US"/>
           </a:p>
@@ -2260,7 +2260,7 @@
           <a:p>
             <a:fld id="{D7255102-6478-444A-A334-5416F04ED077}" type="datetimeFigureOut">
               <a:rPr lang="en-US" smtClean="0"/>
-              <a:t>6/23/23</a:t>
+              <a:t>7/27/2023</a:t>
             </a:fld>
             <a:endParaRPr lang="en-US"/>
           </a:p>
@@ -2537,7 +2537,7 @@
           <a:p>
             <a:fld id="{D7255102-6478-444A-A334-5416F04ED077}" type="datetimeFigureOut">
               <a:rPr lang="en-US" smtClean="0"/>
-              <a:t>6/23/23</a:t>
+              <a:t>7/27/2023</a:t>
             </a:fld>
             <a:endParaRPr lang="en-US"/>
           </a:p>
@@ -2794,7 +2794,7 @@
           <a:p>
             <a:fld id="{D7255102-6478-444A-A334-5416F04ED077}" type="datetimeFigureOut">
               <a:rPr lang="en-US" smtClean="0"/>
-              <a:t>6/23/23</a:t>
+              <a:t>7/27/2023</a:t>
             </a:fld>
             <a:endParaRPr lang="en-US"/>
           </a:p>
@@ -3007,7 +3007,7 @@
           <a:p>
             <a:fld id="{D7255102-6478-444A-A334-5416F04ED077}" type="datetimeFigureOut">
               <a:rPr lang="en-US" smtClean="0"/>
-              <a:t>6/23/23</a:t>
+              <a:t>7/27/2023</a:t>
             </a:fld>
             <a:endParaRPr lang="en-US"/>
           </a:p>
@@ -3476,111 +3476,6 @@
           <a:xfrm>
             <a:off x="3497039" y="541142"/>
             <a:ext cx="3115138" cy="2857500"/>
-          </a:xfrm>
-          <a:prstGeom prst="rect">
-            <a:avLst/>
-          </a:prstGeom>
-        </p:spPr>
-      </p:pic>
-      <p:pic>
-        <p:nvPicPr>
-          <p:cNvPr id="16" name="Picture 15">
-            <a:extLst>
-              <a:ext uri="{FF2B5EF4-FFF2-40B4-BE49-F238E27FC236}">
-                <a16:creationId xmlns:a16="http://schemas.microsoft.com/office/drawing/2014/main" id="{A867D79D-772D-4A55-8790-F62DDA4A71ED}"/>
-              </a:ext>
-            </a:extLst>
-          </p:cNvPr>
-          <p:cNvPicPr>
-            <a:picLocks noChangeAspect="1"/>
-          </p:cNvPicPr>
-          <p:nvPr/>
-        </p:nvPicPr>
-        <p:blipFill rotWithShape="1">
-          <a:blip r:embed="rId5">
-            <a:extLst>
-              <a:ext uri="{28A0092B-C50C-407E-A947-70E740481C1C}">
-                <a14:useLocalDpi xmlns:a14="http://schemas.microsoft.com/office/drawing/2010/main" val="0"/>
-              </a:ext>
-            </a:extLst>
-          </a:blip>
-          <a:srcRect l="2408" t="8099" r="7173" b="627"/>
-          <a:stretch/>
-        </p:blipFill>
-        <p:spPr>
-          <a:xfrm>
-            <a:off x="478477" y="628044"/>
-            <a:ext cx="3017520" cy="2791339"/>
-          </a:xfrm>
-          <a:prstGeom prst="rect">
-            <a:avLst/>
-          </a:prstGeom>
-        </p:spPr>
-      </p:pic>
-      <p:pic>
-        <p:nvPicPr>
-          <p:cNvPr id="18" name="Picture 17">
-            <a:extLst>
-              <a:ext uri="{FF2B5EF4-FFF2-40B4-BE49-F238E27FC236}">
-                <a16:creationId xmlns:a16="http://schemas.microsoft.com/office/drawing/2014/main" id="{51B4BF47-0C32-4558-A42D-8427F2830C38}"/>
-              </a:ext>
-            </a:extLst>
-          </p:cNvPr>
-          <p:cNvPicPr>
-            <a:picLocks noChangeAspect="1"/>
-          </p:cNvPicPr>
-          <p:nvPr/>
-        </p:nvPicPr>
-        <p:blipFill rotWithShape="1">
-          <a:blip r:embed="rId6">
-            <a:extLst>
-              <a:ext uri="{28A0092B-C50C-407E-A947-70E740481C1C}">
-                <a14:useLocalDpi xmlns:a14="http://schemas.microsoft.com/office/drawing/2010/main" val="0"/>
-              </a:ext>
-            </a:extLst>
-          </a:blip>
-          <a:srcRect l="2136" t="8726" r="8308" b="1022"/>
-          <a:stretch/>
-        </p:blipFill>
-        <p:spPr>
-          <a:xfrm>
-            <a:off x="443973" y="3458865"/>
-            <a:ext cx="3017520" cy="2683200"/>
-          </a:xfrm>
-          <a:prstGeom prst="rect">
-            <a:avLst/>
-          </a:prstGeom>
-        </p:spPr>
-      </p:pic>
-      <p:pic>
-        <p:nvPicPr>
-          <p:cNvPr id="65" name="Picture 64">
-            <a:extLst>
-              <a:ext uri="{FF2B5EF4-FFF2-40B4-BE49-F238E27FC236}">
-                <a16:creationId xmlns:a16="http://schemas.microsoft.com/office/drawing/2014/main" id="{B2592084-4CE7-424A-8B08-3ACDE6CCF453}"/>
-              </a:ext>
-            </a:extLst>
-          </p:cNvPr>
-          <p:cNvPicPr>
-            <a:picLocks noChangeAspect="1"/>
-          </p:cNvPicPr>
-          <p:nvPr/>
-        </p:nvPicPr>
-        <p:blipFill rotWithShape="1">
-          <a:blip r:embed="rId7">
-            <a:extLst>
-              <a:ext uri="{28A0092B-C50C-407E-A947-70E740481C1C}">
-                <a14:useLocalDpi xmlns:a14="http://schemas.microsoft.com/office/drawing/2010/main" val="0"/>
-              </a:ext>
-            </a:extLst>
-          </a:blip>
-          <a:srcRect l="3390" t="9748" r="7054"/>
-          <a:stretch/>
-        </p:blipFill>
-        <p:spPr>
-          <a:xfrm>
-            <a:off x="478477" y="6437021"/>
-            <a:ext cx="3017520" cy="2683201"/>
           </a:xfrm>
           <a:prstGeom prst="rect">
             <a:avLst/>
@@ -4632,6 +4527,114 @@
           </a:prstGeom>
         </p:spPr>
       </p:pic>
+      <p:pic>
+        <p:nvPicPr>
+          <p:cNvPr id="12" name="Picture 11">
+            <a:extLst>
+              <a:ext uri="{FF2B5EF4-FFF2-40B4-BE49-F238E27FC236}">
+                <a16:creationId xmlns:a16="http://schemas.microsoft.com/office/drawing/2014/main" id="{B80F1F57-3855-4741-BFB1-6D5B43D6AE23}"/>
+              </a:ext>
+            </a:extLst>
+          </p:cNvPr>
+          <p:cNvPicPr>
+            <a:picLocks noChangeAspect="1"/>
+          </p:cNvPicPr>
+          <p:nvPr/>
+        </p:nvPicPr>
+        <p:blipFill>
+          <a:blip r:embed="rId21">
+            <a:extLst>
+              <a:ext uri="{28A0092B-C50C-407E-A947-70E740481C1C}">
+                <a14:useLocalDpi xmlns:a14="http://schemas.microsoft.com/office/drawing/2010/main" val="0"/>
+              </a:ext>
+            </a:extLst>
+          </a:blip>
+          <a:stretch>
+            <a:fillRect/>
+          </a:stretch>
+        </p:blipFill>
+        <p:spPr>
+          <a:xfrm>
+            <a:off x="370153" y="6316940"/>
+            <a:ext cx="3150970" cy="2834640"/>
+          </a:xfrm>
+          <a:prstGeom prst="rect">
+            <a:avLst/>
+          </a:prstGeom>
+        </p:spPr>
+      </p:pic>
+      <p:pic>
+        <p:nvPicPr>
+          <p:cNvPr id="14" name="Picture 13">
+            <a:extLst>
+              <a:ext uri="{FF2B5EF4-FFF2-40B4-BE49-F238E27FC236}">
+                <a16:creationId xmlns:a16="http://schemas.microsoft.com/office/drawing/2014/main" id="{4B0723C0-26AB-48E6-B9CF-9EB2FA377213}"/>
+              </a:ext>
+            </a:extLst>
+          </p:cNvPr>
+          <p:cNvPicPr>
+            <a:picLocks noChangeAspect="1"/>
+          </p:cNvPicPr>
+          <p:nvPr/>
+        </p:nvPicPr>
+        <p:blipFill>
+          <a:blip r:embed="rId22">
+            <a:extLst>
+              <a:ext uri="{28A0092B-C50C-407E-A947-70E740481C1C}">
+                <a14:useLocalDpi xmlns:a14="http://schemas.microsoft.com/office/drawing/2010/main" val="0"/>
+              </a:ext>
+            </a:extLst>
+          </a:blip>
+          <a:stretch>
+            <a:fillRect/>
+          </a:stretch>
+        </p:blipFill>
+        <p:spPr>
+          <a:xfrm>
+            <a:off x="378043" y="682519"/>
+            <a:ext cx="3150970" cy="2834640"/>
+          </a:xfrm>
+          <a:prstGeom prst="rect">
+            <a:avLst/>
+          </a:prstGeom>
+        </p:spPr>
+      </p:pic>
+      <p:pic>
+        <p:nvPicPr>
+          <p:cNvPr id="17" name="Picture 16">
+            <a:extLst>
+              <a:ext uri="{FF2B5EF4-FFF2-40B4-BE49-F238E27FC236}">
+                <a16:creationId xmlns:a16="http://schemas.microsoft.com/office/drawing/2014/main" id="{576604EC-6596-41F7-85B8-18D3EE0183ED}"/>
+              </a:ext>
+            </a:extLst>
+          </p:cNvPr>
+          <p:cNvPicPr>
+            <a:picLocks noChangeAspect="1"/>
+          </p:cNvPicPr>
+          <p:nvPr/>
+        </p:nvPicPr>
+        <p:blipFill>
+          <a:blip r:embed="rId23">
+            <a:extLst>
+              <a:ext uri="{28A0092B-C50C-407E-A947-70E740481C1C}">
+                <a14:useLocalDpi xmlns:a14="http://schemas.microsoft.com/office/drawing/2010/main" val="0"/>
+              </a:ext>
+            </a:extLst>
+          </a:blip>
+          <a:stretch>
+            <a:fillRect/>
+          </a:stretch>
+        </p:blipFill>
+        <p:spPr>
+          <a:xfrm>
+            <a:off x="378043" y="3533148"/>
+            <a:ext cx="3150969" cy="2834640"/>
+          </a:xfrm>
+          <a:prstGeom prst="rect">
+            <a:avLst/>
+          </a:prstGeom>
+        </p:spPr>
+      </p:pic>
     </p:spTree>
     <p:extLst>
       <p:ext uri="{BB962C8B-B14F-4D97-AF65-F5344CB8AC3E}">

--- a/Diagnostics/local/Figures/paper_figures/Fig6.pptx
+++ b/Diagnostics/local/Figures/paper_figures/Fig6.pptx
@@ -197,7 +197,7 @@
           <a:p>
             <a:fld id="{EF01F5E3-F218-412E-8BC3-D55FF0C40A04}" type="datetimeFigureOut">
               <a:rPr lang="en-US" smtClean="0"/>
-              <a:t>7/27/2023</a:t>
+              <a:t>8/25/2023</a:t>
             </a:fld>
             <a:endParaRPr lang="en-US"/>
           </a:p>
@@ -684,7 +684,7 @@
           <a:p>
             <a:fld id="{D7255102-6478-444A-A334-5416F04ED077}" type="datetimeFigureOut">
               <a:rPr lang="en-US" smtClean="0"/>
-              <a:t>7/27/2023</a:t>
+              <a:t>8/25/2023</a:t>
             </a:fld>
             <a:endParaRPr lang="en-US"/>
           </a:p>
@@ -854,7 +854,7 @@
           <a:p>
             <a:fld id="{D7255102-6478-444A-A334-5416F04ED077}" type="datetimeFigureOut">
               <a:rPr lang="en-US" smtClean="0"/>
-              <a:t>7/27/2023</a:t>
+              <a:t>8/25/2023</a:t>
             </a:fld>
             <a:endParaRPr lang="en-US"/>
           </a:p>
@@ -1034,7 +1034,7 @@
           <a:p>
             <a:fld id="{D7255102-6478-444A-A334-5416F04ED077}" type="datetimeFigureOut">
               <a:rPr lang="en-US" smtClean="0"/>
-              <a:t>7/27/2023</a:t>
+              <a:t>8/25/2023</a:t>
             </a:fld>
             <a:endParaRPr lang="en-US"/>
           </a:p>
@@ -1204,7 +1204,7 @@
           <a:p>
             <a:fld id="{D7255102-6478-444A-A334-5416F04ED077}" type="datetimeFigureOut">
               <a:rPr lang="en-US" smtClean="0"/>
-              <a:t>7/27/2023</a:t>
+              <a:t>8/25/2023</a:t>
             </a:fld>
             <a:endParaRPr lang="en-US"/>
           </a:p>
@@ -1448,7 +1448,7 @@
           <a:p>
             <a:fld id="{D7255102-6478-444A-A334-5416F04ED077}" type="datetimeFigureOut">
               <a:rPr lang="en-US" smtClean="0"/>
-              <a:t>7/27/2023</a:t>
+              <a:t>8/25/2023</a:t>
             </a:fld>
             <a:endParaRPr lang="en-US"/>
           </a:p>
@@ -1680,7 +1680,7 @@
           <a:p>
             <a:fld id="{D7255102-6478-444A-A334-5416F04ED077}" type="datetimeFigureOut">
               <a:rPr lang="en-US" smtClean="0"/>
-              <a:t>7/27/2023</a:t>
+              <a:t>8/25/2023</a:t>
             </a:fld>
             <a:endParaRPr lang="en-US"/>
           </a:p>
@@ -2047,7 +2047,7 @@
           <a:p>
             <a:fld id="{D7255102-6478-444A-A334-5416F04ED077}" type="datetimeFigureOut">
               <a:rPr lang="en-US" smtClean="0"/>
-              <a:t>7/27/2023</a:t>
+              <a:t>8/25/2023</a:t>
             </a:fld>
             <a:endParaRPr lang="en-US"/>
           </a:p>
@@ -2165,7 +2165,7 @@
           <a:p>
             <a:fld id="{D7255102-6478-444A-A334-5416F04ED077}" type="datetimeFigureOut">
               <a:rPr lang="en-US" smtClean="0"/>
-              <a:t>7/27/2023</a:t>
+              <a:t>8/25/2023</a:t>
             </a:fld>
             <a:endParaRPr lang="en-US"/>
           </a:p>
@@ -2260,7 +2260,7 @@
           <a:p>
             <a:fld id="{D7255102-6478-444A-A334-5416F04ED077}" type="datetimeFigureOut">
               <a:rPr lang="en-US" smtClean="0"/>
-              <a:t>7/27/2023</a:t>
+              <a:t>8/25/2023</a:t>
             </a:fld>
             <a:endParaRPr lang="en-US"/>
           </a:p>
@@ -2537,7 +2537,7 @@
           <a:p>
             <a:fld id="{D7255102-6478-444A-A334-5416F04ED077}" type="datetimeFigureOut">
               <a:rPr lang="en-US" smtClean="0"/>
-              <a:t>7/27/2023</a:t>
+              <a:t>8/25/2023</a:t>
             </a:fld>
             <a:endParaRPr lang="en-US"/>
           </a:p>
@@ -2794,7 +2794,7 @@
           <a:p>
             <a:fld id="{D7255102-6478-444A-A334-5416F04ED077}" type="datetimeFigureOut">
               <a:rPr lang="en-US" smtClean="0"/>
-              <a:t>7/27/2023</a:t>
+              <a:t>8/25/2023</a:t>
             </a:fld>
             <a:endParaRPr lang="en-US"/>
           </a:p>
@@ -3007,7 +3007,7 @@
           <a:p>
             <a:fld id="{D7255102-6478-444A-A334-5416F04ED077}" type="datetimeFigureOut">
               <a:rPr lang="en-US" smtClean="0"/>
-              <a:t>7/27/2023</a:t>
+              <a:t>8/25/2023</a:t>
             </a:fld>
             <a:endParaRPr lang="en-US"/>
           </a:p>
@@ -3522,7 +3522,7 @@
                       <m:sSub>
                         <m:sSubPr>
                           <m:ctrlPr>
-                            <a:rPr lang="en-US" sz="2000" b="1" i="1" dirty="0">
+                            <a:rPr lang="en-US" sz="2000" b="1" i="1" dirty="0" smtClean="0">
                               <a:latin typeface="Cambria Math" panose="02040503050406030204" pitchFamily="18" charset="0"/>
                               <a:cs typeface="Times New Roman" panose="02020603050405020304" pitchFamily="18" charset="0"/>
                             </a:rPr>
@@ -3562,11 +3562,18 @@
                         <m:t> =</m:t>
                       </m:r>
                       <m:r>
+                        <a:rPr lang="en-US" sz="2000" b="1" i="1" dirty="0" smtClean="0">
+                          <a:latin typeface="Cambria Math" panose="02040503050406030204" pitchFamily="18" charset="0"/>
+                          <a:cs typeface="Times New Roman" panose="02020603050405020304" pitchFamily="18" charset="0"/>
+                        </a:rPr>
+                        <m:t>𝟐𝟎</m:t>
+                      </m:r>
+                      <m:r>
                         <a:rPr lang="en-US" sz="2000" b="1" i="1" dirty="0">
                           <a:latin typeface="Cambria Math" panose="02040503050406030204" pitchFamily="18" charset="0"/>
                           <a:cs typeface="Times New Roman" panose="02020603050405020304" pitchFamily="18" charset="0"/>
                         </a:rPr>
-                        <m:t>𝟏𝟖𝟎𝟎</m:t>
+                        <m:t>𝟎𝟎</m:t>
                       </m:r>
                       <m:r>
                         <a:rPr lang="en-US" sz="2000" b="1" i="1" dirty="0">
@@ -3610,7 +3617,7 @@
                 <a:avLst/>
               </a:prstGeom>
               <a:blipFill>
-                <a:blip r:embed="rId10"/>
+                <a:blip r:embed="rId5"/>
                 <a:stretch>
                   <a:fillRect r="-7143"/>
                 </a:stretch>
@@ -4313,78 +4320,6 @@
       </p:pic>
       <p:pic>
         <p:nvPicPr>
-          <p:cNvPr id="19" name="Picture 18" descr="A picture containing text, screenshot&#10;&#10;Description automatically generated">
-            <a:extLst>
-              <a:ext uri="{FF2B5EF4-FFF2-40B4-BE49-F238E27FC236}">
-                <a16:creationId xmlns:a16="http://schemas.microsoft.com/office/drawing/2014/main" id="{DF81CEC9-0604-7263-EE30-F0C701B632C4}"/>
-              </a:ext>
-            </a:extLst>
-          </p:cNvPr>
-          <p:cNvPicPr>
-            <a:picLocks noChangeAspect="1"/>
-          </p:cNvPicPr>
-          <p:nvPr/>
-        </p:nvPicPr>
-        <p:blipFill>
-          <a:blip r:embed="rId15">
-            <a:extLst>
-              <a:ext uri="{28A0092B-C50C-407E-A947-70E740481C1C}">
-                <a14:useLocalDpi xmlns:a14="http://schemas.microsoft.com/office/drawing/2010/main" val="0"/>
-              </a:ext>
-            </a:extLst>
-          </a:blip>
-          <a:stretch>
-            <a:fillRect/>
-          </a:stretch>
-        </p:blipFill>
-        <p:spPr>
-          <a:xfrm>
-            <a:off x="9780095" y="3321981"/>
-            <a:ext cx="3493352" cy="2757909"/>
-          </a:xfrm>
-          <a:prstGeom prst="rect">
-            <a:avLst/>
-          </a:prstGeom>
-        </p:spPr>
-      </p:pic>
-      <p:pic>
-        <p:nvPicPr>
-          <p:cNvPr id="21" name="Picture 20" descr="A picture containing text, screenshot, font, colorfulness&#10;&#10;Description automatically generated">
-            <a:extLst>
-              <a:ext uri="{FF2B5EF4-FFF2-40B4-BE49-F238E27FC236}">
-                <a16:creationId xmlns:a16="http://schemas.microsoft.com/office/drawing/2014/main" id="{86961153-C8B2-6E7E-F1ED-4E04361DD9B2}"/>
-              </a:ext>
-            </a:extLst>
-          </p:cNvPr>
-          <p:cNvPicPr>
-            <a:picLocks noChangeAspect="1"/>
-          </p:cNvPicPr>
-          <p:nvPr/>
-        </p:nvPicPr>
-        <p:blipFill>
-          <a:blip r:embed="rId16">
-            <a:extLst>
-              <a:ext uri="{28A0092B-C50C-407E-A947-70E740481C1C}">
-                <a14:useLocalDpi xmlns:a14="http://schemas.microsoft.com/office/drawing/2010/main" val="0"/>
-              </a:ext>
-            </a:extLst>
-          </a:blip>
-          <a:stretch>
-            <a:fillRect/>
-          </a:stretch>
-        </p:blipFill>
-        <p:spPr>
-          <a:xfrm>
-            <a:off x="9857512" y="6238627"/>
-            <a:ext cx="3419642" cy="2699717"/>
-          </a:xfrm>
-          <a:prstGeom prst="rect">
-            <a:avLst/>
-          </a:prstGeom>
-        </p:spPr>
-      </p:pic>
-      <p:pic>
-        <p:nvPicPr>
           <p:cNvPr id="25" name="Picture 24" descr="A picture containing text, screenshot, colorfulness, astronomy&#10;&#10;Description automatically generated">
             <a:extLst>
               <a:ext uri="{FF2B5EF4-FFF2-40B4-BE49-F238E27FC236}">
@@ -4398,7 +4333,7 @@
           <p:nvPr/>
         </p:nvPicPr>
         <p:blipFill>
-          <a:blip r:embed="rId17">
+          <a:blip r:embed="rId15">
             <a:extLst>
               <a:ext uri="{28A0092B-C50C-407E-A947-70E740481C1C}">
                 <a14:useLocalDpi xmlns:a14="http://schemas.microsoft.com/office/drawing/2010/main" val="0"/>
@@ -4434,7 +4369,7 @@
           <p:nvPr/>
         </p:nvPicPr>
         <p:blipFill>
-          <a:blip r:embed="rId18">
+          <a:blip r:embed="rId16">
             <a:extLst>
               <a:ext uri="{28A0092B-C50C-407E-A947-70E740481C1C}">
                 <a14:useLocalDpi xmlns:a14="http://schemas.microsoft.com/office/drawing/2010/main" val="0"/>
@@ -4457,42 +4392,6 @@
       </p:pic>
       <p:pic>
         <p:nvPicPr>
-          <p:cNvPr id="33" name="Picture 32" descr="A picture containing text, screenshot&#10;&#10;Description automatically generated">
-            <a:extLst>
-              <a:ext uri="{FF2B5EF4-FFF2-40B4-BE49-F238E27FC236}">
-                <a16:creationId xmlns:a16="http://schemas.microsoft.com/office/drawing/2014/main" id="{35E50A69-65E1-0B97-BD4F-EAD91284B913}"/>
-              </a:ext>
-            </a:extLst>
-          </p:cNvPr>
-          <p:cNvPicPr>
-            <a:picLocks noChangeAspect="1"/>
-          </p:cNvPicPr>
-          <p:nvPr/>
-        </p:nvPicPr>
-        <p:blipFill>
-          <a:blip r:embed="rId19">
-            <a:extLst>
-              <a:ext uri="{28A0092B-C50C-407E-A947-70E740481C1C}">
-                <a14:useLocalDpi xmlns:a14="http://schemas.microsoft.com/office/drawing/2010/main" val="0"/>
-              </a:ext>
-            </a:extLst>
-          </a:blip>
-          <a:stretch>
-            <a:fillRect/>
-          </a:stretch>
-        </p:blipFill>
-        <p:spPr>
-          <a:xfrm>
-            <a:off x="9761171" y="671312"/>
-            <a:ext cx="3505444" cy="2631668"/>
-          </a:xfrm>
-          <a:prstGeom prst="rect">
-            <a:avLst/>
-          </a:prstGeom>
-        </p:spPr>
-      </p:pic>
-      <p:pic>
-        <p:nvPicPr>
           <p:cNvPr id="23" name="Picture 22" descr="A picture containing screenshot, text, colorfulness, astronomy&#10;&#10;Description automatically generated">
             <a:extLst>
               <a:ext uri="{FF2B5EF4-FFF2-40B4-BE49-F238E27FC236}">
@@ -4506,7 +4405,7 @@
           <p:nvPr/>
         </p:nvPicPr>
         <p:blipFill>
-          <a:blip r:embed="rId20">
+          <a:blip r:embed="rId17">
             <a:extLst>
               <a:ext uri="{28A0092B-C50C-407E-A947-70E740481C1C}">
                 <a14:useLocalDpi xmlns:a14="http://schemas.microsoft.com/office/drawing/2010/main" val="0"/>
@@ -4542,6 +4441,114 @@
           <p:nvPr/>
         </p:nvPicPr>
         <p:blipFill>
+          <a:blip r:embed="rId18">
+            <a:extLst>
+              <a:ext uri="{28A0092B-C50C-407E-A947-70E740481C1C}">
+                <a14:useLocalDpi xmlns:a14="http://schemas.microsoft.com/office/drawing/2010/main" val="0"/>
+              </a:ext>
+            </a:extLst>
+          </a:blip>
+          <a:stretch>
+            <a:fillRect/>
+          </a:stretch>
+        </p:blipFill>
+        <p:spPr>
+          <a:xfrm>
+            <a:off x="426117" y="6284161"/>
+            <a:ext cx="3095006" cy="2784294"/>
+          </a:xfrm>
+          <a:prstGeom prst="rect">
+            <a:avLst/>
+          </a:prstGeom>
+        </p:spPr>
+      </p:pic>
+      <p:pic>
+        <p:nvPicPr>
+          <p:cNvPr id="14" name="Picture 13">
+            <a:extLst>
+              <a:ext uri="{FF2B5EF4-FFF2-40B4-BE49-F238E27FC236}">
+                <a16:creationId xmlns:a16="http://schemas.microsoft.com/office/drawing/2014/main" id="{4B0723C0-26AB-48E6-B9CF-9EB2FA377213}"/>
+              </a:ext>
+            </a:extLst>
+          </p:cNvPr>
+          <p:cNvPicPr>
+            <a:picLocks noChangeAspect="1"/>
+          </p:cNvPicPr>
+          <p:nvPr/>
+        </p:nvPicPr>
+        <p:blipFill>
+          <a:blip r:embed="rId19">
+            <a:extLst>
+              <a:ext uri="{28A0092B-C50C-407E-A947-70E740481C1C}">
+                <a14:useLocalDpi xmlns:a14="http://schemas.microsoft.com/office/drawing/2010/main" val="0"/>
+              </a:ext>
+            </a:extLst>
+          </a:blip>
+          <a:stretch>
+            <a:fillRect/>
+          </a:stretch>
+        </p:blipFill>
+        <p:spPr>
+          <a:xfrm>
+            <a:off x="426175" y="583319"/>
+            <a:ext cx="3102837" cy="2791339"/>
+          </a:xfrm>
+          <a:prstGeom prst="rect">
+            <a:avLst/>
+          </a:prstGeom>
+        </p:spPr>
+      </p:pic>
+      <p:pic>
+        <p:nvPicPr>
+          <p:cNvPr id="17" name="Picture 16">
+            <a:extLst>
+              <a:ext uri="{FF2B5EF4-FFF2-40B4-BE49-F238E27FC236}">
+                <a16:creationId xmlns:a16="http://schemas.microsoft.com/office/drawing/2014/main" id="{576604EC-6596-41F7-85B8-18D3EE0183ED}"/>
+              </a:ext>
+            </a:extLst>
+          </p:cNvPr>
+          <p:cNvPicPr>
+            <a:picLocks noChangeAspect="1"/>
+          </p:cNvPicPr>
+          <p:nvPr/>
+        </p:nvPicPr>
+        <p:blipFill>
+          <a:blip r:embed="rId20">
+            <a:extLst>
+              <a:ext uri="{28A0092B-C50C-407E-A947-70E740481C1C}">
+                <a14:useLocalDpi xmlns:a14="http://schemas.microsoft.com/office/drawing/2010/main" val="0"/>
+              </a:ext>
+            </a:extLst>
+          </a:blip>
+          <a:stretch>
+            <a:fillRect/>
+          </a:stretch>
+        </p:blipFill>
+        <p:spPr>
+          <a:xfrm>
+            <a:off x="382920" y="3406909"/>
+            <a:ext cx="3146092" cy="2830253"/>
+          </a:xfrm>
+          <a:prstGeom prst="rect">
+            <a:avLst/>
+          </a:prstGeom>
+        </p:spPr>
+      </p:pic>
+      <p:pic>
+        <p:nvPicPr>
+          <p:cNvPr id="3" name="Picture 2">
+            <a:extLst>
+              <a:ext uri="{FF2B5EF4-FFF2-40B4-BE49-F238E27FC236}">
+                <a16:creationId xmlns:a16="http://schemas.microsoft.com/office/drawing/2014/main" id="{3068DA60-4346-48BF-88E3-91343D22F319}"/>
+              </a:ext>
+            </a:extLst>
+          </p:cNvPr>
+          <p:cNvPicPr>
+            <a:picLocks noChangeAspect="1"/>
+          </p:cNvPicPr>
+          <p:nvPr/>
+        </p:nvPicPr>
+        <p:blipFill>
           <a:blip r:embed="rId21">
             <a:extLst>
               <a:ext uri="{28A0092B-C50C-407E-A947-70E740481C1C}">
@@ -4555,8 +4562,8 @@
         </p:blipFill>
         <p:spPr>
           <a:xfrm>
-            <a:off x="370153" y="6316940"/>
-            <a:ext cx="3150970" cy="2834640"/>
+            <a:off x="9874128" y="6304593"/>
+            <a:ext cx="3377963" cy="2743430"/>
           </a:xfrm>
           <a:prstGeom prst="rect">
             <a:avLst/>
@@ -4565,10 +4572,10 @@
       </p:pic>
       <p:pic>
         <p:nvPicPr>
-          <p:cNvPr id="14" name="Picture 13">
+          <p:cNvPr id="8" name="Picture 7">
             <a:extLst>
               <a:ext uri="{FF2B5EF4-FFF2-40B4-BE49-F238E27FC236}">
-                <a16:creationId xmlns:a16="http://schemas.microsoft.com/office/drawing/2014/main" id="{4B0723C0-26AB-48E6-B9CF-9EB2FA377213}"/>
+                <a16:creationId xmlns:a16="http://schemas.microsoft.com/office/drawing/2014/main" id="{8FF0A768-4918-4CE0-A998-0F3618A31F18}"/>
               </a:ext>
             </a:extLst>
           </p:cNvPr>
@@ -4591,8 +4598,8 @@
         </p:blipFill>
         <p:spPr>
           <a:xfrm>
-            <a:off x="378043" y="682519"/>
-            <a:ext cx="3150970" cy="2834640"/>
+            <a:off x="9831823" y="675759"/>
+            <a:ext cx="3419642" cy="2678660"/>
           </a:xfrm>
           <a:prstGeom prst="rect">
             <a:avLst/>
@@ -4601,10 +4608,10 @@
       </p:pic>
       <p:pic>
         <p:nvPicPr>
-          <p:cNvPr id="17" name="Picture 16">
+          <p:cNvPr id="10" name="Picture 9">
             <a:extLst>
               <a:ext uri="{FF2B5EF4-FFF2-40B4-BE49-F238E27FC236}">
-                <a16:creationId xmlns:a16="http://schemas.microsoft.com/office/drawing/2014/main" id="{576604EC-6596-41F7-85B8-18D3EE0183ED}"/>
+                <a16:creationId xmlns:a16="http://schemas.microsoft.com/office/drawing/2014/main" id="{A9F26BDA-D1B5-41B8-9E0A-7E77A38AC4EE}"/>
               </a:ext>
             </a:extLst>
           </p:cNvPr>
@@ -4627,8 +4634,8 @@
         </p:blipFill>
         <p:spPr>
           <a:xfrm>
-            <a:off x="378043" y="3533148"/>
-            <a:ext cx="3150969" cy="2834640"/>
+            <a:off x="9831823" y="3474563"/>
+            <a:ext cx="3419642" cy="2743430"/>
           </a:xfrm>
           <a:prstGeom prst="rect">
             <a:avLst/>

--- a/Diagnostics/local/Figures/paper_figures/Fig6.pptx
+++ b/Diagnostics/local/Figures/paper_figures/Fig6.pptx
@@ -197,7 +197,7 @@
           <a:p>
             <a:fld id="{EF01F5E3-F218-412E-8BC3-D55FF0C40A04}" type="datetimeFigureOut">
               <a:rPr lang="en-US" smtClean="0"/>
-              <a:t>8/25/2023</a:t>
+              <a:t>9/19/23</a:t>
             </a:fld>
             <a:endParaRPr lang="en-US"/>
           </a:p>
@@ -684,7 +684,7 @@
           <a:p>
             <a:fld id="{D7255102-6478-444A-A334-5416F04ED077}" type="datetimeFigureOut">
               <a:rPr lang="en-US" smtClean="0"/>
-              <a:t>8/25/2023</a:t>
+              <a:t>9/19/23</a:t>
             </a:fld>
             <a:endParaRPr lang="en-US"/>
           </a:p>
@@ -854,7 +854,7 @@
           <a:p>
             <a:fld id="{D7255102-6478-444A-A334-5416F04ED077}" type="datetimeFigureOut">
               <a:rPr lang="en-US" smtClean="0"/>
-              <a:t>8/25/2023</a:t>
+              <a:t>9/19/23</a:t>
             </a:fld>
             <a:endParaRPr lang="en-US"/>
           </a:p>
@@ -1034,7 +1034,7 @@
           <a:p>
             <a:fld id="{D7255102-6478-444A-A334-5416F04ED077}" type="datetimeFigureOut">
               <a:rPr lang="en-US" smtClean="0"/>
-              <a:t>8/25/2023</a:t>
+              <a:t>9/19/23</a:t>
             </a:fld>
             <a:endParaRPr lang="en-US"/>
           </a:p>
@@ -1204,7 +1204,7 @@
           <a:p>
             <a:fld id="{D7255102-6478-444A-A334-5416F04ED077}" type="datetimeFigureOut">
               <a:rPr lang="en-US" smtClean="0"/>
-              <a:t>8/25/2023</a:t>
+              <a:t>9/19/23</a:t>
             </a:fld>
             <a:endParaRPr lang="en-US"/>
           </a:p>
@@ -1448,7 +1448,7 @@
           <a:p>
             <a:fld id="{D7255102-6478-444A-A334-5416F04ED077}" type="datetimeFigureOut">
               <a:rPr lang="en-US" smtClean="0"/>
-              <a:t>8/25/2023</a:t>
+              <a:t>9/19/23</a:t>
             </a:fld>
             <a:endParaRPr lang="en-US"/>
           </a:p>
@@ -1680,7 +1680,7 @@
           <a:p>
             <a:fld id="{D7255102-6478-444A-A334-5416F04ED077}" type="datetimeFigureOut">
               <a:rPr lang="en-US" smtClean="0"/>
-              <a:t>8/25/2023</a:t>
+              <a:t>9/19/23</a:t>
             </a:fld>
             <a:endParaRPr lang="en-US"/>
           </a:p>
@@ -2047,7 +2047,7 @@
           <a:p>
             <a:fld id="{D7255102-6478-444A-A334-5416F04ED077}" type="datetimeFigureOut">
               <a:rPr lang="en-US" smtClean="0"/>
-              <a:t>8/25/2023</a:t>
+              <a:t>9/19/23</a:t>
             </a:fld>
             <a:endParaRPr lang="en-US"/>
           </a:p>
@@ -2165,7 +2165,7 @@
           <a:p>
             <a:fld id="{D7255102-6478-444A-A334-5416F04ED077}" type="datetimeFigureOut">
               <a:rPr lang="en-US" smtClean="0"/>
-              <a:t>8/25/2023</a:t>
+              <a:t>9/19/23</a:t>
             </a:fld>
             <a:endParaRPr lang="en-US"/>
           </a:p>
@@ -2260,7 +2260,7 @@
           <a:p>
             <a:fld id="{D7255102-6478-444A-A334-5416F04ED077}" type="datetimeFigureOut">
               <a:rPr lang="en-US" smtClean="0"/>
-              <a:t>8/25/2023</a:t>
+              <a:t>9/19/23</a:t>
             </a:fld>
             <a:endParaRPr lang="en-US"/>
           </a:p>
@@ -2537,7 +2537,7 @@
           <a:p>
             <a:fld id="{D7255102-6478-444A-A334-5416F04ED077}" type="datetimeFigureOut">
               <a:rPr lang="en-US" smtClean="0"/>
-              <a:t>8/25/2023</a:t>
+              <a:t>9/19/23</a:t>
             </a:fld>
             <a:endParaRPr lang="en-US"/>
           </a:p>
@@ -2794,7 +2794,7 @@
           <a:p>
             <a:fld id="{D7255102-6478-444A-A334-5416F04ED077}" type="datetimeFigureOut">
               <a:rPr lang="en-US" smtClean="0"/>
-              <a:t>8/25/2023</a:t>
+              <a:t>9/19/23</a:t>
             </a:fld>
             <a:endParaRPr lang="en-US"/>
           </a:p>
@@ -3007,7 +3007,7 @@
           <a:p>
             <a:fld id="{D7255102-6478-444A-A334-5416F04ED077}" type="datetimeFigureOut">
               <a:rPr lang="en-US" smtClean="0"/>
-              <a:t>8/25/2023</a:t>
+              <a:t>9/19/23</a:t>
             </a:fld>
             <a:endParaRPr lang="en-US"/>
           </a:p>
@@ -3434,13 +3434,13 @@
               </a:ext>
             </a:extLst>
           </a:blip>
-          <a:srcRect t="3998" r="7654"/>
+          <a:srcRect t="5404" r="7654"/>
           <a:stretch/>
         </p:blipFill>
         <p:spPr>
           <a:xfrm>
-            <a:off x="3541584" y="6262722"/>
-            <a:ext cx="3115138" cy="2857500"/>
+            <a:off x="3496613" y="6217994"/>
+            <a:ext cx="3167997" cy="2902228"/>
           </a:xfrm>
           <a:prstGeom prst="rect">
             <a:avLst/>
@@ -3469,13 +3469,13 @@
               </a:ext>
             </a:extLst>
           </a:blip>
-          <a:srcRect l="2" t="3998" r="7652"/>
+          <a:srcRect l="2" t="6556" r="7652"/>
           <a:stretch/>
         </p:blipFill>
         <p:spPr>
           <a:xfrm>
-            <a:off x="3497039" y="541142"/>
-            <a:ext cx="3115138" cy="2857500"/>
+            <a:off x="3486941" y="555615"/>
+            <a:ext cx="3115138" cy="2830782"/>
           </a:xfrm>
           <a:prstGeom prst="rect">
             <a:avLst/>
@@ -3638,8 +3638,8 @@
           </p:sp>
         </mc:Fallback>
       </mc:AlternateContent>
-      <mc:AlternateContent xmlns:mc="http://schemas.openxmlformats.org/markup-compatibility/2006" xmlns:a14="http://schemas.microsoft.com/office/drawing/2010/main">
-        <mc:Choice Requires="a14">
+      <mc:AlternateContent xmlns:mc="http://schemas.openxmlformats.org/markup-compatibility/2006">
+        <mc:Choice xmlns:a14="http://schemas.microsoft.com/office/drawing/2010/main" Requires="a14">
           <p:sp>
             <p:nvSpPr>
               <p:cNvPr id="77" name="TextBox 76">
@@ -3654,7 +3654,7 @@
             </p:nvSpPr>
             <p:spPr>
               <a:xfrm rot="16200000">
-                <a:off x="-1357796" y="4447005"/>
+                <a:off x="-1365291" y="4447005"/>
                 <a:ext cx="3193720" cy="427618"/>
               </a:xfrm>
               <a:prstGeom prst="rect">
@@ -3742,7 +3742,7 @@
             </p:txBody>
           </p:sp>
         </mc:Choice>
-        <mc:Fallback xmlns="">
+        <mc:Fallback>
           <p:sp>
             <p:nvSpPr>
               <p:cNvPr id="77" name="TextBox 76">
@@ -3759,16 +3759,16 @@
             </p:nvSpPr>
             <p:spPr>
               <a:xfrm rot="16200000">
-                <a:off x="-1357796" y="4447005"/>
+                <a:off x="-1365291" y="4447005"/>
                 <a:ext cx="3193720" cy="427618"/>
               </a:xfrm>
               <a:prstGeom prst="rect">
                 <a:avLst/>
               </a:prstGeom>
               <a:blipFill>
-                <a:blip r:embed="rId11"/>
+                <a:blip r:embed="rId6"/>
                 <a:stretch>
-                  <a:fillRect r="-7143"/>
+                  <a:fillRect r="-8571"/>
                 </a:stretch>
               </a:blipFill>
             </p:spPr>
@@ -3936,8 +3936,8 @@
           </p:sp>
         </mc:Fallback>
       </mc:AlternateContent>
-      <mc:AlternateContent xmlns:mc="http://schemas.openxmlformats.org/markup-compatibility/2006" xmlns:a14="http://schemas.microsoft.com/office/drawing/2010/main">
-        <mc:Choice Requires="a14">
+      <mc:AlternateContent xmlns:mc="http://schemas.openxmlformats.org/markup-compatibility/2006">
+        <mc:Choice xmlns:a14="http://schemas.microsoft.com/office/drawing/2010/main" Requires="a14">
           <p:sp>
             <p:nvSpPr>
               <p:cNvPr id="79" name="TextBox 78">
@@ -3952,7 +3952,7 @@
             </p:nvSpPr>
             <p:spPr>
               <a:xfrm>
-                <a:off x="771339" y="141078"/>
+                <a:off x="1157393" y="130821"/>
                 <a:ext cx="14216063" cy="414537"/>
               </a:xfrm>
               <a:prstGeom prst="rect">
@@ -3966,15 +3966,104 @@
               </a:bodyPr>
               <a:lstStyle/>
               <a:p>
-                <a:r>
-                  <a:rPr lang="en-US" b="1" dirty="0">
-                    <a:latin typeface="Times New Roman" panose="02020603050405020304" pitchFamily="18" charset="0"/>
-                    <a:cs typeface="Times New Roman" panose="02020603050405020304" pitchFamily="18" charset="0"/>
-                  </a:rPr>
-                  <a:t>Electron phase space </a:t>
-                </a:r>
                 <a14:m>
                   <m:oMath xmlns:m="http://schemas.openxmlformats.org/officeDocument/2006/math">
+                    <m:r>
+                      <a:rPr lang="en-US" b="1" i="1" dirty="0" smtClean="0">
+                        <a:latin typeface="Cambria Math" panose="02040503050406030204" pitchFamily="18" charset="0"/>
+                        <a:cs typeface="Times New Roman" panose="02020603050405020304" pitchFamily="18" charset="0"/>
+                      </a:rPr>
+                      <m:t>&lt;</m:t>
+                    </m:r>
+                    <m:sSub>
+                      <m:sSubPr>
+                        <m:ctrlPr>
+                          <a:rPr lang="en-US" b="1" i="1" dirty="0" smtClean="0">
+                            <a:latin typeface="Cambria Math" panose="02040503050406030204" pitchFamily="18" charset="0"/>
+                            <a:cs typeface="Times New Roman" panose="02020603050405020304" pitchFamily="18" charset="0"/>
+                          </a:rPr>
+                        </m:ctrlPr>
+                      </m:sSubPr>
+                      <m:e>
+                        <m:r>
+                          <a:rPr lang="en-US" b="1" i="1" dirty="0" smtClean="0">
+                            <a:latin typeface="Cambria Math" panose="02040503050406030204" pitchFamily="18" charset="0"/>
+                            <a:cs typeface="Times New Roman" panose="02020603050405020304" pitchFamily="18" charset="0"/>
+                          </a:rPr>
+                          <m:t>𝒇</m:t>
+                        </m:r>
+                      </m:e>
+                      <m:sub>
+                        <m:r>
+                          <a:rPr lang="en-US" b="1" i="1" dirty="0" smtClean="0">
+                            <a:latin typeface="Cambria Math" panose="02040503050406030204" pitchFamily="18" charset="0"/>
+                            <a:cs typeface="Times New Roman" panose="02020603050405020304" pitchFamily="18" charset="0"/>
+                          </a:rPr>
+                          <m:t>𝒆</m:t>
+                        </m:r>
+                      </m:sub>
+                    </m:sSub>
+                    <m:d>
+                      <m:dPr>
+                        <m:ctrlPr>
+                          <a:rPr lang="en-US" b="1" i="1" dirty="0" smtClean="0">
+                            <a:latin typeface="Cambria Math" panose="02040503050406030204" pitchFamily="18" charset="0"/>
+                            <a:cs typeface="Times New Roman" panose="02020603050405020304" pitchFamily="18" charset="0"/>
+                          </a:rPr>
+                        </m:ctrlPr>
+                      </m:dPr>
+                      <m:e>
+                        <m:r>
+                          <a:rPr lang="en-US" b="1" i="1" dirty="0" smtClean="0">
+                            <a:latin typeface="Cambria Math" panose="02040503050406030204" pitchFamily="18" charset="0"/>
+                            <a:cs typeface="Times New Roman" panose="02020603050405020304" pitchFamily="18" charset="0"/>
+                          </a:rPr>
+                          <m:t>𝒚</m:t>
+                        </m:r>
+                        <m:r>
+                          <a:rPr lang="en-US" b="1" i="1" dirty="0" smtClean="0">
+                            <a:latin typeface="Cambria Math" panose="02040503050406030204" pitchFamily="18" charset="0"/>
+                            <a:cs typeface="Times New Roman" panose="02020603050405020304" pitchFamily="18" charset="0"/>
+                          </a:rPr>
+                          <m:t>,</m:t>
+                        </m:r>
+                        <m:sSub>
+                          <m:sSubPr>
+                            <m:ctrlPr>
+                              <a:rPr lang="en-US" b="1" i="1" dirty="0" smtClean="0">
+                                <a:latin typeface="Cambria Math" panose="02040503050406030204" pitchFamily="18" charset="0"/>
+                                <a:cs typeface="Times New Roman" panose="02020603050405020304" pitchFamily="18" charset="0"/>
+                              </a:rPr>
+                            </m:ctrlPr>
+                          </m:sSubPr>
+                          <m:e>
+                            <m:r>
+                              <a:rPr lang="en-US" b="1" i="1" dirty="0" smtClean="0">
+                                <a:latin typeface="Cambria Math" panose="02040503050406030204" pitchFamily="18" charset="0"/>
+                                <a:cs typeface="Times New Roman" panose="02020603050405020304" pitchFamily="18" charset="0"/>
+                              </a:rPr>
+                              <m:t>𝒗</m:t>
+                            </m:r>
+                          </m:e>
+                          <m:sub>
+                            <m:r>
+                              <a:rPr lang="en-US" b="1" i="1" dirty="0" smtClean="0">
+                                <a:latin typeface="Cambria Math" panose="02040503050406030204" pitchFamily="18" charset="0"/>
+                                <a:cs typeface="Times New Roman" panose="02020603050405020304" pitchFamily="18" charset="0"/>
+                              </a:rPr>
+                              <m:t>𝒚</m:t>
+                            </m:r>
+                          </m:sub>
+                        </m:sSub>
+                      </m:e>
+                    </m:d>
+                    <m:r>
+                      <a:rPr lang="en-US" b="1" i="1" dirty="0" smtClean="0">
+                        <a:latin typeface="Cambria Math" panose="02040503050406030204" pitchFamily="18" charset="0"/>
+                        <a:cs typeface="Times New Roman" panose="02020603050405020304" pitchFamily="18" charset="0"/>
+                      </a:rPr>
+                      <m:t>&gt;</m:t>
+                    </m:r>
                     <m:d>
                       <m:dPr>
                         <m:ctrlPr>
@@ -3985,13 +4074,13 @@
                       </m:dPr>
                       <m:e>
                         <m:r>
-                          <a:rPr lang="en-US" b="1" i="1" dirty="0" err="1">
+                          <a:rPr lang="en-US" b="1" i="1" dirty="0" smtClean="0">
                             <a:latin typeface="Cambria Math" panose="02040503050406030204" pitchFamily="18" charset="0"/>
                           </a:rPr>
                           <m:t>𝒛</m:t>
                         </m:r>
                         <m:r>
-                          <a:rPr lang="en-US" b="1" i="1" dirty="0" err="1">
+                          <a:rPr lang="en-US" b="1" i="1" dirty="0" smtClean="0">
                             <a:latin typeface="Cambria Math" panose="02040503050406030204" pitchFamily="18" charset="0"/>
                           </a:rPr>
                           <m:t>,</m:t>
@@ -4014,7 +4103,7 @@
                           </m:e>
                           <m:sub>
                             <m:r>
-                              <a:rPr lang="en-US" b="1" i="1" dirty="0" err="1">
+                              <a:rPr lang="en-US" b="1" i="1" dirty="0" smtClean="0">
                                 <a:latin typeface="Cambria Math" panose="02040503050406030204" pitchFamily="18" charset="0"/>
                               </a:rPr>
                               <m:t>𝒛</m:t>
@@ -4023,17 +4112,221 @@
                         </m:sSub>
                       </m:e>
                     </m:d>
-                  </m:oMath>
-                </a14:m>
-                <a:r>
-                  <a:rPr lang="en-US" b="1" dirty="0">
-                    <a:latin typeface="Times New Roman" panose="02020603050405020304" pitchFamily="18" charset="0"/>
-                    <a:cs typeface="Times New Roman" panose="02020603050405020304" pitchFamily="18" charset="0"/>
-                  </a:rPr>
-                  <a:t>     Electron distribution </a:t>
-                </a:r>
-                <a14:m>
-                  <m:oMath xmlns:m="http://schemas.openxmlformats.org/officeDocument/2006/math">
+                    <m:r>
+                      <a:rPr lang="en-US" b="1" i="1" dirty="0" smtClean="0">
+                        <a:latin typeface="Cambria Math" panose="02040503050406030204" pitchFamily="18" charset="0"/>
+                      </a:rPr>
+                      <m:t>                 </m:t>
+                    </m:r>
+                    <m:r>
+                      <a:rPr lang="en-US" b="1" i="1" dirty="0">
+                        <a:latin typeface="Cambria Math" panose="02040503050406030204" pitchFamily="18" charset="0"/>
+                        <a:cs typeface="Times New Roman" panose="02020603050405020304" pitchFamily="18" charset="0"/>
+                      </a:rPr>
+                      <m:t>&lt;</m:t>
+                    </m:r>
+                    <m:sSub>
+                      <m:sSubPr>
+                        <m:ctrlPr>
+                          <a:rPr lang="en-US" b="1" i="1" dirty="0">
+                            <a:latin typeface="Cambria Math" panose="02040503050406030204" pitchFamily="18" charset="0"/>
+                            <a:cs typeface="Times New Roman" panose="02020603050405020304" pitchFamily="18" charset="0"/>
+                          </a:rPr>
+                        </m:ctrlPr>
+                      </m:sSubPr>
+                      <m:e>
+                        <m:r>
+                          <a:rPr lang="en-US" b="1" i="1" dirty="0">
+                            <a:latin typeface="Cambria Math" panose="02040503050406030204" pitchFamily="18" charset="0"/>
+                            <a:cs typeface="Times New Roman" panose="02020603050405020304" pitchFamily="18" charset="0"/>
+                          </a:rPr>
+                          <m:t>𝒇</m:t>
+                        </m:r>
+                      </m:e>
+                      <m:sub>
+                        <m:r>
+                          <a:rPr lang="en-US" b="1" i="1" dirty="0">
+                            <a:latin typeface="Cambria Math" panose="02040503050406030204" pitchFamily="18" charset="0"/>
+                            <a:cs typeface="Times New Roman" panose="02020603050405020304" pitchFamily="18" charset="0"/>
+                          </a:rPr>
+                          <m:t>𝒆</m:t>
+                        </m:r>
+                      </m:sub>
+                    </m:sSub>
+                    <m:d>
+                      <m:dPr>
+                        <m:ctrlPr>
+                          <a:rPr lang="en-US" b="1" i="1" dirty="0">
+                            <a:latin typeface="Cambria Math" panose="02040503050406030204" pitchFamily="18" charset="0"/>
+                            <a:cs typeface="Times New Roman" panose="02020603050405020304" pitchFamily="18" charset="0"/>
+                          </a:rPr>
+                        </m:ctrlPr>
+                      </m:dPr>
+                      <m:e>
+                        <m:r>
+                          <a:rPr lang="en-US" b="1" i="1" dirty="0" smtClean="0">
+                            <a:latin typeface="Cambria Math" panose="02040503050406030204" pitchFamily="18" charset="0"/>
+                            <a:cs typeface="Times New Roman" panose="02020603050405020304" pitchFamily="18" charset="0"/>
+                          </a:rPr>
+                          <m:t>𝒛</m:t>
+                        </m:r>
+                        <m:r>
+                          <a:rPr lang="en-US" b="1" i="1" dirty="0">
+                            <a:latin typeface="Cambria Math" panose="02040503050406030204" pitchFamily="18" charset="0"/>
+                            <a:cs typeface="Times New Roman" panose="02020603050405020304" pitchFamily="18" charset="0"/>
+                          </a:rPr>
+                          <m:t>,</m:t>
+                        </m:r>
+                        <m:r>
+                          <a:rPr lang="en-US" b="1" i="1" dirty="0" smtClean="0">
+                            <a:latin typeface="Cambria Math" panose="02040503050406030204" pitchFamily="18" charset="0"/>
+                            <a:cs typeface="Times New Roman" panose="02020603050405020304" pitchFamily="18" charset="0"/>
+                          </a:rPr>
+                          <m:t>𝒚</m:t>
+                        </m:r>
+                      </m:e>
+                    </m:d>
+                    <m:r>
+                      <a:rPr lang="en-US" b="1" i="1" dirty="0">
+                        <a:latin typeface="Cambria Math" panose="02040503050406030204" pitchFamily="18" charset="0"/>
+                        <a:cs typeface="Times New Roman" panose="02020603050405020304" pitchFamily="18" charset="0"/>
+                      </a:rPr>
+                      <m:t>&gt;</m:t>
+                    </m:r>
+                    <m:d>
+                      <m:dPr>
+                        <m:ctrlPr>
+                          <a:rPr lang="en-US" b="1" i="1" dirty="0">
+                            <a:latin typeface="Cambria Math" panose="02040503050406030204" pitchFamily="18" charset="0"/>
+                          </a:rPr>
+                        </m:ctrlPr>
+                      </m:dPr>
+                      <m:e>
+                        <m:sSub>
+                          <m:sSubPr>
+                            <m:ctrlPr>
+                              <a:rPr lang="en-US" b="1" i="1" dirty="0" smtClean="0">
+                                <a:latin typeface="Cambria Math" panose="02040503050406030204" pitchFamily="18" charset="0"/>
+                              </a:rPr>
+                            </m:ctrlPr>
+                          </m:sSubPr>
+                          <m:e>
+                            <m:r>
+                              <a:rPr lang="en-US" b="1" i="1" dirty="0" smtClean="0">
+                                <a:latin typeface="Cambria Math" panose="02040503050406030204" pitchFamily="18" charset="0"/>
+                              </a:rPr>
+                              <m:t>𝒗</m:t>
+                            </m:r>
+                          </m:e>
+                          <m:sub>
+                            <m:r>
+                              <a:rPr lang="en-US" b="1" i="1" dirty="0" smtClean="0">
+                                <a:latin typeface="Cambria Math" panose="02040503050406030204" pitchFamily="18" charset="0"/>
+                              </a:rPr>
+                              <m:t>𝒛</m:t>
+                            </m:r>
+                          </m:sub>
+                        </m:sSub>
+                        <m:r>
+                          <a:rPr lang="en-US" b="1" i="1" dirty="0">
+                            <a:latin typeface="Cambria Math" panose="02040503050406030204" pitchFamily="18" charset="0"/>
+                          </a:rPr>
+                          <m:t>,</m:t>
+                        </m:r>
+                        <m:sSub>
+                          <m:sSubPr>
+                            <m:ctrlPr>
+                              <a:rPr lang="en-US" b="1" i="1" dirty="0" err="1">
+                                <a:latin typeface="Cambria Math" panose="02040503050406030204" pitchFamily="18" charset="0"/>
+                              </a:rPr>
+                            </m:ctrlPr>
+                          </m:sSubPr>
+                          <m:e>
+                            <m:r>
+                              <a:rPr lang="en-US" b="1" i="1" dirty="0" err="1">
+                                <a:latin typeface="Cambria Math" panose="02040503050406030204" pitchFamily="18" charset="0"/>
+                              </a:rPr>
+                              <m:t>𝒗</m:t>
+                            </m:r>
+                          </m:e>
+                          <m:sub>
+                            <m:r>
+                              <a:rPr lang="en-US" b="1" i="1" dirty="0" smtClean="0">
+                                <a:latin typeface="Cambria Math" panose="02040503050406030204" pitchFamily="18" charset="0"/>
+                              </a:rPr>
+                              <m:t>𝒚</m:t>
+                            </m:r>
+                          </m:sub>
+                        </m:sSub>
+                      </m:e>
+                    </m:d>
+                    <m:r>
+                      <a:rPr lang="en-US" b="1" i="1" dirty="0">
+                        <a:latin typeface="Cambria Math" panose="02040503050406030204" pitchFamily="18" charset="0"/>
+                      </a:rPr>
+                      <m:t> </m:t>
+                    </m:r>
+                    <m:r>
+                      <a:rPr lang="en-US" b="1" i="1" dirty="0" smtClean="0">
+                        <a:latin typeface="Cambria Math" panose="02040503050406030204" pitchFamily="18" charset="0"/>
+                      </a:rPr>
+                      <m:t>                     &lt;</m:t>
+                    </m:r>
+                    <m:sSub>
+                      <m:sSubPr>
+                        <m:ctrlPr>
+                          <a:rPr lang="en-US" b="1" i="1" dirty="0" smtClean="0">
+                            <a:latin typeface="Cambria Math" panose="02040503050406030204" pitchFamily="18" charset="0"/>
+                          </a:rPr>
+                        </m:ctrlPr>
+                      </m:sSubPr>
+                      <m:e>
+                        <m:r>
+                          <a:rPr lang="en-US" b="1" i="1" dirty="0" smtClean="0">
+                            <a:latin typeface="Cambria Math" panose="02040503050406030204" pitchFamily="18" charset="0"/>
+                          </a:rPr>
+                          <m:t>𝒇</m:t>
+                        </m:r>
+                      </m:e>
+                      <m:sub>
+                        <m:r>
+                          <a:rPr lang="en-US" b="1" i="1" dirty="0" smtClean="0">
+                            <a:latin typeface="Cambria Math" panose="02040503050406030204" pitchFamily="18" charset="0"/>
+                          </a:rPr>
+                          <m:t>𝒊</m:t>
+                        </m:r>
+                      </m:sub>
+                    </m:sSub>
+                    <m:r>
+                      <a:rPr lang="en-US" b="1" i="1" dirty="0" smtClean="0">
+                        <a:latin typeface="Cambria Math" panose="02040503050406030204" pitchFamily="18" charset="0"/>
+                      </a:rPr>
+                      <m:t>(</m:t>
+                    </m:r>
+                    <m:r>
+                      <a:rPr lang="en-US" b="1" i="1" dirty="0" smtClean="0">
+                        <a:latin typeface="Cambria Math" panose="02040503050406030204" pitchFamily="18" charset="0"/>
+                      </a:rPr>
+                      <m:t>𝒛</m:t>
+                    </m:r>
+                    <m:r>
+                      <a:rPr lang="en-US" b="1" i="1" dirty="0" smtClean="0">
+                        <a:latin typeface="Cambria Math" panose="02040503050406030204" pitchFamily="18" charset="0"/>
+                      </a:rPr>
+                      <m:t>,</m:t>
+                    </m:r>
+                    <m:r>
+                      <a:rPr lang="en-US" b="1" i="1" dirty="0" smtClean="0">
+                        <a:latin typeface="Cambria Math" panose="02040503050406030204" pitchFamily="18" charset="0"/>
+                      </a:rPr>
+                      <m:t>𝒚</m:t>
+                    </m:r>
+                    <m:r>
+                      <a:rPr lang="en-US" b="1" i="1" dirty="0" smtClean="0">
+                        <a:latin typeface="Cambria Math" panose="02040503050406030204" pitchFamily="18" charset="0"/>
+                      </a:rPr>
+                      <m:t>)&gt;</m:t>
+                    </m:r>
                     <m:d>
                       <m:dPr>
                         <m:ctrlPr>
@@ -4108,137 +4401,13 @@
                     <a:latin typeface="Times New Roman" panose="02020603050405020304" pitchFamily="18" charset="0"/>
                     <a:cs typeface="Times New Roman" panose="02020603050405020304" pitchFamily="18" charset="0"/>
                   </a:rPr>
-                  <a:t>          Ion distribution </a:t>
-                </a:r>
-                <a14:m>
-                  <m:oMath xmlns:m="http://schemas.openxmlformats.org/officeDocument/2006/math">
-                    <m:d>
-                      <m:dPr>
-                        <m:ctrlPr>
-                          <a:rPr lang="en-US" b="1" i="1" dirty="0">
-                            <a:latin typeface="Cambria Math" panose="02040503050406030204" pitchFamily="18" charset="0"/>
-                          </a:rPr>
-                        </m:ctrlPr>
-                      </m:dPr>
-                      <m:e>
-                        <m:sSub>
-                          <m:sSubPr>
-                            <m:ctrlPr>
-                              <a:rPr lang="en-US" b="1" i="1" dirty="0">
-                                <a:latin typeface="Cambria Math" panose="02040503050406030204" pitchFamily="18" charset="0"/>
-                              </a:rPr>
-                            </m:ctrlPr>
-                          </m:sSubPr>
-                          <m:e>
-                            <m:r>
-                              <a:rPr lang="en-US" b="1" i="1" dirty="0">
-                                <a:latin typeface="Cambria Math" panose="02040503050406030204" pitchFamily="18" charset="0"/>
-                              </a:rPr>
-                              <m:t>𝒗</m:t>
-                            </m:r>
-                          </m:e>
-                          <m:sub>
-                            <m:r>
-                              <a:rPr lang="en-US" b="1" i="1" dirty="0">
-                                <a:latin typeface="Cambria Math" panose="02040503050406030204" pitchFamily="18" charset="0"/>
-                              </a:rPr>
-                              <m:t>𝒛</m:t>
-                            </m:r>
-                          </m:sub>
-                        </m:sSub>
-                        <m:r>
-                          <a:rPr lang="en-US" b="1" i="1" dirty="0" err="1">
-                            <a:latin typeface="Cambria Math" panose="02040503050406030204" pitchFamily="18" charset="0"/>
-                          </a:rPr>
-                          <m:t>,</m:t>
-                        </m:r>
-                        <m:sSub>
-                          <m:sSubPr>
-                            <m:ctrlPr>
-                              <a:rPr lang="en-US" b="1" i="1" dirty="0" err="1">
-                                <a:latin typeface="Cambria Math" panose="02040503050406030204" pitchFamily="18" charset="0"/>
-                              </a:rPr>
-                            </m:ctrlPr>
-                          </m:sSubPr>
-                          <m:e>
-                            <m:r>
-                              <a:rPr lang="en-US" b="1" i="1" dirty="0" err="1">
-                                <a:latin typeface="Cambria Math" panose="02040503050406030204" pitchFamily="18" charset="0"/>
-                              </a:rPr>
-                              <m:t>𝒗</m:t>
-                            </m:r>
-                          </m:e>
-                          <m:sub>
-                            <m:r>
-                              <a:rPr lang="en-US" b="1" i="1" dirty="0">
-                                <a:latin typeface="Cambria Math" panose="02040503050406030204" pitchFamily="18" charset="0"/>
-                              </a:rPr>
-                              <m:t>𝒚</m:t>
-                            </m:r>
-                          </m:sub>
-                        </m:sSub>
-                      </m:e>
-                    </m:d>
-                  </m:oMath>
-                </a14:m>
-                <a:r>
-                  <a:rPr lang="en-US" b="1" dirty="0">
-                    <a:latin typeface="Times New Roman" panose="02020603050405020304" pitchFamily="18" charset="0"/>
-                    <a:cs typeface="Times New Roman" panose="02020603050405020304" pitchFamily="18" charset="0"/>
-                  </a:rPr>
-                  <a:t>             Electric potential </a:t>
-                </a:r>
-                <a14:m>
-                  <m:oMath xmlns:m="http://schemas.openxmlformats.org/officeDocument/2006/math">
-                    <m:r>
-                      <a:rPr lang="en-US" b="1" i="1" dirty="0">
-                        <a:latin typeface="Cambria Math" panose="02040503050406030204" pitchFamily="18" charset="0"/>
-                        <a:cs typeface="Times New Roman" panose="02020603050405020304" pitchFamily="18" charset="0"/>
-                      </a:rPr>
-                      <m:t>(</m:t>
-                    </m:r>
-                    <m:r>
-                      <a:rPr lang="en-US" b="1" i="1" dirty="0" err="1">
-                        <a:latin typeface="Cambria Math" panose="02040503050406030204" pitchFamily="18" charset="0"/>
-                        <a:cs typeface="Times New Roman" panose="02020603050405020304" pitchFamily="18" charset="0"/>
-                      </a:rPr>
-                      <m:t>𝒛</m:t>
-                    </m:r>
-                    <m:r>
-                      <a:rPr lang="en-US" b="1" i="1" dirty="0" err="1">
-                        <a:latin typeface="Cambria Math" panose="02040503050406030204" pitchFamily="18" charset="0"/>
-                        <a:cs typeface="Times New Roman" panose="02020603050405020304" pitchFamily="18" charset="0"/>
-                      </a:rPr>
-                      <m:t>,</m:t>
-                    </m:r>
-                    <m:r>
-                      <a:rPr lang="en-US" b="1" i="1" dirty="0" err="1">
-                        <a:latin typeface="Cambria Math" panose="02040503050406030204" pitchFamily="18" charset="0"/>
-                        <a:cs typeface="Times New Roman" panose="02020603050405020304" pitchFamily="18" charset="0"/>
-                      </a:rPr>
-                      <m:t>𝒚</m:t>
-                    </m:r>
-                    <m:r>
-                      <a:rPr lang="en-US" b="1" i="1" dirty="0">
-                        <a:latin typeface="Cambria Math" panose="02040503050406030204" pitchFamily="18" charset="0"/>
-                        <a:cs typeface="Times New Roman" panose="02020603050405020304" pitchFamily="18" charset="0"/>
-                      </a:rPr>
-                      <m:t>)</m:t>
-                    </m:r>
-                  </m:oMath>
-                </a14:m>
-                <a:r>
-                  <a:rPr lang="en-US" b="1" dirty="0">
-                    <a:latin typeface="Times New Roman" panose="02020603050405020304" pitchFamily="18" charset="0"/>
-                    <a:cs typeface="Times New Roman" panose="02020603050405020304" pitchFamily="18" charset="0"/>
-                  </a:rPr>
                   <a:t>  </a:t>
                 </a:r>
               </a:p>
             </p:txBody>
           </p:sp>
         </mc:Choice>
-        <mc:Fallback xmlns="">
+        <mc:Fallback>
           <p:sp>
             <p:nvSpPr>
               <p:cNvPr id="79" name="TextBox 78">
@@ -4255,7 +4424,7 @@
             </p:nvSpPr>
             <p:spPr>
               <a:xfrm>
-                <a:off x="771339" y="141078"/>
+                <a:off x="1157393" y="130821"/>
                 <a:ext cx="14216063" cy="414537"/>
               </a:xfrm>
               <a:prstGeom prst="rect">
@@ -4264,7 +4433,7 @@
               <a:blipFill>
                 <a:blip r:embed="rId13"/>
                 <a:stretch>
-                  <a:fillRect l="-386" t="-2941" b="-16176"/>
+                  <a:fillRect b="-12121"/>
                 </a:stretch>
               </a:blipFill>
             </p:spPr>
@@ -4310,7 +4479,7 @@
         </p:blipFill>
         <p:spPr>
           <a:xfrm>
-            <a:off x="3471638" y="3449521"/>
+            <a:off x="3471638" y="3389561"/>
             <a:ext cx="3194338" cy="2839879"/>
           </a:xfrm>
           <a:prstGeom prst="rect">
@@ -4383,7 +4552,7 @@
         <p:spPr>
           <a:xfrm>
             <a:off x="6656722" y="6253449"/>
-            <a:ext cx="3217406" cy="2831317"/>
+            <a:ext cx="3151266" cy="2831317"/>
           </a:xfrm>
           <a:prstGeom prst="rect">
             <a:avLst/>
@@ -4418,8 +4587,8 @@
         </p:blipFill>
         <p:spPr>
           <a:xfrm>
-            <a:off x="6656722" y="622531"/>
-            <a:ext cx="3120778" cy="2746285"/>
+            <a:off x="6656722" y="543019"/>
+            <a:ext cx="3120778" cy="2791339"/>
           </a:xfrm>
           <a:prstGeom prst="rect">
             <a:avLst/>
@@ -4454,8 +4623,8 @@
         </p:blipFill>
         <p:spPr>
           <a:xfrm>
-            <a:off x="426117" y="6284161"/>
-            <a:ext cx="3095006" cy="2784294"/>
+            <a:off x="426117" y="6254181"/>
+            <a:ext cx="3095006" cy="2847696"/>
           </a:xfrm>
           <a:prstGeom prst="rect">
             <a:avLst/>
@@ -4490,7 +4659,7 @@
         </p:blipFill>
         <p:spPr>
           <a:xfrm>
-            <a:off x="426175" y="583319"/>
+            <a:off x="411185" y="553339"/>
             <a:ext cx="3102837" cy="2791339"/>
           </a:xfrm>
           <a:prstGeom prst="rect">
@@ -4526,7 +4695,7 @@
         </p:blipFill>
         <p:spPr>
           <a:xfrm>
-            <a:off x="382920" y="3406909"/>
+            <a:off x="382920" y="3391919"/>
             <a:ext cx="3146092" cy="2830253"/>
           </a:xfrm>
           <a:prstGeom prst="rect">
@@ -4562,8 +4731,8 @@
         </p:blipFill>
         <p:spPr>
           <a:xfrm>
-            <a:off x="9874128" y="6304593"/>
-            <a:ext cx="3377963" cy="2743430"/>
+            <a:off x="9771611" y="6304593"/>
+            <a:ext cx="3480481" cy="2763862"/>
           </a:xfrm>
           <a:prstGeom prst="rect">
             <a:avLst/>
@@ -4598,8 +4767,8 @@
         </p:blipFill>
         <p:spPr>
           <a:xfrm>
-            <a:off x="9831823" y="675759"/>
-            <a:ext cx="3419642" cy="2678660"/>
+            <a:off x="9745966" y="555614"/>
+            <a:ext cx="3519648" cy="2778743"/>
           </a:xfrm>
           <a:prstGeom prst="rect">
             <a:avLst/>
@@ -4634,8 +4803,8 @@
         </p:blipFill>
         <p:spPr>
           <a:xfrm>
-            <a:off x="9831823" y="3474563"/>
-            <a:ext cx="3419642" cy="2743430"/>
+            <a:off x="9771611" y="3474563"/>
+            <a:ext cx="3496088" cy="2743430"/>
           </a:xfrm>
           <a:prstGeom prst="rect">
             <a:avLst/>
